--- a/mongo.pptx
+++ b/mongo.pptx
@@ -1,6 +1,6 @@
 
 <file path=ppt/presentation.xml><?xml version="1.0" encoding="utf-8"?>
-<p:presentation xmlns:a="http://schemas.openxmlformats.org/drawingml/2006/main" xmlns:r="http://schemas.openxmlformats.org/officeDocument/2006/relationships" xmlns:mc="http://schemas.openxmlformats.org/markup-compatibility/2006" xmlns:mv="urn:schemas-microsoft-com:mac:vml" xmlns:p="http://schemas.openxmlformats.org/presentationml/2006/main" mc:Ignorable="mv" mc:PreserveAttributes="mv:*" saveSubsetFonts="1">
+<p:presentation xmlns:a="http://schemas.openxmlformats.org/drawingml/2006/main" xmlns:r="http://schemas.openxmlformats.org/officeDocument/2006/relationships" xmlns:p="http://schemas.openxmlformats.org/presentationml/2006/main" saveSubsetFonts="1">
   <p:sldMasterIdLst>
     <p:sldMasterId id="2147483744" r:id="rId1"/>
   </p:sldMasterIdLst>
@@ -155,7 +155,7 @@
 </file>
 
 <file path=ppt/notesMasters/notesMaster1.xml><?xml version="1.0" encoding="utf-8"?>
-<p:notesMaster xmlns:a="http://schemas.openxmlformats.org/drawingml/2006/main" xmlns:r="http://schemas.openxmlformats.org/officeDocument/2006/relationships" xmlns:mc="http://schemas.openxmlformats.org/markup-compatibility/2006" xmlns:mv="urn:schemas-microsoft-com:mac:vml" xmlns:p="http://schemas.openxmlformats.org/presentationml/2006/main" mc:Ignorable="mv" mc:PreserveAttributes="mv:*">
+<p:notesMaster xmlns:a="http://schemas.openxmlformats.org/drawingml/2006/main" xmlns:r="http://schemas.openxmlformats.org/officeDocument/2006/relationships" xmlns:p="http://schemas.openxmlformats.org/presentationml/2006/main">
   <p:cSld>
     <p:bg>
       <p:bgRef idx="1001">
@@ -237,7 +237,7 @@
             <a:fld id="{44EEA061-6E3C-4041-AB5B-95EBC9B50AA1}" type="datetimeFigureOut">
               <a:rPr lang="en-US" smtClean="0"/>
               <a:pPr/>
-              <a:t>5/19/10</a:t>
+              <a:t>9/14/2010</a:t>
             </a:fld>
             <a:endParaRPr lang="en-US"/>
           </a:p>
@@ -504,7 +504,1190 @@
 </file>
 
 <file path=ppt/notesSlides/notesSlide1.xml><?xml version="1.0" encoding="utf-8"?>
-<p:notes xmlns:a="http://schemas.openxmlformats.org/drawingml/2006/main" xmlns:r="http://schemas.openxmlformats.org/officeDocument/2006/relationships" xmlns:mc="http://schemas.openxmlformats.org/markup-compatibility/2006" xmlns:mv="urn:schemas-microsoft-com:mac:vml" xmlns:p="http://schemas.openxmlformats.org/presentationml/2006/main" mc:Ignorable="mv" mc:PreserveAttributes="mv:*">
+<p:notes xmlns:a="http://schemas.openxmlformats.org/drawingml/2006/main" xmlns:r="http://schemas.openxmlformats.org/officeDocument/2006/relationships" xmlns:p="http://schemas.openxmlformats.org/presentationml/2006/main">
+  <p:cSld>
+    <p:spTree>
+      <p:nvGrpSpPr>
+        <p:cNvPr id="1" name=""/>
+        <p:cNvGrpSpPr/>
+        <p:nvPr/>
+      </p:nvGrpSpPr>
+      <p:grpSpPr>
+        <a:xfrm>
+          <a:off x="0" y="0"/>
+          <a:ext cx="0" cy="0"/>
+          <a:chOff x="0" y="0"/>
+          <a:chExt cx="0" cy="0"/>
+        </a:xfrm>
+      </p:grpSpPr>
+      <p:sp>
+        <p:nvSpPr>
+          <p:cNvPr id="2" name="Slide Image Placeholder 1"/>
+          <p:cNvSpPr>
+            <a:spLocks noGrp="1" noRot="1" noChangeAspect="1"/>
+          </p:cNvSpPr>
+          <p:nvPr>
+            <p:ph type="sldImg"/>
+          </p:nvPr>
+        </p:nvSpPr>
+        <p:spPr/>
+      </p:sp>
+      <p:sp>
+        <p:nvSpPr>
+          <p:cNvPr id="3" name="Notes Placeholder 2"/>
+          <p:cNvSpPr>
+            <a:spLocks noGrp="1"/>
+          </p:cNvSpPr>
+          <p:nvPr>
+            <p:ph type="body" idx="1"/>
+          </p:nvPr>
+        </p:nvSpPr>
+        <p:spPr/>
+        <p:txBody>
+          <a:bodyPr>
+            <a:normAutofit/>
+          </a:bodyPr>
+          <a:lstStyle/>
+          <a:p>
+            <a:r>
+              <a:rPr lang="en-US" dirty="0" smtClean="0"/>
+              <a:t>This’ll go</a:t>
+            </a:r>
+            <a:r>
+              <a:rPr lang="en-US" baseline="0" dirty="0" smtClean="0"/>
+              <a:t> a lot better if we have a conversation rather than me up here talking the whole time.</a:t>
+            </a:r>
+            <a:endParaRPr lang="en-US" dirty="0"/>
+          </a:p>
+        </p:txBody>
+      </p:sp>
+      <p:sp>
+        <p:nvSpPr>
+          <p:cNvPr id="4" name="Slide Number Placeholder 3"/>
+          <p:cNvSpPr>
+            <a:spLocks noGrp="1"/>
+          </p:cNvSpPr>
+          <p:nvPr>
+            <p:ph type="sldNum" sz="quarter" idx="10"/>
+          </p:nvPr>
+        </p:nvSpPr>
+        <p:spPr/>
+        <p:txBody>
+          <a:bodyPr/>
+          <a:lstStyle/>
+          <a:p>
+            <a:fld id="{3A07B820-47FA-134C-9439-E1785E2AFBF4}" type="slidenum">
+              <a:rPr lang="en-US" smtClean="0"/>
+              <a:pPr/>
+              <a:t>2</a:t>
+            </a:fld>
+            <a:endParaRPr lang="en-US"/>
+          </a:p>
+        </p:txBody>
+      </p:sp>
+    </p:spTree>
+  </p:cSld>
+  <p:clrMapOvr>
+    <a:masterClrMapping/>
+  </p:clrMapOvr>
+</p:notes>
+</file>
+
+<file path=ppt/notesSlides/notesSlide10.xml><?xml version="1.0" encoding="utf-8"?>
+<p:notes xmlns:a="http://schemas.openxmlformats.org/drawingml/2006/main" xmlns:r="http://schemas.openxmlformats.org/officeDocument/2006/relationships" xmlns:p="http://schemas.openxmlformats.org/presentationml/2006/main">
+  <p:cSld>
+    <p:spTree>
+      <p:nvGrpSpPr>
+        <p:cNvPr id="1" name=""/>
+        <p:cNvGrpSpPr/>
+        <p:nvPr/>
+      </p:nvGrpSpPr>
+      <p:grpSpPr>
+        <a:xfrm>
+          <a:off x="0" y="0"/>
+          <a:ext cx="0" cy="0"/>
+          <a:chOff x="0" y="0"/>
+          <a:chExt cx="0" cy="0"/>
+        </a:xfrm>
+      </p:grpSpPr>
+      <p:sp>
+        <p:nvSpPr>
+          <p:cNvPr id="2" name="Slide Image Placeholder 1"/>
+          <p:cNvSpPr>
+            <a:spLocks noGrp="1" noRot="1" noChangeAspect="1"/>
+          </p:cNvSpPr>
+          <p:nvPr>
+            <p:ph type="sldImg"/>
+          </p:nvPr>
+        </p:nvSpPr>
+        <p:spPr/>
+      </p:sp>
+      <p:sp>
+        <p:nvSpPr>
+          <p:cNvPr id="3" name="Notes Placeholder 2"/>
+          <p:cNvSpPr>
+            <a:spLocks noGrp="1"/>
+          </p:cNvSpPr>
+          <p:nvPr>
+            <p:ph type="body" idx="1"/>
+          </p:nvPr>
+        </p:nvSpPr>
+        <p:spPr/>
+        <p:txBody>
+          <a:bodyPr>
+            <a:normAutofit/>
+          </a:bodyPr>
+          <a:lstStyle/>
+          <a:p>
+            <a:r>
+              <a:rPr lang="en-US" dirty="0" smtClean="0"/>
+              <a:t>Since all the data for a given item is likely contained</a:t>
+            </a:r>
+            <a:r>
+              <a:rPr lang="en-US" baseline="0" dirty="0" smtClean="0"/>
+              <a:t> within a given document…most joins will be eliminated.</a:t>
+            </a:r>
+            <a:endParaRPr lang="en-US" dirty="0"/>
+          </a:p>
+        </p:txBody>
+      </p:sp>
+      <p:sp>
+        <p:nvSpPr>
+          <p:cNvPr id="4" name="Slide Number Placeholder 3"/>
+          <p:cNvSpPr>
+            <a:spLocks noGrp="1"/>
+          </p:cNvSpPr>
+          <p:nvPr>
+            <p:ph type="sldNum" sz="quarter" idx="10"/>
+          </p:nvPr>
+        </p:nvSpPr>
+        <p:spPr/>
+        <p:txBody>
+          <a:bodyPr/>
+          <a:lstStyle/>
+          <a:p>
+            <a:fld id="{3A07B820-47FA-134C-9439-E1785E2AFBF4}" type="slidenum">
+              <a:rPr lang="en-US" smtClean="0"/>
+              <a:pPr/>
+              <a:t>12</a:t>
+            </a:fld>
+            <a:endParaRPr lang="en-US"/>
+          </a:p>
+        </p:txBody>
+      </p:sp>
+    </p:spTree>
+  </p:cSld>
+  <p:clrMapOvr>
+    <a:masterClrMapping/>
+  </p:clrMapOvr>
+</p:notes>
+</file>
+
+<file path=ppt/notesSlides/notesSlide11.xml><?xml version="1.0" encoding="utf-8"?>
+<p:notes xmlns:a="http://schemas.openxmlformats.org/drawingml/2006/main" xmlns:r="http://schemas.openxmlformats.org/officeDocument/2006/relationships" xmlns:p="http://schemas.openxmlformats.org/presentationml/2006/main">
+  <p:cSld>
+    <p:spTree>
+      <p:nvGrpSpPr>
+        <p:cNvPr id="1" name=""/>
+        <p:cNvGrpSpPr/>
+        <p:nvPr/>
+      </p:nvGrpSpPr>
+      <p:grpSpPr>
+        <a:xfrm>
+          <a:off x="0" y="0"/>
+          <a:ext cx="0" cy="0"/>
+          <a:chOff x="0" y="0"/>
+          <a:chExt cx="0" cy="0"/>
+        </a:xfrm>
+      </p:grpSpPr>
+      <p:sp>
+        <p:nvSpPr>
+          <p:cNvPr id="2" name="Slide Image Placeholder 1"/>
+          <p:cNvSpPr>
+            <a:spLocks noGrp="1" noRot="1" noChangeAspect="1"/>
+          </p:cNvSpPr>
+          <p:nvPr>
+            <p:ph type="sldImg"/>
+          </p:nvPr>
+        </p:nvSpPr>
+        <p:spPr/>
+      </p:sp>
+      <p:sp>
+        <p:nvSpPr>
+          <p:cNvPr id="3" name="Notes Placeholder 2"/>
+          <p:cNvSpPr>
+            <a:spLocks noGrp="1"/>
+          </p:cNvSpPr>
+          <p:nvPr>
+            <p:ph type="body" idx="1"/>
+          </p:nvPr>
+        </p:nvSpPr>
+        <p:spPr/>
+        <p:txBody>
+          <a:bodyPr>
+            <a:normAutofit/>
+          </a:bodyPr>
+          <a:lstStyle/>
+          <a:p>
+            <a:r>
+              <a:rPr lang="en-US" dirty="0" smtClean="0"/>
+              <a:t>And since we don’t have joins, </a:t>
+            </a:r>
+            <a:r>
+              <a:rPr lang="en-US" dirty="0" err="1" smtClean="0"/>
+              <a:t>sharding</a:t>
+            </a:r>
+            <a:r>
+              <a:rPr lang="en-US" dirty="0" smtClean="0"/>
+              <a:t> becomes a whole</a:t>
+            </a:r>
+            <a:r>
+              <a:rPr lang="en-US" baseline="0" dirty="0" smtClean="0"/>
+              <a:t> lot easier, because all the data will be local on a given box.  Allowing us to scale </a:t>
+            </a:r>
+            <a:r>
+              <a:rPr lang="en-US" baseline="0" dirty="0" smtClean="0"/>
+              <a:t>horizontally with </a:t>
+            </a:r>
+            <a:r>
+              <a:rPr lang="en-US" baseline="0" smtClean="0"/>
+              <a:t>commodity hardware.</a:t>
+            </a:r>
+            <a:endParaRPr lang="en-US" dirty="0"/>
+          </a:p>
+        </p:txBody>
+      </p:sp>
+      <p:sp>
+        <p:nvSpPr>
+          <p:cNvPr id="4" name="Slide Number Placeholder 3"/>
+          <p:cNvSpPr>
+            <a:spLocks noGrp="1"/>
+          </p:cNvSpPr>
+          <p:nvPr>
+            <p:ph type="sldNum" sz="quarter" idx="10"/>
+          </p:nvPr>
+        </p:nvSpPr>
+        <p:spPr/>
+        <p:txBody>
+          <a:bodyPr/>
+          <a:lstStyle/>
+          <a:p>
+            <a:fld id="{3A07B820-47FA-134C-9439-E1785E2AFBF4}" type="slidenum">
+              <a:rPr lang="en-US" smtClean="0"/>
+              <a:pPr/>
+              <a:t>13</a:t>
+            </a:fld>
+            <a:endParaRPr lang="en-US"/>
+          </a:p>
+        </p:txBody>
+      </p:sp>
+    </p:spTree>
+  </p:cSld>
+  <p:clrMapOvr>
+    <a:masterClrMapping/>
+  </p:clrMapOvr>
+</p:notes>
+</file>
+
+<file path=ppt/notesSlides/notesSlide12.xml><?xml version="1.0" encoding="utf-8"?>
+<p:notes xmlns:a="http://schemas.openxmlformats.org/drawingml/2006/main" xmlns:r="http://schemas.openxmlformats.org/officeDocument/2006/relationships" xmlns:p="http://schemas.openxmlformats.org/presentationml/2006/main">
+  <p:cSld>
+    <p:spTree>
+      <p:nvGrpSpPr>
+        <p:cNvPr id="1" name=""/>
+        <p:cNvGrpSpPr/>
+        <p:nvPr/>
+      </p:nvGrpSpPr>
+      <p:grpSpPr>
+        <a:xfrm>
+          <a:off x="0" y="0"/>
+          <a:ext cx="0" cy="0"/>
+          <a:chOff x="0" y="0"/>
+          <a:chExt cx="0" cy="0"/>
+        </a:xfrm>
+      </p:grpSpPr>
+      <p:sp>
+        <p:nvSpPr>
+          <p:cNvPr id="2" name="Slide Image Placeholder 1"/>
+          <p:cNvSpPr>
+            <a:spLocks noGrp="1" noRot="1" noChangeAspect="1"/>
+          </p:cNvSpPr>
+          <p:nvPr>
+            <p:ph type="sldImg"/>
+          </p:nvPr>
+        </p:nvSpPr>
+        <p:spPr/>
+      </p:sp>
+      <p:sp>
+        <p:nvSpPr>
+          <p:cNvPr id="3" name="Notes Placeholder 2"/>
+          <p:cNvSpPr>
+            <a:spLocks noGrp="1"/>
+          </p:cNvSpPr>
+          <p:nvPr>
+            <p:ph type="body" idx="1"/>
+          </p:nvPr>
+        </p:nvSpPr>
+        <p:spPr/>
+        <p:txBody>
+          <a:bodyPr>
+            <a:normAutofit/>
+          </a:bodyPr>
+          <a:lstStyle/>
+          <a:p>
+            <a:r>
+              <a:rPr lang="en-US" dirty="0" smtClean="0"/>
+              <a:t>And the cool side effect all of this has on our software, is that we’re going to come up with new and interesting models and architectures</a:t>
+            </a:r>
+            <a:endParaRPr lang="en-US" dirty="0"/>
+          </a:p>
+        </p:txBody>
+      </p:sp>
+      <p:sp>
+        <p:nvSpPr>
+          <p:cNvPr id="4" name="Slide Number Placeholder 3"/>
+          <p:cNvSpPr>
+            <a:spLocks noGrp="1"/>
+          </p:cNvSpPr>
+          <p:nvPr>
+            <p:ph type="sldNum" sz="quarter" idx="10"/>
+          </p:nvPr>
+        </p:nvSpPr>
+        <p:spPr/>
+        <p:txBody>
+          <a:bodyPr/>
+          <a:lstStyle/>
+          <a:p>
+            <a:fld id="{3A07B820-47FA-134C-9439-E1785E2AFBF4}" type="slidenum">
+              <a:rPr lang="en-US" smtClean="0"/>
+              <a:pPr/>
+              <a:t>14</a:t>
+            </a:fld>
+            <a:endParaRPr lang="en-US"/>
+          </a:p>
+        </p:txBody>
+      </p:sp>
+    </p:spTree>
+  </p:cSld>
+  <p:clrMapOvr>
+    <a:masterClrMapping/>
+  </p:clrMapOvr>
+</p:notes>
+</file>
+
+<file path=ppt/notesSlides/notesSlide13.xml><?xml version="1.0" encoding="utf-8"?>
+<p:notes xmlns:a="http://schemas.openxmlformats.org/drawingml/2006/main" xmlns:r="http://schemas.openxmlformats.org/officeDocument/2006/relationships" xmlns:p="http://schemas.openxmlformats.org/presentationml/2006/main">
+  <p:cSld>
+    <p:spTree>
+      <p:nvGrpSpPr>
+        <p:cNvPr id="1" name=""/>
+        <p:cNvGrpSpPr/>
+        <p:nvPr/>
+      </p:nvGrpSpPr>
+      <p:grpSpPr>
+        <a:xfrm>
+          <a:off x="0" y="0"/>
+          <a:ext cx="0" cy="0"/>
+          <a:chOff x="0" y="0"/>
+          <a:chExt cx="0" cy="0"/>
+        </a:xfrm>
+      </p:grpSpPr>
+      <p:sp>
+        <p:nvSpPr>
+          <p:cNvPr id="2" name="Slide Image Placeholder 1"/>
+          <p:cNvSpPr>
+            <a:spLocks noGrp="1" noRot="1" noChangeAspect="1"/>
+          </p:cNvSpPr>
+          <p:nvPr>
+            <p:ph type="sldImg"/>
+          </p:nvPr>
+        </p:nvSpPr>
+        <p:spPr/>
+      </p:sp>
+      <p:sp>
+        <p:nvSpPr>
+          <p:cNvPr id="3" name="Notes Placeholder 2"/>
+          <p:cNvSpPr>
+            <a:spLocks noGrp="1"/>
+          </p:cNvSpPr>
+          <p:nvPr>
+            <p:ph type="body" idx="1"/>
+          </p:nvPr>
+        </p:nvSpPr>
+        <p:spPr/>
+        <p:txBody>
+          <a:bodyPr>
+            <a:normAutofit/>
+          </a:bodyPr>
+          <a:lstStyle/>
+          <a:p>
+            <a:r>
+              <a:rPr lang="en-US" dirty="0" smtClean="0"/>
+              <a:t>It all starts with an idea</a:t>
+            </a:r>
+          </a:p>
+          <a:p>
+            <a:r>
+              <a:rPr lang="en-US" dirty="0" smtClean="0"/>
+              <a:t>Awesome</a:t>
+            </a:r>
+          </a:p>
+          <a:p>
+            <a:r>
+              <a:rPr lang="en-US" dirty="0" smtClean="0"/>
+              <a:t>Change</a:t>
+            </a:r>
+            <a:r>
+              <a:rPr lang="en-US" baseline="0" dirty="0" smtClean="0"/>
+              <a:t> the world</a:t>
+            </a:r>
+          </a:p>
+          <a:p>
+            <a:r>
+              <a:rPr lang="en-US" baseline="0" dirty="0" smtClean="0"/>
+              <a:t>Mobile, Web, Kindle, Desktop</a:t>
+            </a:r>
+            <a:endParaRPr lang="en-US" dirty="0"/>
+          </a:p>
+        </p:txBody>
+      </p:sp>
+      <p:sp>
+        <p:nvSpPr>
+          <p:cNvPr id="4" name="Slide Number Placeholder 3"/>
+          <p:cNvSpPr>
+            <a:spLocks noGrp="1"/>
+          </p:cNvSpPr>
+          <p:nvPr>
+            <p:ph type="sldNum" sz="quarter" idx="10"/>
+          </p:nvPr>
+        </p:nvSpPr>
+        <p:spPr/>
+        <p:txBody>
+          <a:bodyPr/>
+          <a:lstStyle/>
+          <a:p>
+            <a:fld id="{3A07B820-47FA-134C-9439-E1785E2AFBF4}" type="slidenum">
+              <a:rPr lang="en-US" smtClean="0"/>
+              <a:pPr/>
+              <a:t>15</a:t>
+            </a:fld>
+            <a:endParaRPr lang="en-US"/>
+          </a:p>
+        </p:txBody>
+      </p:sp>
+    </p:spTree>
+  </p:cSld>
+  <p:clrMapOvr>
+    <a:masterClrMapping/>
+  </p:clrMapOvr>
+</p:notes>
+</file>
+
+<file path=ppt/notesSlides/notesSlide14.xml><?xml version="1.0" encoding="utf-8"?>
+<p:notes xmlns:a="http://schemas.openxmlformats.org/drawingml/2006/main" xmlns:r="http://schemas.openxmlformats.org/officeDocument/2006/relationships" xmlns:p="http://schemas.openxmlformats.org/presentationml/2006/main">
+  <p:cSld>
+    <p:spTree>
+      <p:nvGrpSpPr>
+        <p:cNvPr id="1" name=""/>
+        <p:cNvGrpSpPr/>
+        <p:nvPr/>
+      </p:nvGrpSpPr>
+      <p:grpSpPr>
+        <a:xfrm>
+          <a:off x="0" y="0"/>
+          <a:ext cx="0" cy="0"/>
+          <a:chOff x="0" y="0"/>
+          <a:chExt cx="0" cy="0"/>
+        </a:xfrm>
+      </p:grpSpPr>
+      <p:sp>
+        <p:nvSpPr>
+          <p:cNvPr id="2" name="Slide Image Placeholder 1"/>
+          <p:cNvSpPr>
+            <a:spLocks noGrp="1" noRot="1" noChangeAspect="1"/>
+          </p:cNvSpPr>
+          <p:nvPr>
+            <p:ph type="sldImg"/>
+          </p:nvPr>
+        </p:nvSpPr>
+        <p:spPr/>
+      </p:sp>
+      <p:sp>
+        <p:nvSpPr>
+          <p:cNvPr id="3" name="Notes Placeholder 2"/>
+          <p:cNvSpPr>
+            <a:spLocks noGrp="1"/>
+          </p:cNvSpPr>
+          <p:nvPr>
+            <p:ph type="body" idx="1"/>
+          </p:nvPr>
+        </p:nvSpPr>
+        <p:spPr/>
+        <p:txBody>
+          <a:bodyPr>
+            <a:normAutofit/>
+          </a:bodyPr>
+          <a:lstStyle/>
+          <a:p>
+            <a:r>
+              <a:rPr lang="en-US" dirty="0" smtClean="0"/>
+              <a:t>I HATE papers</a:t>
+            </a:r>
+          </a:p>
+          <a:p>
+            <a:r>
+              <a:rPr lang="en-US" dirty="0" smtClean="0"/>
+              <a:t>I HATE filing paper</a:t>
+            </a:r>
+          </a:p>
+          <a:p>
+            <a:r>
+              <a:rPr lang="en-US" dirty="0" smtClean="0"/>
+              <a:t>I HATE it when it stacks up on my table</a:t>
+            </a:r>
+          </a:p>
+          <a:p>
+            <a:r>
+              <a:rPr lang="en-US" dirty="0" smtClean="0"/>
+              <a:t>Get RID of it!</a:t>
+            </a:r>
+          </a:p>
+          <a:p>
+            <a:r>
+              <a:rPr lang="en-US" dirty="0" smtClean="0"/>
+              <a:t>So I’m </a:t>
+            </a:r>
+            <a:r>
+              <a:rPr lang="en-US" dirty="0" err="1" smtClean="0"/>
+              <a:t>gonna</a:t>
+            </a:r>
+            <a:r>
+              <a:rPr lang="en-US" dirty="0" smtClean="0"/>
+              <a:t> make this app, and it’s going to have to store data.</a:t>
+            </a:r>
+          </a:p>
+          <a:p>
+            <a:r>
+              <a:rPr lang="en-US" dirty="0" smtClean="0"/>
+              <a:t>I start going into analysis paralysis, DB?  ORM?  NH/FNH? Subsonic?   SQL Server/</a:t>
+            </a:r>
+            <a:r>
+              <a:rPr lang="en-US" dirty="0" err="1" smtClean="0"/>
+              <a:t>MySQL</a:t>
+            </a:r>
+            <a:r>
+              <a:rPr lang="en-US" dirty="0" smtClean="0"/>
+              <a:t>?</a:t>
+            </a:r>
+            <a:r>
+              <a:rPr lang="en-US" baseline="0" dirty="0" smtClean="0"/>
+              <a:t>  Ugh.</a:t>
+            </a:r>
+            <a:r>
+              <a:rPr lang="en-US" dirty="0" smtClean="0"/>
+              <a:t> </a:t>
+            </a:r>
+            <a:endParaRPr lang="en-US" dirty="0"/>
+          </a:p>
+        </p:txBody>
+      </p:sp>
+      <p:sp>
+        <p:nvSpPr>
+          <p:cNvPr id="4" name="Slide Number Placeholder 3"/>
+          <p:cNvSpPr>
+            <a:spLocks noGrp="1"/>
+          </p:cNvSpPr>
+          <p:nvPr>
+            <p:ph type="sldNum" sz="quarter" idx="10"/>
+          </p:nvPr>
+        </p:nvSpPr>
+        <p:spPr/>
+        <p:txBody>
+          <a:bodyPr/>
+          <a:lstStyle/>
+          <a:p>
+            <a:fld id="{3A07B820-47FA-134C-9439-E1785E2AFBF4}" type="slidenum">
+              <a:rPr lang="en-US" smtClean="0"/>
+              <a:pPr/>
+              <a:t>16</a:t>
+            </a:fld>
+            <a:endParaRPr lang="en-US"/>
+          </a:p>
+        </p:txBody>
+      </p:sp>
+    </p:spTree>
+  </p:cSld>
+  <p:clrMapOvr>
+    <a:masterClrMapping/>
+  </p:clrMapOvr>
+</p:notes>
+</file>
+
+<file path=ppt/notesSlides/notesSlide15.xml><?xml version="1.0" encoding="utf-8"?>
+<p:notes xmlns:a="http://schemas.openxmlformats.org/drawingml/2006/main" xmlns:r="http://schemas.openxmlformats.org/officeDocument/2006/relationships" xmlns:p="http://schemas.openxmlformats.org/presentationml/2006/main">
+  <p:cSld>
+    <p:spTree>
+      <p:nvGrpSpPr>
+        <p:cNvPr id="1" name=""/>
+        <p:cNvGrpSpPr/>
+        <p:nvPr/>
+      </p:nvGrpSpPr>
+      <p:grpSpPr>
+        <a:xfrm>
+          <a:off x="0" y="0"/>
+          <a:ext cx="0" cy="0"/>
+          <a:chOff x="0" y="0"/>
+          <a:chExt cx="0" cy="0"/>
+        </a:xfrm>
+      </p:grpSpPr>
+      <p:sp>
+        <p:nvSpPr>
+          <p:cNvPr id="2" name="Slide Image Placeholder 1"/>
+          <p:cNvSpPr>
+            <a:spLocks noGrp="1" noRot="1" noChangeAspect="1"/>
+          </p:cNvSpPr>
+          <p:nvPr>
+            <p:ph type="sldImg"/>
+          </p:nvPr>
+        </p:nvSpPr>
+        <p:spPr/>
+      </p:sp>
+      <p:sp>
+        <p:nvSpPr>
+          <p:cNvPr id="3" name="Notes Placeholder 2"/>
+          <p:cNvSpPr>
+            <a:spLocks noGrp="1"/>
+          </p:cNvSpPr>
+          <p:nvPr>
+            <p:ph type="body" idx="1"/>
+          </p:nvPr>
+        </p:nvSpPr>
+        <p:spPr/>
+        <p:txBody>
+          <a:bodyPr>
+            <a:normAutofit/>
+          </a:bodyPr>
+          <a:lstStyle/>
+          <a:p>
+            <a:r>
+              <a:rPr lang="en-US" dirty="0" smtClean="0"/>
+              <a:t>Our</a:t>
+            </a:r>
+            <a:r>
+              <a:rPr lang="en-US" baseline="0" dirty="0" smtClean="0"/>
+              <a:t> documents are structured-data.  They are represented in our applications like JSON.</a:t>
+            </a:r>
+          </a:p>
+          <a:p>
+            <a:r>
+              <a:rPr lang="en-US" baseline="0" dirty="0" smtClean="0"/>
+              <a:t>BSON</a:t>
+            </a:r>
+            <a:endParaRPr lang="en-US" dirty="0"/>
+          </a:p>
+        </p:txBody>
+      </p:sp>
+      <p:sp>
+        <p:nvSpPr>
+          <p:cNvPr id="4" name="Slide Number Placeholder 3"/>
+          <p:cNvSpPr>
+            <a:spLocks noGrp="1"/>
+          </p:cNvSpPr>
+          <p:nvPr>
+            <p:ph type="sldNum" sz="quarter" idx="10"/>
+          </p:nvPr>
+        </p:nvSpPr>
+        <p:spPr/>
+        <p:txBody>
+          <a:bodyPr/>
+          <a:lstStyle/>
+          <a:p>
+            <a:fld id="{3A07B820-47FA-134C-9439-E1785E2AFBF4}" type="slidenum">
+              <a:rPr lang="en-US" smtClean="0"/>
+              <a:pPr/>
+              <a:t>18</a:t>
+            </a:fld>
+            <a:endParaRPr lang="en-US"/>
+          </a:p>
+        </p:txBody>
+      </p:sp>
+    </p:spTree>
+  </p:cSld>
+  <p:clrMapOvr>
+    <a:masterClrMapping/>
+  </p:clrMapOvr>
+</p:notes>
+</file>
+
+<file path=ppt/notesSlides/notesSlide16.xml><?xml version="1.0" encoding="utf-8"?>
+<p:notes xmlns:a="http://schemas.openxmlformats.org/drawingml/2006/main" xmlns:r="http://schemas.openxmlformats.org/officeDocument/2006/relationships" xmlns:p="http://schemas.openxmlformats.org/presentationml/2006/main">
+  <p:cSld>
+    <p:spTree>
+      <p:nvGrpSpPr>
+        <p:cNvPr id="1" name=""/>
+        <p:cNvGrpSpPr/>
+        <p:nvPr/>
+      </p:nvGrpSpPr>
+      <p:grpSpPr>
+        <a:xfrm>
+          <a:off x="0" y="0"/>
+          <a:ext cx="0" cy="0"/>
+          <a:chOff x="0" y="0"/>
+          <a:chExt cx="0" cy="0"/>
+        </a:xfrm>
+      </p:grpSpPr>
+      <p:sp>
+        <p:nvSpPr>
+          <p:cNvPr id="2" name="Slide Image Placeholder 1"/>
+          <p:cNvSpPr>
+            <a:spLocks noGrp="1" noRot="1" noChangeAspect="1"/>
+          </p:cNvSpPr>
+          <p:nvPr>
+            <p:ph type="sldImg"/>
+          </p:nvPr>
+        </p:nvSpPr>
+        <p:spPr/>
+      </p:sp>
+      <p:sp>
+        <p:nvSpPr>
+          <p:cNvPr id="3" name="Notes Placeholder 2"/>
+          <p:cNvSpPr>
+            <a:spLocks noGrp="1"/>
+          </p:cNvSpPr>
+          <p:nvPr>
+            <p:ph type="body" idx="1"/>
+          </p:nvPr>
+        </p:nvSpPr>
+        <p:spPr/>
+        <p:txBody>
+          <a:bodyPr>
+            <a:normAutofit/>
+          </a:bodyPr>
+          <a:lstStyle/>
+          <a:p>
+            <a:r>
+              <a:rPr lang="en-US" dirty="0" smtClean="0"/>
+              <a:t>But</a:t>
+            </a:r>
+            <a:r>
+              <a:rPr lang="en-US" baseline="0" dirty="0" smtClean="0"/>
+              <a:t> it’s even a little more structured than just a bunch of documents floating around</a:t>
+            </a:r>
+          </a:p>
+          <a:p>
+            <a:r>
+              <a:rPr lang="en-US" baseline="0" dirty="0" smtClean="0"/>
+              <a:t>We’ve got these things called collections.</a:t>
+            </a:r>
+          </a:p>
+          <a:p>
+            <a:r>
+              <a:rPr lang="en-US" baseline="0" dirty="0" smtClean="0"/>
+              <a:t>They are kind of like tables, but not really.</a:t>
+            </a:r>
+          </a:p>
+          <a:p>
+            <a:r>
+              <a:rPr lang="en-US" baseline="0" dirty="0" smtClean="0"/>
+              <a:t>They hold a set of related data.</a:t>
+            </a:r>
+          </a:p>
+          <a:p>
+            <a:r>
+              <a:rPr lang="en-US" baseline="0" dirty="0" smtClean="0"/>
+              <a:t>Collections, however, hold documents, so they aren’t flat like tables.</a:t>
+            </a:r>
+          </a:p>
+        </p:txBody>
+      </p:sp>
+      <p:sp>
+        <p:nvSpPr>
+          <p:cNvPr id="4" name="Slide Number Placeholder 3"/>
+          <p:cNvSpPr>
+            <a:spLocks noGrp="1"/>
+          </p:cNvSpPr>
+          <p:nvPr>
+            <p:ph type="sldNum" sz="quarter" idx="10"/>
+          </p:nvPr>
+        </p:nvSpPr>
+        <p:spPr/>
+        <p:txBody>
+          <a:bodyPr/>
+          <a:lstStyle/>
+          <a:p>
+            <a:fld id="{3A07B820-47FA-134C-9439-E1785E2AFBF4}" type="slidenum">
+              <a:rPr lang="en-US" smtClean="0"/>
+              <a:pPr/>
+              <a:t>19</a:t>
+            </a:fld>
+            <a:endParaRPr lang="en-US"/>
+          </a:p>
+        </p:txBody>
+      </p:sp>
+    </p:spTree>
+  </p:cSld>
+  <p:clrMapOvr>
+    <a:masterClrMapping/>
+  </p:clrMapOvr>
+</p:notes>
+</file>
+
+<file path=ppt/notesSlides/notesSlide17.xml><?xml version="1.0" encoding="utf-8"?>
+<p:notes xmlns:a="http://schemas.openxmlformats.org/drawingml/2006/main" xmlns:r="http://schemas.openxmlformats.org/officeDocument/2006/relationships" xmlns:p="http://schemas.openxmlformats.org/presentationml/2006/main">
+  <p:cSld>
+    <p:spTree>
+      <p:nvGrpSpPr>
+        <p:cNvPr id="1" name=""/>
+        <p:cNvGrpSpPr/>
+        <p:nvPr/>
+      </p:nvGrpSpPr>
+      <p:grpSpPr>
+        <a:xfrm>
+          <a:off x="0" y="0"/>
+          <a:ext cx="0" cy="0"/>
+          <a:chOff x="0" y="0"/>
+          <a:chExt cx="0" cy="0"/>
+        </a:xfrm>
+      </p:grpSpPr>
+      <p:sp>
+        <p:nvSpPr>
+          <p:cNvPr id="2" name="Slide Image Placeholder 1"/>
+          <p:cNvSpPr>
+            <a:spLocks noGrp="1" noRot="1" noChangeAspect="1"/>
+          </p:cNvSpPr>
+          <p:nvPr>
+            <p:ph type="sldImg"/>
+          </p:nvPr>
+        </p:nvSpPr>
+        <p:spPr/>
+      </p:sp>
+      <p:sp>
+        <p:nvSpPr>
+          <p:cNvPr id="3" name="Notes Placeholder 2"/>
+          <p:cNvSpPr>
+            <a:spLocks noGrp="1"/>
+          </p:cNvSpPr>
+          <p:nvPr>
+            <p:ph type="body" idx="1"/>
+          </p:nvPr>
+        </p:nvSpPr>
+        <p:spPr/>
+        <p:txBody>
+          <a:bodyPr>
+            <a:normAutofit/>
+          </a:bodyPr>
+          <a:lstStyle/>
+          <a:p>
+            <a:r>
+              <a:rPr lang="en-US" dirty="0" smtClean="0"/>
+              <a:t>Here’s where part of the schema</a:t>
+            </a:r>
+            <a:r>
+              <a:rPr lang="en-US" baseline="0" dirty="0" smtClean="0"/>
+              <a:t> free comes into play.</a:t>
+            </a:r>
+          </a:p>
+          <a:p>
+            <a:r>
+              <a:rPr lang="en-US" baseline="0" dirty="0" smtClean="0"/>
+              <a:t>There are no mechanical constraints in the database to tell you to not store cheeseburgers next to your birds.</a:t>
+            </a:r>
+          </a:p>
+          <a:p>
+            <a:r>
+              <a:rPr lang="en-US" baseline="0" dirty="0" smtClean="0"/>
+              <a:t>But if you think about it… do you let your database tell you that now?</a:t>
+            </a:r>
+          </a:p>
+          <a:p>
+            <a:r>
+              <a:rPr lang="en-US" baseline="0" dirty="0" smtClean="0"/>
+              <a:t>No, you’d never think about storing cheeseburgers in your birds table.</a:t>
+            </a:r>
+            <a:endParaRPr lang="en-US" dirty="0"/>
+          </a:p>
+        </p:txBody>
+      </p:sp>
+      <p:sp>
+        <p:nvSpPr>
+          <p:cNvPr id="4" name="Slide Number Placeholder 3"/>
+          <p:cNvSpPr>
+            <a:spLocks noGrp="1"/>
+          </p:cNvSpPr>
+          <p:nvPr>
+            <p:ph type="sldNum" sz="quarter" idx="10"/>
+          </p:nvPr>
+        </p:nvSpPr>
+        <p:spPr/>
+        <p:txBody>
+          <a:bodyPr/>
+          <a:lstStyle/>
+          <a:p>
+            <a:fld id="{3A07B820-47FA-134C-9439-E1785E2AFBF4}" type="slidenum">
+              <a:rPr lang="en-US" smtClean="0"/>
+              <a:pPr/>
+              <a:t>20</a:t>
+            </a:fld>
+            <a:endParaRPr lang="en-US"/>
+          </a:p>
+        </p:txBody>
+      </p:sp>
+    </p:spTree>
+  </p:cSld>
+  <p:clrMapOvr>
+    <a:masterClrMapping/>
+  </p:clrMapOvr>
+</p:notes>
+</file>
+
+<file path=ppt/notesSlides/notesSlide18.xml><?xml version="1.0" encoding="utf-8"?>
+<p:notes xmlns:a="http://schemas.openxmlformats.org/drawingml/2006/main" xmlns:r="http://schemas.openxmlformats.org/officeDocument/2006/relationships" xmlns:p="http://schemas.openxmlformats.org/presentationml/2006/main">
+  <p:cSld>
+    <p:spTree>
+      <p:nvGrpSpPr>
+        <p:cNvPr id="1" name=""/>
+        <p:cNvGrpSpPr/>
+        <p:nvPr/>
+      </p:nvGrpSpPr>
+      <p:grpSpPr>
+        <a:xfrm>
+          <a:off x="0" y="0"/>
+          <a:ext cx="0" cy="0"/>
+          <a:chOff x="0" y="0"/>
+          <a:chExt cx="0" cy="0"/>
+        </a:xfrm>
+      </p:grpSpPr>
+      <p:sp>
+        <p:nvSpPr>
+          <p:cNvPr id="2" name="Slide Image Placeholder 1"/>
+          <p:cNvSpPr>
+            <a:spLocks noGrp="1" noRot="1" noChangeAspect="1"/>
+          </p:cNvSpPr>
+          <p:nvPr>
+            <p:ph type="sldImg"/>
+          </p:nvPr>
+        </p:nvSpPr>
+        <p:spPr/>
+      </p:sp>
+      <p:sp>
+        <p:nvSpPr>
+          <p:cNvPr id="3" name="Notes Placeholder 2"/>
+          <p:cNvSpPr>
+            <a:spLocks noGrp="1"/>
+          </p:cNvSpPr>
+          <p:nvPr>
+            <p:ph type="body" idx="1"/>
+          </p:nvPr>
+        </p:nvSpPr>
+        <p:spPr/>
+        <p:txBody>
+          <a:bodyPr>
+            <a:normAutofit/>
+          </a:bodyPr>
+          <a:lstStyle/>
+          <a:p>
+            <a:r>
+              <a:rPr lang="en-US" dirty="0" smtClean="0"/>
+              <a:t>Still structured, but no mechanical constraints</a:t>
+            </a:r>
+          </a:p>
+          <a:p>
+            <a:r>
+              <a:rPr lang="en-US" dirty="0" smtClean="0"/>
+              <a:t>To</a:t>
+            </a:r>
+            <a:r>
+              <a:rPr lang="en-US" baseline="0" dirty="0" smtClean="0"/>
+              <a:t> me, it feels a lot like getting over that initial fear in Ruby.</a:t>
+            </a:r>
+            <a:endParaRPr lang="en-US" dirty="0"/>
+          </a:p>
+        </p:txBody>
+      </p:sp>
+      <p:sp>
+        <p:nvSpPr>
+          <p:cNvPr id="4" name="Slide Number Placeholder 3"/>
+          <p:cNvSpPr>
+            <a:spLocks noGrp="1"/>
+          </p:cNvSpPr>
+          <p:nvPr>
+            <p:ph type="sldNum" sz="quarter" idx="10"/>
+          </p:nvPr>
+        </p:nvSpPr>
+        <p:spPr/>
+        <p:txBody>
+          <a:bodyPr/>
+          <a:lstStyle/>
+          <a:p>
+            <a:fld id="{3A07B820-47FA-134C-9439-E1785E2AFBF4}" type="slidenum">
+              <a:rPr lang="en-US" smtClean="0"/>
+              <a:pPr/>
+              <a:t>21</a:t>
+            </a:fld>
+            <a:endParaRPr lang="en-US"/>
+          </a:p>
+        </p:txBody>
+      </p:sp>
+    </p:spTree>
+  </p:cSld>
+  <p:clrMapOvr>
+    <a:masterClrMapping/>
+  </p:clrMapOvr>
+</p:notes>
+</file>
+
+<file path=ppt/notesSlides/notesSlide19.xml><?xml version="1.0" encoding="utf-8"?>
+<p:notes xmlns:a="http://schemas.openxmlformats.org/drawingml/2006/main" xmlns:r="http://schemas.openxmlformats.org/officeDocument/2006/relationships" xmlns:p="http://schemas.openxmlformats.org/presentationml/2006/main">
+  <p:cSld>
+    <p:spTree>
+      <p:nvGrpSpPr>
+        <p:cNvPr id="1" name=""/>
+        <p:cNvGrpSpPr/>
+        <p:nvPr/>
+      </p:nvGrpSpPr>
+      <p:grpSpPr>
+        <a:xfrm>
+          <a:off x="0" y="0"/>
+          <a:ext cx="0" cy="0"/>
+          <a:chOff x="0" y="0"/>
+          <a:chExt cx="0" cy="0"/>
+        </a:xfrm>
+      </p:grpSpPr>
+      <p:sp>
+        <p:nvSpPr>
+          <p:cNvPr id="2" name="Slide Image Placeholder 1"/>
+          <p:cNvSpPr>
+            <a:spLocks noGrp="1" noRot="1" noChangeAspect="1"/>
+          </p:cNvSpPr>
+          <p:nvPr>
+            <p:ph type="sldImg"/>
+          </p:nvPr>
+        </p:nvSpPr>
+        <p:spPr/>
+      </p:sp>
+      <p:sp>
+        <p:nvSpPr>
+          <p:cNvPr id="3" name="Notes Placeholder 2"/>
+          <p:cNvSpPr>
+            <a:spLocks noGrp="1"/>
+          </p:cNvSpPr>
+          <p:nvPr>
+            <p:ph type="body" idx="1"/>
+          </p:nvPr>
+        </p:nvSpPr>
+        <p:spPr/>
+        <p:txBody>
+          <a:bodyPr>
+            <a:normAutofit/>
+          </a:bodyPr>
+          <a:lstStyle/>
+          <a:p>
+            <a:r>
+              <a:rPr lang="en-US" dirty="0" smtClean="0"/>
+              <a:t>So we’ve got some</a:t>
+            </a:r>
+            <a:r>
+              <a:rPr lang="en-US" baseline="0" dirty="0" smtClean="0"/>
+              <a:t> UI going (or something, and finally are ready to jam some papers into the database.</a:t>
+            </a:r>
+          </a:p>
+          <a:p>
+            <a:r>
+              <a:rPr lang="en-US" baseline="0" dirty="0" smtClean="0"/>
+              <a:t>A couple important things here.</a:t>
+            </a:r>
+          </a:p>
+          <a:p>
+            <a:r>
+              <a:rPr lang="en-US" baseline="0" dirty="0" smtClean="0"/>
+              <a:t>The first…</a:t>
+            </a:r>
+          </a:p>
+          <a:p>
+            <a:r>
+              <a:rPr lang="en-US" baseline="0" dirty="0" smtClean="0"/>
+              <a:t>Papers is the name of the collection.</a:t>
+            </a:r>
+          </a:p>
+          <a:p>
+            <a:r>
+              <a:rPr lang="en-US" baseline="0" dirty="0" smtClean="0"/>
+              <a:t>The first time you use it, it is created.</a:t>
+            </a:r>
+          </a:p>
+          <a:p>
+            <a:r>
+              <a:rPr lang="en-US" baseline="0" dirty="0" smtClean="0"/>
+              <a:t>The thing we’re saving is a JSON document.</a:t>
+            </a:r>
+          </a:p>
+          <a:p>
+            <a:r>
+              <a:rPr lang="en-US" baseline="0" dirty="0" smtClean="0"/>
+              <a:t>Note that tags is an array.</a:t>
+            </a:r>
+          </a:p>
+          <a:p>
+            <a:r>
+              <a:rPr lang="en-US" baseline="0" dirty="0" smtClean="0"/>
+              <a:t>And content is just a byte array.</a:t>
+            </a:r>
+          </a:p>
+          <a:p>
+            <a:endParaRPr lang="en-US" baseline="0" dirty="0" smtClean="0"/>
+          </a:p>
+          <a:p>
+            <a:r>
+              <a:rPr lang="en-US" baseline="0" dirty="0" smtClean="0"/>
+              <a:t>The database creates an _id key… it’s special</a:t>
+            </a:r>
+          </a:p>
+          <a:p>
+            <a:endParaRPr lang="en-US" baseline="0" dirty="0" smtClean="0"/>
+          </a:p>
+          <a:p>
+            <a:r>
+              <a:rPr lang="en-US" baseline="0" dirty="0" smtClean="0"/>
+              <a:t>One important thing to note.  most of these little snippets we see are what you’d enter at the mongo shell.  the ideas translate to your programming language of choice… usually.</a:t>
+            </a:r>
+            <a:endParaRPr lang="en-US" dirty="0"/>
+          </a:p>
+        </p:txBody>
+      </p:sp>
+      <p:sp>
+        <p:nvSpPr>
+          <p:cNvPr id="4" name="Slide Number Placeholder 3"/>
+          <p:cNvSpPr>
+            <a:spLocks noGrp="1"/>
+          </p:cNvSpPr>
+          <p:nvPr>
+            <p:ph type="sldNum" sz="quarter" idx="10"/>
+          </p:nvPr>
+        </p:nvSpPr>
+        <p:spPr/>
+        <p:txBody>
+          <a:bodyPr/>
+          <a:lstStyle/>
+          <a:p>
+            <a:fld id="{3A07B820-47FA-134C-9439-E1785E2AFBF4}" type="slidenum">
+              <a:rPr lang="en-US" smtClean="0"/>
+              <a:pPr/>
+              <a:t>22</a:t>
+            </a:fld>
+            <a:endParaRPr lang="en-US"/>
+          </a:p>
+        </p:txBody>
+      </p:sp>
+    </p:spTree>
+  </p:cSld>
+  <p:clrMapOvr>
+    <a:masterClrMapping/>
+  </p:clrMapOvr>
+</p:notes>
+</file>
+
+<file path=ppt/notesSlides/notesSlide2.xml><?xml version="1.0" encoding="utf-8"?>
+<p:notes xmlns:a="http://schemas.openxmlformats.org/drawingml/2006/main" xmlns:r="http://schemas.openxmlformats.org/officeDocument/2006/relationships" xmlns:p="http://schemas.openxmlformats.org/presentationml/2006/main">
   <p:cSld>
     <p:spTree>
       <p:nvGrpSpPr>
@@ -568,15 +1751,7 @@
             </a:pPr>
             <a:r>
               <a:rPr lang="en-US" dirty="0" smtClean="0"/>
-              <a:t>who has heard of </a:t>
-            </a:r>
-            <a:r>
-              <a:rPr lang="en-US" dirty="0" err="1" smtClean="0"/>
-              <a:t>NoSQL</a:t>
-            </a:r>
-            <a:r>
-              <a:rPr lang="en-US" dirty="0" smtClean="0"/>
-              <a:t>?</a:t>
+              <a:t>Just to get a feel…</a:t>
             </a:r>
           </a:p>
           <a:p>
@@ -597,6 +1772,61 @@
               <a:tabLst/>
               <a:defRPr/>
             </a:pPr>
+            <a:endParaRPr lang="en-US" dirty="0" smtClean="0"/>
+          </a:p>
+          <a:p>
+            <a:pPr marL="0" marR="0" indent="0" algn="l" defTabSz="457200" rtl="0" eaLnBrk="1" fontAlgn="auto" latinLnBrk="0" hangingPunct="1">
+              <a:lnSpc>
+                <a:spcPct val="100000"/>
+              </a:lnSpc>
+              <a:spcBef>
+                <a:spcPts val="0"/>
+              </a:spcBef>
+              <a:spcAft>
+                <a:spcPts val="0"/>
+              </a:spcAft>
+              <a:buClrTx/>
+              <a:buSzTx/>
+              <a:buFontTx/>
+              <a:buNone/>
+              <a:tabLst/>
+              <a:defRPr/>
+            </a:pPr>
+            <a:r>
+              <a:rPr lang="en-US" dirty="0" smtClean="0"/>
+              <a:t>who </a:t>
+            </a:r>
+            <a:r>
+              <a:rPr lang="en-US" dirty="0" smtClean="0"/>
+              <a:t>has heard of </a:t>
+            </a:r>
+            <a:r>
+              <a:rPr lang="en-US" dirty="0" err="1" smtClean="0"/>
+              <a:t>NoSQL</a:t>
+            </a:r>
+            <a:r>
+              <a:rPr lang="en-US" dirty="0" smtClean="0"/>
+              <a:t>?</a:t>
+            </a:r>
+          </a:p>
+          <a:p>
+            <a:pPr marL="0" marR="0" indent="0" algn="l" defTabSz="457200" rtl="0" eaLnBrk="1" fontAlgn="auto" latinLnBrk="0" hangingPunct="1">
+              <a:lnSpc>
+                <a:spcPct val="100000"/>
+              </a:lnSpc>
+              <a:spcBef>
+                <a:spcPts val="0"/>
+              </a:spcBef>
+              <a:spcAft>
+                <a:spcPts val="0"/>
+              </a:spcAft>
+              <a:buClrTx/>
+              <a:buSzTx/>
+              <a:buFontTx/>
+              <a:buNone/>
+              <a:tabLst/>
+              <a:defRPr/>
+            </a:pPr>
             <a:r>
               <a:rPr lang="en-US" dirty="0" smtClean="0"/>
               <a:t>who has used any </a:t>
@@ -666,8 +1896,8 @@
 </p:notes>
 </file>
 
-<file path=ppt/notesSlides/notesSlide10.xml><?xml version="1.0" encoding="utf-8"?>
-<p:notes xmlns:a="http://schemas.openxmlformats.org/drawingml/2006/main" xmlns:r="http://schemas.openxmlformats.org/officeDocument/2006/relationships" xmlns:mc="http://schemas.openxmlformats.org/markup-compatibility/2006" xmlns:mv="urn:schemas-microsoft-com:mac:vml" xmlns:p="http://schemas.openxmlformats.org/presentationml/2006/main" mc:Ignorable="mv" mc:PreserveAttributes="mv:*">
+<file path=ppt/notesSlides/notesSlide20.xml><?xml version="1.0" encoding="utf-8"?>
+<p:notes xmlns:a="http://schemas.openxmlformats.org/drawingml/2006/main" xmlns:r="http://schemas.openxmlformats.org/officeDocument/2006/relationships" xmlns:p="http://schemas.openxmlformats.org/presentationml/2006/main">
   <p:cSld>
     <p:spTree>
       <p:nvGrpSpPr>
@@ -714,19 +1944,29 @@
           <a:p>
             <a:r>
               <a:rPr lang="en-US" dirty="0" smtClean="0"/>
-              <a:t>And since we don’t have joins, </a:t>
-            </a:r>
-            <a:r>
-              <a:rPr lang="en-US" dirty="0" err="1" smtClean="0"/>
-              <a:t>sharding</a:t>
-            </a:r>
-            <a:r>
-              <a:rPr lang="en-US" dirty="0" smtClean="0"/>
-              <a:t> becomes a whole</a:t>
+              <a:t>Anyone that has ever done a system dealing with content from files has been</a:t>
             </a:r>
             <a:r>
               <a:rPr lang="en-US" baseline="0" dirty="0" smtClean="0"/>
-              <a:t> lot easier, because all the data will be local on a given box.  Allowing us to scale horizontally, cloud-style.</a:t>
+              <a:t> faced with this question:</a:t>
+            </a:r>
+          </a:p>
+          <a:p>
+            <a:r>
+              <a:rPr lang="en-US" baseline="0" dirty="0" smtClean="0"/>
+              <a:t>Include the contents</a:t>
+            </a:r>
+          </a:p>
+          <a:p>
+            <a:r>
+              <a:rPr lang="en-US" baseline="0" dirty="0" smtClean="0"/>
+              <a:t>Include a pointer to the file on a network share.</a:t>
+            </a:r>
+          </a:p>
+          <a:p>
+            <a:r>
+              <a:rPr lang="en-US" baseline="0" dirty="0" smtClean="0"/>
+              <a:t>Both have their drawbacks and advantages.</a:t>
             </a:r>
             <a:endParaRPr lang="en-US" dirty="0"/>
           </a:p>
@@ -750,7 +1990,7 @@
             <a:fld id="{3A07B820-47FA-134C-9439-E1785E2AFBF4}" type="slidenum">
               <a:rPr lang="en-US" smtClean="0"/>
               <a:pPr/>
-              <a:t>13</a:t>
+              <a:t>23</a:t>
             </a:fld>
             <a:endParaRPr lang="en-US"/>
           </a:p>
@@ -764,8 +2004,8 @@
 </p:notes>
 </file>
 
-<file path=ppt/notesSlides/notesSlide11.xml><?xml version="1.0" encoding="utf-8"?>
-<p:notes xmlns:a="http://schemas.openxmlformats.org/drawingml/2006/main" xmlns:r="http://schemas.openxmlformats.org/officeDocument/2006/relationships" xmlns:mc="http://schemas.openxmlformats.org/markup-compatibility/2006" xmlns:mv="urn:schemas-microsoft-com:mac:vml" xmlns:p="http://schemas.openxmlformats.org/presentationml/2006/main" mc:Ignorable="mv" mc:PreserveAttributes="mv:*">
+<file path=ppt/notesSlides/notesSlide21.xml><?xml version="1.0" encoding="utf-8"?>
+<p:notes xmlns:a="http://schemas.openxmlformats.org/drawingml/2006/main" xmlns:r="http://schemas.openxmlformats.org/officeDocument/2006/relationships" xmlns:p="http://schemas.openxmlformats.org/presentationml/2006/main">
   <p:cSld>
     <p:spTree>
       <p:nvGrpSpPr>
@@ -812,7 +2052,51 @@
           <a:p>
             <a:r>
               <a:rPr lang="en-US" dirty="0" smtClean="0"/>
-              <a:t>And the cool side effect all of this has on our software, is that we’re going to come up with new and interesting models and architectures</a:t>
+              <a:t>A </a:t>
+            </a:r>
+            <a:r>
+              <a:rPr lang="en-US" dirty="0" err="1" smtClean="0"/>
+              <a:t>filesystem</a:t>
+            </a:r>
+            <a:r>
+              <a:rPr lang="en-US" dirty="0" smtClean="0"/>
+              <a:t> in the database.</a:t>
+            </a:r>
+          </a:p>
+          <a:p>
+            <a:r>
+              <a:rPr lang="en-US" dirty="0" smtClean="0"/>
+              <a:t>Basically you get buckets to put things in, rather than directories.</a:t>
+            </a:r>
+          </a:p>
+          <a:p>
+            <a:r>
+              <a:rPr lang="en-US" dirty="0" smtClean="0"/>
+              <a:t>It’ll</a:t>
+            </a:r>
+            <a:r>
+              <a:rPr lang="en-US" baseline="0" dirty="0" smtClean="0"/>
+              <a:t> chunk your files into pieces and store them inside the database.</a:t>
+            </a:r>
+          </a:p>
+          <a:p>
+            <a:r>
+              <a:rPr lang="en-US" baseline="0" dirty="0" smtClean="0"/>
+              <a:t>It makes it super easy to push and pull files from your DB.</a:t>
+            </a:r>
+          </a:p>
+          <a:p>
+            <a:r>
+              <a:rPr lang="en-US" baseline="0" dirty="0" smtClean="0"/>
+              <a:t>Most languages give you drivers that mimic the file </a:t>
+            </a:r>
+            <a:r>
+              <a:rPr lang="en-US" baseline="0" dirty="0" err="1" smtClean="0"/>
+              <a:t>io</a:t>
+            </a:r>
+            <a:r>
+              <a:rPr lang="en-US" baseline="0" dirty="0" smtClean="0"/>
+              <a:t> libraries of your platform.</a:t>
             </a:r>
             <a:endParaRPr lang="en-US" dirty="0"/>
           </a:p>
@@ -836,7 +2120,7 @@
             <a:fld id="{3A07B820-47FA-134C-9439-E1785E2AFBF4}" type="slidenum">
               <a:rPr lang="en-US" smtClean="0"/>
               <a:pPr/>
-              <a:t>14</a:t>
+              <a:t>24</a:t>
             </a:fld>
             <a:endParaRPr lang="en-US"/>
           </a:p>
@@ -850,8 +2134,8 @@
 </p:notes>
 </file>
 
-<file path=ppt/notesSlides/notesSlide12.xml><?xml version="1.0" encoding="utf-8"?>
-<p:notes xmlns:a="http://schemas.openxmlformats.org/drawingml/2006/main" xmlns:r="http://schemas.openxmlformats.org/officeDocument/2006/relationships" xmlns:mc="http://schemas.openxmlformats.org/markup-compatibility/2006" xmlns:mv="urn:schemas-microsoft-com:mac:vml" xmlns:p="http://schemas.openxmlformats.org/presentationml/2006/main" mc:Ignorable="mv" mc:PreserveAttributes="mv:*">
+<file path=ppt/notesSlides/notesSlide22.xml><?xml version="1.0" encoding="utf-8"?>
+<p:notes xmlns:a="http://schemas.openxmlformats.org/drawingml/2006/main" xmlns:r="http://schemas.openxmlformats.org/officeDocument/2006/relationships" xmlns:p="http://schemas.openxmlformats.org/presentationml/2006/main">
   <p:cSld>
     <p:spTree>
       <p:nvGrpSpPr>
@@ -898,29 +2182,19 @@
           <a:p>
             <a:r>
               <a:rPr lang="en-US" dirty="0" smtClean="0"/>
-              <a:t>It all starts with an idea</a:t>
-            </a:r>
-          </a:p>
-          <a:p>
-            <a:r>
-              <a:rPr lang="en-US" dirty="0" smtClean="0"/>
-              <a:t>Awesome</a:t>
-            </a:r>
-          </a:p>
-          <a:p>
-            <a:r>
-              <a:rPr lang="en-US" dirty="0" smtClean="0"/>
-              <a:t>Change</a:t>
+              <a:t>So, we’ll back up, and change the content to be a SHA1 of the file for uniqueness, and we’ll store the file itself</a:t>
             </a:r>
             <a:r>
               <a:rPr lang="en-US" baseline="0" dirty="0" smtClean="0"/>
-              <a:t> the world</a:t>
-            </a:r>
-          </a:p>
-          <a:p>
+              <a:t> in </a:t>
+            </a:r>
+            <a:r>
+              <a:rPr lang="en-US" baseline="0" dirty="0" err="1" smtClean="0"/>
+              <a:t>GridFS</a:t>
+            </a:r>
             <a:r>
               <a:rPr lang="en-US" baseline="0" dirty="0" smtClean="0"/>
-              <a:t>Mobile, Web, Kindle, Desktop</a:t>
+              <a:t>.</a:t>
             </a:r>
             <a:endParaRPr lang="en-US" dirty="0"/>
           </a:p>
@@ -944,7 +2218,7 @@
             <a:fld id="{3A07B820-47FA-134C-9439-E1785E2AFBF4}" type="slidenum">
               <a:rPr lang="en-US" smtClean="0"/>
               <a:pPr/>
-              <a:t>15</a:t>
+              <a:t>25</a:t>
             </a:fld>
             <a:endParaRPr lang="en-US"/>
           </a:p>
@@ -958,8 +2232,8 @@
 </p:notes>
 </file>
 
-<file path=ppt/notesSlides/notesSlide13.xml><?xml version="1.0" encoding="utf-8"?>
-<p:notes xmlns:a="http://schemas.openxmlformats.org/drawingml/2006/main" xmlns:r="http://schemas.openxmlformats.org/officeDocument/2006/relationships" xmlns:mc="http://schemas.openxmlformats.org/markup-compatibility/2006" xmlns:mv="urn:schemas-microsoft-com:mac:vml" xmlns:p="http://schemas.openxmlformats.org/presentationml/2006/main" mc:Ignorable="mv" mc:PreserveAttributes="mv:*">
+<file path=ppt/notesSlides/notesSlide23.xml><?xml version="1.0" encoding="utf-8"?>
+<p:notes xmlns:a="http://schemas.openxmlformats.org/drawingml/2006/main" xmlns:r="http://schemas.openxmlformats.org/officeDocument/2006/relationships" xmlns:p="http://schemas.openxmlformats.org/presentationml/2006/main">
   <p:cSld>
     <p:spTree>
       <p:nvGrpSpPr>
@@ -1006,61 +2280,11 @@
           <a:p>
             <a:r>
               <a:rPr lang="en-US" dirty="0" smtClean="0"/>
-              <a:t>I HATE papers</a:t>
-            </a:r>
-          </a:p>
-          <a:p>
-            <a:r>
-              <a:rPr lang="en-US" dirty="0" smtClean="0"/>
-              <a:t>I HATE filing paper</a:t>
-            </a:r>
-          </a:p>
-          <a:p>
-            <a:r>
-              <a:rPr lang="en-US" dirty="0" smtClean="0"/>
-              <a:t>I HATE it when it stacks up on my table</a:t>
-            </a:r>
-          </a:p>
-          <a:p>
-            <a:r>
-              <a:rPr lang="en-US" dirty="0" smtClean="0"/>
-              <a:t>Get RID of it!</a:t>
-            </a:r>
-          </a:p>
-          <a:p>
-            <a:r>
-              <a:rPr lang="en-US" dirty="0" smtClean="0"/>
-              <a:t>So I’m </a:t>
-            </a:r>
-            <a:r>
-              <a:rPr lang="en-US" dirty="0" err="1" smtClean="0"/>
-              <a:t>gonna</a:t>
-            </a:r>
-            <a:r>
-              <a:rPr lang="en-US" dirty="0" smtClean="0"/>
-              <a:t> make this app, and it’s going to have to store data.</a:t>
-            </a:r>
-          </a:p>
-          <a:p>
-            <a:r>
-              <a:rPr lang="en-US" dirty="0" smtClean="0"/>
-              <a:t>I start going into analysis paralysis, DB?  ORM?  NH/FNH? Subsonic?   SQL Server/</a:t>
-            </a:r>
-            <a:r>
-              <a:rPr lang="en-US" dirty="0" err="1" smtClean="0"/>
-              <a:t>MySQL</a:t>
-            </a:r>
-            <a:r>
-              <a:rPr lang="en-US" dirty="0" smtClean="0"/>
-              <a:t>?</a:t>
+              <a:t>So now we’ve got our app and we can</a:t>
             </a:r>
             <a:r>
               <a:rPr lang="en-US" baseline="0" dirty="0" smtClean="0"/>
-              <a:t>  Ugh.</a:t>
-            </a:r>
-            <a:r>
-              <a:rPr lang="en-US" dirty="0" smtClean="0"/>
-              <a:t> </a:t>
+              <a:t> put data into it…  it might be useful to get data out of it?</a:t>
             </a:r>
             <a:endParaRPr lang="en-US" dirty="0"/>
           </a:p>
@@ -1084,7 +2308,7 @@
             <a:fld id="{3A07B820-47FA-134C-9439-E1785E2AFBF4}" type="slidenum">
               <a:rPr lang="en-US" smtClean="0"/>
               <a:pPr/>
-              <a:t>16</a:t>
+              <a:t>26</a:t>
             </a:fld>
             <a:endParaRPr lang="en-US"/>
           </a:p>
@@ -1098,8 +2322,8 @@
 </p:notes>
 </file>
 
-<file path=ppt/notesSlides/notesSlide14.xml><?xml version="1.0" encoding="utf-8"?>
-<p:notes xmlns:a="http://schemas.openxmlformats.org/drawingml/2006/main" xmlns:r="http://schemas.openxmlformats.org/officeDocument/2006/relationships" xmlns:mc="http://schemas.openxmlformats.org/markup-compatibility/2006" xmlns:mv="urn:schemas-microsoft-com:mac:vml" xmlns:p="http://schemas.openxmlformats.org/presentationml/2006/main" mc:Ignorable="mv" mc:PreserveAttributes="mv:*">
+<file path=ppt/notesSlides/notesSlide24.xml><?xml version="1.0" encoding="utf-8"?>
+<p:notes xmlns:a="http://schemas.openxmlformats.org/drawingml/2006/main" xmlns:r="http://schemas.openxmlformats.org/officeDocument/2006/relationships" xmlns:p="http://schemas.openxmlformats.org/presentationml/2006/main">
   <p:cSld>
     <p:spTree>
       <p:nvGrpSpPr>
@@ -1146,17 +2370,7 @@
           <a:p>
             <a:r>
               <a:rPr lang="en-US" dirty="0" smtClean="0"/>
-              <a:t>Our</a:t>
-            </a:r>
-            <a:r>
-              <a:rPr lang="en-US" baseline="0" dirty="0" smtClean="0"/>
-              <a:t> documents are structured-data.  They are represented in our applications like JSON.</a:t>
-            </a:r>
-          </a:p>
-          <a:p>
-            <a:r>
-              <a:rPr lang="en-US" baseline="0" dirty="0" smtClean="0"/>
-              <a:t>BSON</a:t>
+              <a:t>This is sort of like select *</a:t>
             </a:r>
             <a:endParaRPr lang="en-US" dirty="0"/>
           </a:p>
@@ -1180,7 +2394,7 @@
             <a:fld id="{3A07B820-47FA-134C-9439-E1785E2AFBF4}" type="slidenum">
               <a:rPr lang="en-US" smtClean="0"/>
               <a:pPr/>
-              <a:t>18</a:t>
+              <a:t>27</a:t>
             </a:fld>
             <a:endParaRPr lang="en-US"/>
           </a:p>
@@ -1194,8 +2408,8 @@
 </p:notes>
 </file>
 
-<file path=ppt/notesSlides/notesSlide15.xml><?xml version="1.0" encoding="utf-8"?>
-<p:notes xmlns:a="http://schemas.openxmlformats.org/drawingml/2006/main" xmlns:r="http://schemas.openxmlformats.org/officeDocument/2006/relationships" xmlns:mc="http://schemas.openxmlformats.org/markup-compatibility/2006" xmlns:mv="urn:schemas-microsoft-com:mac:vml" xmlns:p="http://schemas.openxmlformats.org/presentationml/2006/main" mc:Ignorable="mv" mc:PreserveAttributes="mv:*">
+<file path=ppt/notesSlides/notesSlide25.xml><?xml version="1.0" encoding="utf-8"?>
+<p:notes xmlns:a="http://schemas.openxmlformats.org/drawingml/2006/main" xmlns:r="http://schemas.openxmlformats.org/officeDocument/2006/relationships" xmlns:p="http://schemas.openxmlformats.org/presentationml/2006/main">
   <p:cSld>
     <p:spTree>
       <p:nvGrpSpPr>
@@ -1240,38 +2454,7 @@
           </a:bodyPr>
           <a:lstStyle/>
           <a:p>
-            <a:r>
-              <a:rPr lang="en-US" dirty="0" smtClean="0"/>
-              <a:t>But</a:t>
-            </a:r>
-            <a:r>
-              <a:rPr lang="en-US" baseline="0" dirty="0" smtClean="0"/>
-              <a:t> it’s even a little more structured than just a bunch of documents floating around</a:t>
-            </a:r>
-          </a:p>
-          <a:p>
-            <a:r>
-              <a:rPr lang="en-US" baseline="0" dirty="0" smtClean="0"/>
-              <a:t>We’ve got these things called collections.</a:t>
-            </a:r>
-          </a:p>
-          <a:p>
-            <a:r>
-              <a:rPr lang="en-US" baseline="0" dirty="0" smtClean="0"/>
-              <a:t>They are kind of like tables, but not really.</a:t>
-            </a:r>
-          </a:p>
-          <a:p>
-            <a:r>
-              <a:rPr lang="en-US" baseline="0" dirty="0" smtClean="0"/>
-              <a:t>They hold a set of related data.</a:t>
-            </a:r>
-          </a:p>
-          <a:p>
-            <a:r>
-              <a:rPr lang="en-US" baseline="0" dirty="0" smtClean="0"/>
-              <a:t>Collections, however, hold documents, so they aren’t flat like tables.</a:t>
-            </a:r>
+            <a:endParaRPr lang="en-US" dirty="0"/>
           </a:p>
         </p:txBody>
       </p:sp>
@@ -1293,7 +2476,7 @@
             <a:fld id="{3A07B820-47FA-134C-9439-E1785E2AFBF4}" type="slidenum">
               <a:rPr lang="en-US" smtClean="0"/>
               <a:pPr/>
-              <a:t>19</a:t>
+              <a:t>28</a:t>
             </a:fld>
             <a:endParaRPr lang="en-US"/>
           </a:p>
@@ -1307,8 +2490,8 @@
 </p:notes>
 </file>
 
-<file path=ppt/notesSlides/notesSlide16.xml><?xml version="1.0" encoding="utf-8"?>
-<p:notes xmlns:a="http://schemas.openxmlformats.org/drawingml/2006/main" xmlns:r="http://schemas.openxmlformats.org/officeDocument/2006/relationships" xmlns:mc="http://schemas.openxmlformats.org/markup-compatibility/2006" xmlns:mv="urn:schemas-microsoft-com:mac:vml" xmlns:p="http://schemas.openxmlformats.org/presentationml/2006/main" mc:Ignorable="mv" mc:PreserveAttributes="mv:*">
+<file path=ppt/notesSlides/notesSlide26.xml><?xml version="1.0" encoding="utf-8"?>
+<p:notes xmlns:a="http://schemas.openxmlformats.org/drawingml/2006/main" xmlns:r="http://schemas.openxmlformats.org/officeDocument/2006/relationships" xmlns:p="http://schemas.openxmlformats.org/presentationml/2006/main">
   <p:cSld>
     <p:spTree>
       <p:nvGrpSpPr>
@@ -1355,29 +2538,37 @@
           <a:p>
             <a:r>
               <a:rPr lang="en-US" dirty="0" smtClean="0"/>
-              <a:t>Here’s where part of the schema</a:t>
+              <a:t>Even though tags is an array, it looks to see if </a:t>
+            </a:r>
+            <a:r>
+              <a:rPr lang="en-US" dirty="0" err="1" smtClean="0"/>
+              <a:t>paystub</a:t>
+            </a:r>
+            <a:r>
+              <a:rPr lang="en-US" dirty="0" smtClean="0"/>
+              <a:t> is in the tags array</a:t>
+            </a:r>
+          </a:p>
+          <a:p>
+            <a:r>
+              <a:rPr lang="en-US" dirty="0" smtClean="0"/>
+              <a:t>This</a:t>
             </a:r>
             <a:r>
               <a:rPr lang="en-US" baseline="0" dirty="0" smtClean="0"/>
-              <a:t> free comes into play.</a:t>
+              <a:t> could be REALLY expensive</a:t>
             </a:r>
           </a:p>
           <a:p>
             <a:r>
               <a:rPr lang="en-US" baseline="0" dirty="0" smtClean="0"/>
-              <a:t>There are no mechanical constraints in the database to tell you to not store cheeseburgers next to your birds.</a:t>
+              <a:t>What if I’ve been using this thing for 10 years, have 1000 documents and 200 tags?</a:t>
             </a:r>
           </a:p>
           <a:p>
             <a:r>
               <a:rPr lang="en-US" baseline="0" dirty="0" smtClean="0"/>
-              <a:t>But if you think about it… do you let your database tell you that now?</a:t>
-            </a:r>
-          </a:p>
-          <a:p>
-            <a:r>
-              <a:rPr lang="en-US" baseline="0" dirty="0" smtClean="0"/>
-              <a:t>No, you’d never think about storing cheeseburgers in your birds table.</a:t>
+              <a:t>Ah, Index</a:t>
             </a:r>
             <a:endParaRPr lang="en-US" dirty="0"/>
           </a:p>
@@ -1401,7 +2592,7 @@
             <a:fld id="{3A07B820-47FA-134C-9439-E1785E2AFBF4}" type="slidenum">
               <a:rPr lang="en-US" smtClean="0"/>
               <a:pPr/>
-              <a:t>20</a:t>
+              <a:t>29</a:t>
             </a:fld>
             <a:endParaRPr lang="en-US"/>
           </a:p>
@@ -1415,8 +2606,8 @@
 </p:notes>
 </file>
 
-<file path=ppt/notesSlides/notesSlide17.xml><?xml version="1.0" encoding="utf-8"?>
-<p:notes xmlns:a="http://schemas.openxmlformats.org/drawingml/2006/main" xmlns:r="http://schemas.openxmlformats.org/officeDocument/2006/relationships" xmlns:mc="http://schemas.openxmlformats.org/markup-compatibility/2006" xmlns:mv="urn:schemas-microsoft-com:mac:vml" xmlns:p="http://schemas.openxmlformats.org/presentationml/2006/main" mc:Ignorable="mv" mc:PreserveAttributes="mv:*">
+<file path=ppt/notesSlides/notesSlide27.xml><?xml version="1.0" encoding="utf-8"?>
+<p:notes xmlns:a="http://schemas.openxmlformats.org/drawingml/2006/main" xmlns:r="http://schemas.openxmlformats.org/officeDocument/2006/relationships" xmlns:p="http://schemas.openxmlformats.org/presentationml/2006/main">
   <p:cSld>
     <p:spTree>
       <p:nvGrpSpPr>
@@ -1463,17 +2654,35 @@
           <a:p>
             <a:r>
               <a:rPr lang="en-US" dirty="0" smtClean="0"/>
-              <a:t>Still structured, but no mechanical constraints</a:t>
-            </a:r>
+              <a:t>Since Mongo speaks JSON, it can index into your documents easily.</a:t>
+            </a:r>
+          </a:p>
+          <a:p>
+            <a:endParaRPr lang="en-US" dirty="0" smtClean="0"/>
           </a:p>
           <a:p>
             <a:r>
               <a:rPr lang="en-US" dirty="0" smtClean="0"/>
-              <a:t>To</a:t>
+              <a:t>The one turns it on</a:t>
+            </a:r>
+          </a:p>
+          <a:p>
+            <a:r>
+              <a:rPr lang="en-US" dirty="0" smtClean="0"/>
+              <a:t>A</a:t>
             </a:r>
             <a:r>
               <a:rPr lang="en-US" baseline="0" dirty="0" smtClean="0"/>
-              <a:t> me, it feels a lot like getting over that initial fear in Ruby.</a:t>
+              <a:t> zero would remove the index</a:t>
+            </a:r>
+          </a:p>
+          <a:p>
+            <a:endParaRPr lang="en-US" baseline="0" dirty="0" smtClean="0"/>
+          </a:p>
+          <a:p>
+            <a:r>
+              <a:rPr lang="en-US" baseline="0" dirty="0" smtClean="0"/>
+              <a:t>Now we can query and it’ll be nice and fast</a:t>
             </a:r>
             <a:endParaRPr lang="en-US" dirty="0"/>
           </a:p>
@@ -1497,7 +2706,7 @@
             <a:fld id="{3A07B820-47FA-134C-9439-E1785E2AFBF4}" type="slidenum">
               <a:rPr lang="en-US" smtClean="0"/>
               <a:pPr/>
-              <a:t>21</a:t>
+              <a:t>30</a:t>
             </a:fld>
             <a:endParaRPr lang="en-US"/>
           </a:p>
@@ -1511,8 +2720,8 @@
 </p:notes>
 </file>
 
-<file path=ppt/notesSlides/notesSlide18.xml><?xml version="1.0" encoding="utf-8"?>
-<p:notes xmlns:a="http://schemas.openxmlformats.org/drawingml/2006/main" xmlns:r="http://schemas.openxmlformats.org/officeDocument/2006/relationships" xmlns:mc="http://schemas.openxmlformats.org/markup-compatibility/2006" xmlns:mv="urn:schemas-microsoft-com:mac:vml" xmlns:p="http://schemas.openxmlformats.org/presentationml/2006/main" mc:Ignorable="mv" mc:PreserveAttributes="mv:*">
+<file path=ppt/notesSlides/notesSlide28.xml><?xml version="1.0" encoding="utf-8"?>
+<p:notes xmlns:a="http://schemas.openxmlformats.org/drawingml/2006/main" xmlns:r="http://schemas.openxmlformats.org/officeDocument/2006/relationships" xmlns:p="http://schemas.openxmlformats.org/presentationml/2006/main">
   <p:cSld>
     <p:spTree>
       <p:nvGrpSpPr>
@@ -1559,77 +2768,29 @@
           <a:p>
             <a:r>
               <a:rPr lang="en-US" dirty="0" smtClean="0"/>
-              <a:t>So we’ve got some</a:t>
+              <a:t>This</a:t>
             </a:r>
             <a:r>
               <a:rPr lang="en-US" baseline="0" dirty="0" smtClean="0"/>
-              <a:t> UI going (or something, and finally are ready to jam some papers into the database.</a:t>
-            </a:r>
+              <a:t> is really useful because it makes sure ALL the things in the given array are present in the target array.</a:t>
+            </a:r>
+          </a:p>
+          <a:p>
+            <a:endParaRPr lang="en-US" baseline="0" dirty="0" smtClean="0"/>
           </a:p>
           <a:p>
             <a:r>
               <a:rPr lang="en-US" baseline="0" dirty="0" smtClean="0"/>
-              <a:t>A couple important things here.</a:t>
-            </a:r>
-          </a:p>
-          <a:p>
+              <a:t>So this would give me all of </a:t>
+            </a:r>
+            <a:r>
+              <a:rPr lang="en-US" baseline="0" dirty="0" err="1" smtClean="0"/>
+              <a:t>jon’s</a:t>
+            </a:r>
             <a:r>
               <a:rPr lang="en-US" baseline="0" dirty="0" smtClean="0"/>
-              <a:t>The first…</a:t>
-            </a:r>
-          </a:p>
-          <a:p>
-            <a:r>
-              <a:rPr lang="en-US" baseline="0" dirty="0" smtClean="0"/>
-              <a:t>Papers is the name of the collection.</a:t>
-            </a:r>
-          </a:p>
-          <a:p>
-            <a:r>
-              <a:rPr lang="en-US" baseline="0" dirty="0" smtClean="0"/>
-              <a:t>The first time you use it, it is created.</a:t>
-            </a:r>
-          </a:p>
-          <a:p>
-            <a:r>
-              <a:rPr lang="en-US" baseline="0" dirty="0" smtClean="0"/>
-              <a:t>The thing we’re saving is a JSON document.</a:t>
-            </a:r>
-          </a:p>
-          <a:p>
-            <a:r>
-              <a:rPr lang="en-US" baseline="0" dirty="0" smtClean="0"/>
-              <a:t>Note that tags is an array.</a:t>
-            </a:r>
-          </a:p>
-          <a:p>
-            <a:r>
-              <a:rPr lang="en-US" baseline="0" dirty="0" smtClean="0"/>
-              <a:t>And content is just a byte array.</a:t>
-            </a:r>
-          </a:p>
-          <a:p>
-            <a:endParaRPr lang="en-US" baseline="0" dirty="0" smtClean="0"/>
-          </a:p>
-          <a:p>
-            <a:r>
-              <a:rPr lang="en-US" baseline="0" dirty="0" smtClean="0"/>
-              <a:t>The database creates an _id key… it’s </a:t>
-            </a:r>
-            <a:r>
-              <a:rPr lang="en-US" baseline="0" dirty="0" smtClean="0"/>
-              <a:t>special</a:t>
-            </a:r>
-          </a:p>
-          <a:p>
-            <a:endParaRPr lang="en-US" baseline="0" dirty="0" smtClean="0"/>
-          </a:p>
-          <a:p>
-            <a:r>
-              <a:rPr lang="en-US" baseline="0" dirty="0" smtClean="0"/>
-              <a:t>One important thing to note.  most of these little snippets we see are what you’d enter at the mongo shell.  the ideas translate to your programming language of choice… usually.</a:t>
-            </a:r>
-            <a:endParaRPr lang="en-US" dirty="0"/>
+              <a:t> paystubs</a:t>
+            </a:r>
           </a:p>
         </p:txBody>
       </p:sp>
@@ -1651,7 +2812,7 @@
             <a:fld id="{3A07B820-47FA-134C-9439-E1785E2AFBF4}" type="slidenum">
               <a:rPr lang="en-US" smtClean="0"/>
               <a:pPr/>
-              <a:t>22</a:t>
+              <a:t>31</a:t>
             </a:fld>
             <a:endParaRPr lang="en-US"/>
           </a:p>
@@ -1665,8 +2826,8 @@
 </p:notes>
 </file>
 
-<file path=ppt/notesSlides/notesSlide19.xml><?xml version="1.0" encoding="utf-8"?>
-<p:notes xmlns:a="http://schemas.openxmlformats.org/drawingml/2006/main" xmlns:r="http://schemas.openxmlformats.org/officeDocument/2006/relationships" xmlns:mc="http://schemas.openxmlformats.org/markup-compatibility/2006" xmlns:mv="urn:schemas-microsoft-com:mac:vml" xmlns:p="http://schemas.openxmlformats.org/presentationml/2006/main" mc:Ignorable="mv" mc:PreserveAttributes="mv:*">
+<file path=ppt/notesSlides/notesSlide29.xml><?xml version="1.0" encoding="utf-8"?>
+<p:notes xmlns:a="http://schemas.openxmlformats.org/drawingml/2006/main" xmlns:r="http://schemas.openxmlformats.org/officeDocument/2006/relationships" xmlns:p="http://schemas.openxmlformats.org/presentationml/2006/main">
   <p:cSld>
     <p:spTree>
       <p:nvGrpSpPr>
@@ -1713,29 +2874,28 @@
           <a:p>
             <a:r>
               <a:rPr lang="en-US" dirty="0" smtClean="0"/>
-              <a:t>Anyone that has ever done a system dealing with content from files has been</a:t>
+              <a:t>$in is kind</a:t>
             </a:r>
             <a:r>
               <a:rPr lang="en-US" baseline="0" dirty="0" smtClean="0"/>
-              <a:t> faced with this question:</a:t>
-            </a:r>
+              <a:t> of the converse.  If any of the items in the target array are in the given array, it’ll match.</a:t>
+            </a:r>
+          </a:p>
+          <a:p>
+            <a:endParaRPr lang="en-US" baseline="0" dirty="0" smtClean="0"/>
           </a:p>
           <a:p>
             <a:r>
               <a:rPr lang="en-US" baseline="0" dirty="0" smtClean="0"/>
-              <a:t>Include the contents</a:t>
-            </a:r>
-          </a:p>
-          <a:p>
+              <a:t>So this will give me all of </a:t>
+            </a:r>
+            <a:r>
+              <a:rPr lang="en-US" baseline="0" dirty="0" err="1" smtClean="0"/>
+              <a:t>jon’s</a:t>
+            </a:r>
             <a:r>
               <a:rPr lang="en-US" baseline="0" dirty="0" smtClean="0"/>
-              <a:t>Include a pointer to the file on a network share.</a:t>
-            </a:r>
-          </a:p>
-          <a:p>
-            <a:r>
-              <a:rPr lang="en-US" baseline="0" dirty="0" smtClean="0"/>
-              <a:t>Both have their drawbacks and advantages.</a:t>
+              <a:t> things, and all of the paystubs.</a:t>
             </a:r>
             <a:endParaRPr lang="en-US" dirty="0"/>
           </a:p>
@@ -1759,7 +2919,7 @@
             <a:fld id="{3A07B820-47FA-134C-9439-E1785E2AFBF4}" type="slidenum">
               <a:rPr lang="en-US" smtClean="0"/>
               <a:pPr/>
-              <a:t>23</a:t>
+              <a:t>32</a:t>
             </a:fld>
             <a:endParaRPr lang="en-US"/>
           </a:p>
@@ -1773,8 +2933,8 @@
 </p:notes>
 </file>
 
-<file path=ppt/notesSlides/notesSlide2.xml><?xml version="1.0" encoding="utf-8"?>
-<p:notes xmlns:a="http://schemas.openxmlformats.org/drawingml/2006/main" xmlns:r="http://schemas.openxmlformats.org/officeDocument/2006/relationships" xmlns:mc="http://schemas.openxmlformats.org/markup-compatibility/2006" xmlns:mv="urn:schemas-microsoft-com:mac:vml" xmlns:p="http://schemas.openxmlformats.org/presentationml/2006/main" mc:Ignorable="mv" mc:PreserveAttributes="mv:*">
+<file path=ppt/notesSlides/notesSlide3.xml><?xml version="1.0" encoding="utf-8"?>
+<p:notes xmlns:a="http://schemas.openxmlformats.org/drawingml/2006/main" xmlns:r="http://schemas.openxmlformats.org/officeDocument/2006/relationships" xmlns:p="http://schemas.openxmlformats.org/presentationml/2006/main">
   <p:cSld>
     <p:spTree>
       <p:nvGrpSpPr>
@@ -1855,8 +3015,8 @@
 </p:notes>
 </file>
 
-<file path=ppt/notesSlides/notesSlide20.xml><?xml version="1.0" encoding="utf-8"?>
-<p:notes xmlns:a="http://schemas.openxmlformats.org/drawingml/2006/main" xmlns:r="http://schemas.openxmlformats.org/officeDocument/2006/relationships" xmlns:mc="http://schemas.openxmlformats.org/markup-compatibility/2006" xmlns:mv="urn:schemas-microsoft-com:mac:vml" xmlns:p="http://schemas.openxmlformats.org/presentationml/2006/main" mc:Ignorable="mv" mc:PreserveAttributes="mv:*">
+<file path=ppt/notesSlides/notesSlide30.xml><?xml version="1.0" encoding="utf-8"?>
+<p:notes xmlns:a="http://schemas.openxmlformats.org/drawingml/2006/main" xmlns:r="http://schemas.openxmlformats.org/officeDocument/2006/relationships" xmlns:p="http://schemas.openxmlformats.org/presentationml/2006/main">
   <p:cSld>
     <p:spTree>
       <p:nvGrpSpPr>
@@ -1903,51 +3063,17 @@
           <a:p>
             <a:r>
               <a:rPr lang="en-US" dirty="0" smtClean="0"/>
-              <a:t>A </a:t>
-            </a:r>
-            <a:r>
-              <a:rPr lang="en-US" dirty="0" err="1" smtClean="0"/>
-              <a:t>filesystem</a:t>
-            </a:r>
+              <a:t>So now we can get data in and out</a:t>
+            </a:r>
+          </a:p>
+          <a:p>
             <a:r>
               <a:rPr lang="en-US" dirty="0" smtClean="0"/>
-              <a:t> in the database.</a:t>
-            </a:r>
-          </a:p>
-          <a:p>
-            <a:r>
-              <a:rPr lang="en-US" dirty="0" smtClean="0"/>
-              <a:t>Basically you get buckets to put things in, rather than directories.</a:t>
-            </a:r>
-          </a:p>
-          <a:p>
-            <a:r>
-              <a:rPr lang="en-US" dirty="0" smtClean="0"/>
-              <a:t>It’ll</a:t>
+              <a:t>It</a:t>
             </a:r>
             <a:r>
               <a:rPr lang="en-US" baseline="0" dirty="0" smtClean="0"/>
-              <a:t> chunk your files into pieces and store them inside the database.</a:t>
-            </a:r>
-          </a:p>
-          <a:p>
-            <a:r>
-              <a:rPr lang="en-US" baseline="0" dirty="0" smtClean="0"/>
-              <a:t>It makes it super easy to push and pull files from your DB.</a:t>
-            </a:r>
-          </a:p>
-          <a:p>
-            <a:r>
-              <a:rPr lang="en-US" baseline="0" dirty="0" smtClean="0"/>
-              <a:t>Most languages give you drivers that mimic the file </a:t>
-            </a:r>
-            <a:r>
-              <a:rPr lang="en-US" baseline="0" dirty="0" err="1" smtClean="0"/>
-              <a:t>io</a:t>
-            </a:r>
-            <a:r>
-              <a:rPr lang="en-US" baseline="0" dirty="0" smtClean="0"/>
-              <a:t> libraries of your platform.</a:t>
+              <a:t> might be useful to be able to change information?</a:t>
             </a:r>
             <a:endParaRPr lang="en-US" dirty="0"/>
           </a:p>
@@ -1971,7 +3097,7 @@
             <a:fld id="{3A07B820-47FA-134C-9439-E1785E2AFBF4}" type="slidenum">
               <a:rPr lang="en-US" smtClean="0"/>
               <a:pPr/>
-              <a:t>24</a:t>
+              <a:t>33</a:t>
             </a:fld>
             <a:endParaRPr lang="en-US"/>
           </a:p>
@@ -1985,8 +3111,8 @@
 </p:notes>
 </file>
 
-<file path=ppt/notesSlides/notesSlide21.xml><?xml version="1.0" encoding="utf-8"?>
-<p:notes xmlns:a="http://schemas.openxmlformats.org/drawingml/2006/main" xmlns:r="http://schemas.openxmlformats.org/officeDocument/2006/relationships" xmlns:mc="http://schemas.openxmlformats.org/markup-compatibility/2006" xmlns:mv="urn:schemas-microsoft-com:mac:vml" xmlns:p="http://schemas.openxmlformats.org/presentationml/2006/main" mc:Ignorable="mv" mc:PreserveAttributes="mv:*">
+<file path=ppt/notesSlides/notesSlide31.xml><?xml version="1.0" encoding="utf-8"?>
+<p:notes xmlns:a="http://schemas.openxmlformats.org/drawingml/2006/main" xmlns:r="http://schemas.openxmlformats.org/officeDocument/2006/relationships" xmlns:p="http://schemas.openxmlformats.org/presentationml/2006/main">
   <p:cSld>
     <p:spTree>
       <p:nvGrpSpPr>
@@ -2033,19 +3159,73 @@
           <a:p>
             <a:r>
               <a:rPr lang="en-US" dirty="0" smtClean="0"/>
-              <a:t>So, we’ll back up, and change the content to be a SHA1 of the file for uniqueness, and we’ll store the file itself</a:t>
+              <a:t>Mongo provides several atomic functions.</a:t>
+            </a:r>
+          </a:p>
+          <a:p>
+            <a:r>
+              <a:rPr lang="en-US" dirty="0" smtClean="0"/>
+              <a:t>$inc here is one of them</a:t>
+            </a:r>
+          </a:p>
+          <a:p>
+            <a:r>
+              <a:rPr lang="en-US" dirty="0" smtClean="0"/>
+              <a:t>We could do</a:t>
             </a:r>
             <a:r>
               <a:rPr lang="en-US" baseline="0" dirty="0" smtClean="0"/>
-              <a:t> in </a:t>
+              <a:t> the whole</a:t>
+            </a:r>
+          </a:p>
+          <a:p>
+            <a:r>
+              <a:rPr lang="en-US" baseline="0" dirty="0" smtClean="0"/>
+              <a:t>Get</a:t>
+            </a:r>
+          </a:p>
+          <a:p>
+            <a:r>
+              <a:rPr lang="en-US" baseline="0" dirty="0" smtClean="0"/>
+              <a:t>Update</a:t>
+            </a:r>
+          </a:p>
+          <a:p>
+            <a:r>
+              <a:rPr lang="en-US" baseline="0" dirty="0" smtClean="0"/>
+              <a:t>Save</a:t>
+            </a:r>
+          </a:p>
+          <a:p>
+            <a:r>
+              <a:rPr lang="en-US" baseline="0" dirty="0" smtClean="0"/>
+              <a:t>routine, but that causes network traffic and the ability to get out of sync, if we’re using an ORM.</a:t>
+            </a:r>
+          </a:p>
+          <a:p>
+            <a:endParaRPr lang="en-US" baseline="0" dirty="0" smtClean="0"/>
+          </a:p>
+          <a:p>
+            <a:r>
+              <a:rPr lang="en-US" baseline="0" dirty="0" smtClean="0"/>
+              <a:t>This makes for a fast, succinct operation.</a:t>
+            </a:r>
+          </a:p>
+          <a:p>
+            <a:endParaRPr lang="en-US" baseline="0" dirty="0" smtClean="0"/>
+          </a:p>
+          <a:p>
+            <a:r>
+              <a:rPr lang="en-US" baseline="0" dirty="0" smtClean="0"/>
+              <a:t>However, if we’re using </a:t>
             </a:r>
             <a:r>
               <a:rPr lang="en-US" baseline="0" dirty="0" err="1" smtClean="0"/>
-              <a:t>GridFS</a:t>
+              <a:t>sprocs</a:t>
             </a:r>
             <a:r>
               <a:rPr lang="en-US" baseline="0" dirty="0" smtClean="0"/>
-              <a:t>.</a:t>
+              <a:t>, we can get similar functionality already in a relational system</a:t>
             </a:r>
             <a:endParaRPr lang="en-US" dirty="0"/>
           </a:p>
@@ -2069,7 +3249,7 @@
             <a:fld id="{3A07B820-47FA-134C-9439-E1785E2AFBF4}" type="slidenum">
               <a:rPr lang="en-US" smtClean="0"/>
               <a:pPr/>
-              <a:t>25</a:t>
+              <a:t>34</a:t>
             </a:fld>
             <a:endParaRPr lang="en-US"/>
           </a:p>
@@ -2083,8 +3263,8 @@
 </p:notes>
 </file>
 
-<file path=ppt/notesSlides/notesSlide22.xml><?xml version="1.0" encoding="utf-8"?>
-<p:notes xmlns:a="http://schemas.openxmlformats.org/drawingml/2006/main" xmlns:r="http://schemas.openxmlformats.org/officeDocument/2006/relationships" xmlns:mc="http://schemas.openxmlformats.org/markup-compatibility/2006" xmlns:mv="urn:schemas-microsoft-com:mac:vml" xmlns:p="http://schemas.openxmlformats.org/presentationml/2006/main" mc:Ignorable="mv" mc:PreserveAttributes="mv:*">
+<file path=ppt/notesSlides/notesSlide32.xml><?xml version="1.0" encoding="utf-8"?>
+<p:notes xmlns:a="http://schemas.openxmlformats.org/drawingml/2006/main" xmlns:r="http://schemas.openxmlformats.org/officeDocument/2006/relationships" xmlns:p="http://schemas.openxmlformats.org/presentationml/2006/main">
   <p:cSld>
     <p:spTree>
       <p:nvGrpSpPr>
@@ -2131,11 +3311,13 @@
           <a:p>
             <a:r>
               <a:rPr lang="en-US" dirty="0" smtClean="0"/>
-              <a:t>So now we’ve got our app and we can</a:t>
-            </a:r>
-            <a:r>
-              <a:rPr lang="en-US" baseline="0" dirty="0" smtClean="0"/>
-              <a:t> put data into it…  it might be useful to get data out of it?</a:t>
+              <a:t>A couple more examples…</a:t>
+            </a:r>
+          </a:p>
+          <a:p>
+            <a:r>
+              <a:rPr lang="en-US" dirty="0" smtClean="0"/>
+              <a:t>This lets us push a value into an array</a:t>
             </a:r>
             <a:endParaRPr lang="en-US" dirty="0"/>
           </a:p>
@@ -2159,7 +3341,7 @@
             <a:fld id="{3A07B820-47FA-134C-9439-E1785E2AFBF4}" type="slidenum">
               <a:rPr lang="en-US" smtClean="0"/>
               <a:pPr/>
-              <a:t>26</a:t>
+              <a:t>35</a:t>
             </a:fld>
             <a:endParaRPr lang="en-US"/>
           </a:p>
@@ -2173,8 +3355,8 @@
 </p:notes>
 </file>
 
-<file path=ppt/notesSlides/notesSlide23.xml><?xml version="1.0" encoding="utf-8"?>
-<p:notes xmlns:a="http://schemas.openxmlformats.org/drawingml/2006/main" xmlns:r="http://schemas.openxmlformats.org/officeDocument/2006/relationships" xmlns:mc="http://schemas.openxmlformats.org/markup-compatibility/2006" xmlns:mv="urn:schemas-microsoft-com:mac:vml" xmlns:p="http://schemas.openxmlformats.org/presentationml/2006/main" mc:Ignorable="mv" mc:PreserveAttributes="mv:*">
+<file path=ppt/notesSlides/notesSlide33.xml><?xml version="1.0" encoding="utf-8"?>
+<p:notes xmlns:a="http://schemas.openxmlformats.org/drawingml/2006/main" xmlns:r="http://schemas.openxmlformats.org/officeDocument/2006/relationships" xmlns:p="http://schemas.openxmlformats.org/presentationml/2006/main">
   <p:cSld>
     <p:spTree>
       <p:nvGrpSpPr>
@@ -2221,7 +3403,7 @@
           <a:p>
             <a:r>
               <a:rPr lang="en-US" dirty="0" smtClean="0"/>
-              <a:t>This is sort of like select *</a:t>
+              <a:t>And pull a value from an array</a:t>
             </a:r>
             <a:endParaRPr lang="en-US" dirty="0"/>
           </a:p>
@@ -2245,7 +3427,7 @@
             <a:fld id="{3A07B820-47FA-134C-9439-E1785E2AFBF4}" type="slidenum">
               <a:rPr lang="en-US" smtClean="0"/>
               <a:pPr/>
-              <a:t>27</a:t>
+              <a:t>36</a:t>
             </a:fld>
             <a:endParaRPr lang="en-US"/>
           </a:p>
@@ -2259,8 +3441,8 @@
 </p:notes>
 </file>
 
-<file path=ppt/notesSlides/notesSlide24.xml><?xml version="1.0" encoding="utf-8"?>
-<p:notes xmlns:a="http://schemas.openxmlformats.org/drawingml/2006/main" xmlns:r="http://schemas.openxmlformats.org/officeDocument/2006/relationships" xmlns:mc="http://schemas.openxmlformats.org/markup-compatibility/2006" xmlns:mv="urn:schemas-microsoft-com:mac:vml" xmlns:p="http://schemas.openxmlformats.org/presentationml/2006/main" mc:Ignorable="mv" mc:PreserveAttributes="mv:*">
+<file path=ppt/notesSlides/notesSlide34.xml><?xml version="1.0" encoding="utf-8"?>
+<p:notes xmlns:a="http://schemas.openxmlformats.org/drawingml/2006/main" xmlns:r="http://schemas.openxmlformats.org/officeDocument/2006/relationships" xmlns:p="http://schemas.openxmlformats.org/presentationml/2006/main">
   <p:cSld>
     <p:spTree>
       <p:nvGrpSpPr>
@@ -2305,6 +3487,54 @@
           </a:bodyPr>
           <a:lstStyle/>
           <a:p>
+            <a:r>
+              <a:rPr lang="en-US" dirty="0" smtClean="0"/>
+              <a:t>We’re done</a:t>
+            </a:r>
+          </a:p>
+          <a:p>
+            <a:r>
+              <a:rPr lang="en-US" dirty="0" smtClean="0"/>
+              <a:t>It’s awesome</a:t>
+            </a:r>
+          </a:p>
+          <a:p>
+            <a:r>
+              <a:rPr lang="en-US" dirty="0" smtClean="0"/>
+              <a:t>We changed the world</a:t>
+            </a:r>
+          </a:p>
+          <a:p>
+            <a:r>
+              <a:rPr lang="en-US" dirty="0" smtClean="0"/>
+              <a:t>Just</a:t>
+            </a:r>
+            <a:r>
+              <a:rPr lang="en-US" baseline="0" dirty="0" smtClean="0"/>
+              <a:t> like twitter and </a:t>
+            </a:r>
+            <a:r>
+              <a:rPr lang="en-US" baseline="0" dirty="0" err="1" smtClean="0"/>
+              <a:t>facebook</a:t>
+            </a:r>
+            <a:r>
+              <a:rPr lang="en-US" baseline="0" dirty="0" smtClean="0"/>
+              <a:t>. p</a:t>
+            </a:r>
+            <a:r>
+              <a:rPr lang="en-US" dirty="0" smtClean="0"/>
+              <a:t>eople</a:t>
+            </a:r>
+            <a:r>
+              <a:rPr lang="en-US" baseline="0" dirty="0" smtClean="0"/>
+              <a:t> can now be paperless on the toilet… wait… bad idea</a:t>
+            </a:r>
+          </a:p>
+          <a:p>
+            <a:r>
+              <a:rPr lang="en-US" baseline="0" dirty="0" smtClean="0"/>
+              <a:t>Either way EVERYONE is using your app!</a:t>
+            </a:r>
             <a:endParaRPr lang="en-US" dirty="0"/>
           </a:p>
         </p:txBody>
@@ -2327,7 +3557,7 @@
             <a:fld id="{3A07B820-47FA-134C-9439-E1785E2AFBF4}" type="slidenum">
               <a:rPr lang="en-US" smtClean="0"/>
               <a:pPr/>
-              <a:t>28</a:t>
+              <a:t>37</a:t>
             </a:fld>
             <a:endParaRPr lang="en-US"/>
           </a:p>
@@ -2341,8 +3571,8 @@
 </p:notes>
 </file>
 
-<file path=ppt/notesSlides/notesSlide25.xml><?xml version="1.0" encoding="utf-8"?>
-<p:notes xmlns:a="http://schemas.openxmlformats.org/drawingml/2006/main" xmlns:r="http://schemas.openxmlformats.org/officeDocument/2006/relationships" xmlns:mc="http://schemas.openxmlformats.org/markup-compatibility/2006" xmlns:mv="urn:schemas-microsoft-com:mac:vml" xmlns:p="http://schemas.openxmlformats.org/presentationml/2006/main" mc:Ignorable="mv" mc:PreserveAttributes="mv:*">
+<file path=ppt/notesSlides/notesSlide35.xml><?xml version="1.0" encoding="utf-8"?>
+<p:notes xmlns:a="http://schemas.openxmlformats.org/drawingml/2006/main" xmlns:r="http://schemas.openxmlformats.org/officeDocument/2006/relationships" xmlns:p="http://schemas.openxmlformats.org/presentationml/2006/main">
   <p:cSld>
     <p:spTree>
       <p:nvGrpSpPr>
@@ -2389,37 +3619,7 @@
           <a:p>
             <a:r>
               <a:rPr lang="en-US" dirty="0" smtClean="0"/>
-              <a:t>Even though tags is an array, it looks to see if </a:t>
-            </a:r>
-            <a:r>
-              <a:rPr lang="en-US" dirty="0" err="1" smtClean="0"/>
-              <a:t>paystub</a:t>
-            </a:r>
-            <a:r>
-              <a:rPr lang="en-US" dirty="0" smtClean="0"/>
-              <a:t> is in the tags array</a:t>
-            </a:r>
-          </a:p>
-          <a:p>
-            <a:r>
-              <a:rPr lang="en-US" dirty="0" smtClean="0"/>
-              <a:t>This</a:t>
-            </a:r>
-            <a:r>
-              <a:rPr lang="en-US" baseline="0" dirty="0" smtClean="0"/>
-              <a:t> could be REALLY expensive</a:t>
-            </a:r>
-          </a:p>
-          <a:p>
-            <a:r>
-              <a:rPr lang="en-US" baseline="0" dirty="0" smtClean="0"/>
-              <a:t>What if I’ve been using this thing for 10 years, have 1000 documents and 200 tags?</a:t>
-            </a:r>
-          </a:p>
-          <a:p>
-            <a:r>
-              <a:rPr lang="en-US" baseline="0" dirty="0" smtClean="0"/>
-              <a:t>Ah, Index</a:t>
+              <a:t>And along comes the fail whale</a:t>
             </a:r>
             <a:endParaRPr lang="en-US" dirty="0"/>
           </a:p>
@@ -2443,7 +3643,7 @@
             <a:fld id="{3A07B820-47FA-134C-9439-E1785E2AFBF4}" type="slidenum">
               <a:rPr lang="en-US" smtClean="0"/>
               <a:pPr/>
-              <a:t>29</a:t>
+              <a:t>38</a:t>
             </a:fld>
             <a:endParaRPr lang="en-US"/>
           </a:p>
@@ -2457,8 +3657,8 @@
 </p:notes>
 </file>
 
-<file path=ppt/notesSlides/notesSlide26.xml><?xml version="1.0" encoding="utf-8"?>
-<p:notes xmlns:a="http://schemas.openxmlformats.org/drawingml/2006/main" xmlns:r="http://schemas.openxmlformats.org/officeDocument/2006/relationships" xmlns:mc="http://schemas.openxmlformats.org/markup-compatibility/2006" xmlns:mv="urn:schemas-microsoft-com:mac:vml" xmlns:p="http://schemas.openxmlformats.org/presentationml/2006/main" mc:Ignorable="mv" mc:PreserveAttributes="mv:*">
+<file path=ppt/notesSlides/notesSlide36.xml><?xml version="1.0" encoding="utf-8"?>
+<p:notes xmlns:a="http://schemas.openxmlformats.org/drawingml/2006/main" xmlns:r="http://schemas.openxmlformats.org/officeDocument/2006/relationships" xmlns:p="http://schemas.openxmlformats.org/presentationml/2006/main">
   <p:cSld>
     <p:spTree>
       <p:nvGrpSpPr>
@@ -2505,35 +3705,17 @@
           <a:p>
             <a:r>
               <a:rPr lang="en-US" dirty="0" smtClean="0"/>
-              <a:t>Since Mongo speaks JSON, it can index into your documents easily.</a:t>
-            </a:r>
-          </a:p>
-          <a:p>
-            <a:endParaRPr lang="en-US" dirty="0" smtClean="0"/>
-          </a:p>
-          <a:p>
-            <a:r>
-              <a:rPr lang="en-US" dirty="0" smtClean="0"/>
-              <a:t>The one turns it on</a:t>
-            </a:r>
-          </a:p>
-          <a:p>
-            <a:r>
-              <a:rPr lang="en-US" dirty="0" smtClean="0"/>
-              <a:t>A</a:t>
+              <a:t>Sort of like a machine index in</a:t>
             </a:r>
             <a:r>
               <a:rPr lang="en-US" baseline="0" dirty="0" smtClean="0"/>
-              <a:t> zero would remove the index</a:t>
-            </a:r>
-          </a:p>
-          <a:p>
-            <a:endParaRPr lang="en-US" baseline="0" dirty="0" smtClean="0"/>
+              <a:t> addition to other indexes.</a:t>
+            </a:r>
           </a:p>
           <a:p>
             <a:r>
               <a:rPr lang="en-US" baseline="0" dirty="0" smtClean="0"/>
-              <a:t>Now we can query and it’ll be nice and fast</a:t>
+              <a:t>The client doesn’t know the difference, but the data is distributed horizontally across machines, with potentially commodity hardware.</a:t>
             </a:r>
             <a:endParaRPr lang="en-US" dirty="0"/>
           </a:p>
@@ -2557,7 +3739,7 @@
             <a:fld id="{3A07B820-47FA-134C-9439-E1785E2AFBF4}" type="slidenum">
               <a:rPr lang="en-US" smtClean="0"/>
               <a:pPr/>
-              <a:t>30</a:t>
+              <a:t>39</a:t>
             </a:fld>
             <a:endParaRPr lang="en-US"/>
           </a:p>
@@ -2571,8 +3753,8 @@
 </p:notes>
 </file>
 
-<file path=ppt/notesSlides/notesSlide27.xml><?xml version="1.0" encoding="utf-8"?>
-<p:notes xmlns:a="http://schemas.openxmlformats.org/drawingml/2006/main" xmlns:r="http://schemas.openxmlformats.org/officeDocument/2006/relationships" xmlns:mc="http://schemas.openxmlformats.org/markup-compatibility/2006" xmlns:mv="urn:schemas-microsoft-com:mac:vml" xmlns:p="http://schemas.openxmlformats.org/presentationml/2006/main" mc:Ignorable="mv" mc:PreserveAttributes="mv:*">
+<file path=ppt/notesSlides/notesSlide37.xml><?xml version="1.0" encoding="utf-8"?>
+<p:notes xmlns:a="http://schemas.openxmlformats.org/drawingml/2006/main" xmlns:r="http://schemas.openxmlformats.org/officeDocument/2006/relationships" xmlns:p="http://schemas.openxmlformats.org/presentationml/2006/main">
   <p:cSld>
     <p:spTree>
       <p:nvGrpSpPr>
@@ -2619,34 +3801,13 @@
           <a:p>
             <a:r>
               <a:rPr lang="en-US" dirty="0" smtClean="0"/>
-              <a:t>This</a:t>
+              <a:t>So now we’re back to happy with our app, and all is sane again, and we’re making money (or</a:t>
             </a:r>
             <a:r>
               <a:rPr lang="en-US" baseline="0" dirty="0" smtClean="0"/>
-              <a:t> is really useful because it makes sure ALL the things in the given array are present in the target array</a:t>
-            </a:r>
-            <a:r>
-              <a:rPr lang="en-US" baseline="0" dirty="0" smtClean="0"/>
-              <a:t>.</a:t>
-            </a:r>
-          </a:p>
-          <a:p>
-            <a:endParaRPr lang="en-US" baseline="0" dirty="0" smtClean="0"/>
-          </a:p>
-          <a:p>
-            <a:r>
-              <a:rPr lang="en-US" baseline="0" dirty="0" smtClean="0"/>
-              <a:t>So this would give me all of </a:t>
-            </a:r>
-            <a:r>
-              <a:rPr lang="en-US" baseline="0" dirty="0" err="1" smtClean="0"/>
-              <a:t>jon’s</a:t>
-            </a:r>
-            <a:r>
-              <a:rPr lang="en-US" baseline="0" dirty="0" smtClean="0"/>
-              <a:t> paystubs</a:t>
-            </a:r>
-            <a:endParaRPr lang="en-US" baseline="0" dirty="0" smtClean="0"/>
+              <a:t> at least changing the world and NOT filing papers anymore)</a:t>
+            </a:r>
+            <a:endParaRPr lang="en-US" dirty="0"/>
           </a:p>
         </p:txBody>
       </p:sp>
@@ -2668,7 +3829,7 @@
             <a:fld id="{3A07B820-47FA-134C-9439-E1785E2AFBF4}" type="slidenum">
               <a:rPr lang="en-US" smtClean="0"/>
               <a:pPr/>
-              <a:t>31</a:t>
+              <a:t>40</a:t>
             </a:fld>
             <a:endParaRPr lang="en-US"/>
           </a:p>
@@ -2682,8 +3843,8 @@
 </p:notes>
 </file>
 
-<file path=ppt/notesSlides/notesSlide28.xml><?xml version="1.0" encoding="utf-8"?>
-<p:notes xmlns:a="http://schemas.openxmlformats.org/drawingml/2006/main" xmlns:r="http://schemas.openxmlformats.org/officeDocument/2006/relationships" xmlns:mc="http://schemas.openxmlformats.org/markup-compatibility/2006" xmlns:mv="urn:schemas-microsoft-com:mac:vml" xmlns:p="http://schemas.openxmlformats.org/presentationml/2006/main" mc:Ignorable="mv" mc:PreserveAttributes="mv:*">
+<file path=ppt/notesSlides/notesSlide38.xml><?xml version="1.0" encoding="utf-8"?>
+<p:notes xmlns:a="http://schemas.openxmlformats.org/drawingml/2006/main" xmlns:r="http://schemas.openxmlformats.org/officeDocument/2006/relationships" xmlns:p="http://schemas.openxmlformats.org/presentationml/2006/main">
   <p:cSld>
     <p:spTree>
       <p:nvGrpSpPr>
@@ -2730,32 +3891,24 @@
           <a:p>
             <a:r>
               <a:rPr lang="en-US" dirty="0" smtClean="0"/>
-              <a:t>$in is kind</a:t>
+              <a:t>we’ll pause here and try to answer any questions</a:t>
             </a:r>
             <a:r>
               <a:rPr lang="en-US" baseline="0" dirty="0" smtClean="0"/>
-              <a:t> of the converse.  If any of the items in the target array are in the given array, it’ll match</a:t>
+              <a:t> or catch up on anything I might’ve forgotten to mention.</a:t>
+            </a:r>
+          </a:p>
+          <a:p>
+            <a:endParaRPr lang="en-US" dirty="0" smtClean="0"/>
+          </a:p>
+          <a:p>
+            <a:r>
+              <a:rPr lang="en-US" dirty="0" smtClean="0"/>
+              <a:t>since we’ve got a little bit of time left over, I’ll try to give you a heads up</a:t>
             </a:r>
             <a:r>
               <a:rPr lang="en-US" baseline="0" dirty="0" smtClean="0"/>
-              <a:t>.</a:t>
-            </a:r>
-          </a:p>
-          <a:p>
-            <a:endParaRPr lang="en-US" baseline="0" dirty="0" smtClean="0"/>
-          </a:p>
-          <a:p>
-            <a:r>
-              <a:rPr lang="en-US" baseline="0" dirty="0" smtClean="0"/>
-              <a:t>So this will give me all of </a:t>
-            </a:r>
-            <a:r>
-              <a:rPr lang="en-US" baseline="0" dirty="0" err="1" smtClean="0"/>
-              <a:t>jon’s</a:t>
-            </a:r>
-            <a:r>
-              <a:rPr lang="en-US" baseline="0" dirty="0" smtClean="0"/>
-              <a:t> things, and all of the paystubs.</a:t>
+              <a:t> on a few more pretty cool things about mongo.</a:t>
             </a:r>
             <a:endParaRPr lang="en-US" dirty="0"/>
           </a:p>
@@ -2779,7 +3932,7 @@
             <a:fld id="{3A07B820-47FA-134C-9439-E1785E2AFBF4}" type="slidenum">
               <a:rPr lang="en-US" smtClean="0"/>
               <a:pPr/>
-              <a:t>32</a:t>
+              <a:t>41</a:t>
             </a:fld>
             <a:endParaRPr lang="en-US"/>
           </a:p>
@@ -2793,8 +3946,8 @@
 </p:notes>
 </file>
 
-<file path=ppt/notesSlides/notesSlide29.xml><?xml version="1.0" encoding="utf-8"?>
-<p:notes xmlns:a="http://schemas.openxmlformats.org/drawingml/2006/main" xmlns:r="http://schemas.openxmlformats.org/officeDocument/2006/relationships" xmlns:mc="http://schemas.openxmlformats.org/markup-compatibility/2006" xmlns:mv="urn:schemas-microsoft-com:mac:vml" xmlns:p="http://schemas.openxmlformats.org/presentationml/2006/main" mc:Ignorable="mv" mc:PreserveAttributes="mv:*">
+<file path=ppt/notesSlides/notesSlide39.xml><?xml version="1.0" encoding="utf-8"?>
+<p:notes xmlns:a="http://schemas.openxmlformats.org/drawingml/2006/main" xmlns:r="http://schemas.openxmlformats.org/officeDocument/2006/relationships" xmlns:p="http://schemas.openxmlformats.org/presentationml/2006/main">
   <p:cSld>
     <p:spTree>
       <p:nvGrpSpPr>
@@ -2841,17 +3994,26 @@
           <a:p>
             <a:r>
               <a:rPr lang="en-US" dirty="0" smtClean="0"/>
-              <a:t>So now we can get data in and out</a:t>
+              <a:t>in x86 and x64, for each.</a:t>
             </a:r>
           </a:p>
           <a:p>
             <a:r>
               <a:rPr lang="en-US" dirty="0" smtClean="0"/>
-              <a:t>It</a:t>
+              <a:t>and the cool thing is, it’s not ridiculous to get running on any</a:t>
             </a:r>
             <a:r>
               <a:rPr lang="en-US" baseline="0" dirty="0" smtClean="0"/>
-              <a:t> might be useful to be able to change information?</a:t>
+              <a:t> of these either.  you unzip the package, and run the executable</a:t>
+            </a:r>
+          </a:p>
+          <a:p>
+            <a:endParaRPr lang="en-US" baseline="0" dirty="0" smtClean="0"/>
+          </a:p>
+          <a:p>
+            <a:r>
+              <a:rPr lang="en-US" baseline="0" dirty="0" smtClean="0"/>
+              <a:t> dead simple, no lengthy, troublesome installations and possible missing required components/dependencies that you need to track down</a:t>
             </a:r>
             <a:endParaRPr lang="en-US" dirty="0"/>
           </a:p>
@@ -2875,7 +4037,7 @@
             <a:fld id="{3A07B820-47FA-134C-9439-E1785E2AFBF4}" type="slidenum">
               <a:rPr lang="en-US" smtClean="0"/>
               <a:pPr/>
-              <a:t>33</a:t>
+              <a:t>42</a:t>
             </a:fld>
             <a:endParaRPr lang="en-US"/>
           </a:p>
@@ -2889,8 +4051,8 @@
 </p:notes>
 </file>
 
-<file path=ppt/notesSlides/notesSlide3.xml><?xml version="1.0" encoding="utf-8"?>
-<p:notes xmlns:a="http://schemas.openxmlformats.org/drawingml/2006/main" xmlns:r="http://schemas.openxmlformats.org/officeDocument/2006/relationships" xmlns:mc="http://schemas.openxmlformats.org/markup-compatibility/2006" xmlns:mv="urn:schemas-microsoft-com:mac:vml" xmlns:p="http://schemas.openxmlformats.org/presentationml/2006/main" mc:Ignorable="mv" mc:PreserveAttributes="mv:*">
+<file path=ppt/notesSlides/notesSlide4.xml><?xml version="1.0" encoding="utf-8"?>
+<p:notes xmlns:a="http://schemas.openxmlformats.org/drawingml/2006/main" xmlns:r="http://schemas.openxmlformats.org/officeDocument/2006/relationships" xmlns:p="http://schemas.openxmlformats.org/presentationml/2006/main">
   <p:cSld>
     <p:spTree>
       <p:nvGrpSpPr>
@@ -2976,31 +4138,11 @@
           <a:p>
             <a:r>
               <a:rPr lang="en-US" baseline="0" dirty="0" smtClean="0"/>
-              <a:t>Today I’ll be focusing on alternative strategies, but I’d like to be clear that I’m not trying to paint the picture of we’re awesome, they’re not.  In fact, Rob </a:t>
-            </a:r>
-            <a:r>
-              <a:rPr lang="en-US" baseline="0" dirty="0" err="1" smtClean="0"/>
-              <a:t>Conery</a:t>
+              <a:t>Today I’ll be focusing on alternative strategies, but I’d like to be clear that I’m not trying to paint the picture of we’re awesome, they’re </a:t>
             </a:r>
             <a:r>
               <a:rPr lang="en-US" baseline="0" dirty="0" smtClean="0"/>
-              <a:t> (of subsonic/</a:t>
-            </a:r>
-            <a:r>
-              <a:rPr lang="en-US" baseline="0" dirty="0" err="1" smtClean="0"/>
-              <a:t>tekpub</a:t>
-            </a:r>
-            <a:r>
-              <a:rPr lang="en-US" baseline="0" dirty="0" smtClean="0"/>
-              <a:t> fame) just posted a cool blog post about how they use BOTH to great advantage on the </a:t>
-            </a:r>
-            <a:r>
-              <a:rPr lang="en-US" baseline="0" dirty="0" err="1" smtClean="0"/>
-              <a:t>tekpub</a:t>
-            </a:r>
-            <a:r>
-              <a:rPr lang="en-US" baseline="0" dirty="0" smtClean="0"/>
-              <a:t> site.</a:t>
+              <a:t>not</a:t>
             </a:r>
             <a:endParaRPr lang="en-US" dirty="0" smtClean="0"/>
           </a:p>
@@ -3038,8 +4180,8 @@
 </p:notes>
 </file>
 
-<file path=ppt/notesSlides/notesSlide30.xml><?xml version="1.0" encoding="utf-8"?>
-<p:notes xmlns:a="http://schemas.openxmlformats.org/drawingml/2006/main" xmlns:r="http://schemas.openxmlformats.org/officeDocument/2006/relationships" xmlns:mc="http://schemas.openxmlformats.org/markup-compatibility/2006" xmlns:mv="urn:schemas-microsoft-com:mac:vml" xmlns:p="http://schemas.openxmlformats.org/presentationml/2006/main" mc:Ignorable="mv" mc:PreserveAttributes="mv:*">
+<file path=ppt/notesSlides/notesSlide40.xml><?xml version="1.0" encoding="utf-8"?>
+<p:notes xmlns:a="http://schemas.openxmlformats.org/drawingml/2006/main" xmlns:r="http://schemas.openxmlformats.org/officeDocument/2006/relationships" xmlns:p="http://schemas.openxmlformats.org/presentationml/2006/main">
   <p:cSld>
     <p:spTree>
       <p:nvGrpSpPr>
@@ -3085,61 +4227,36 @@
           <a:lstStyle/>
           <a:p>
             <a:r>
+              <a:rPr lang="en-US" dirty="0" err="1" smtClean="0"/>
+              <a:t>mongodb</a:t>
+            </a:r>
+            <a:r>
               <a:rPr lang="en-US" dirty="0" smtClean="0"/>
-              <a:t>Mongo provides several atomic functions.</a:t>
-            </a:r>
-          </a:p>
-          <a:p>
+              <a:t> has a full </a:t>
+            </a:r>
+            <a:r>
+              <a:rPr lang="en-US" dirty="0" err="1" smtClean="0"/>
+              <a:t>javascript</a:t>
+            </a:r>
             <a:r>
               <a:rPr lang="en-US" dirty="0" smtClean="0"/>
-              <a:t>$inc here is one of them</a:t>
-            </a:r>
-          </a:p>
-          <a:p>
+              <a:t> interpreter on the backend (</a:t>
+            </a:r>
+            <a:r>
+              <a:rPr lang="en-US" dirty="0" err="1" smtClean="0"/>
+              <a:t>spidermonkey</a:t>
+            </a:r>
             <a:r>
               <a:rPr lang="en-US" dirty="0" smtClean="0"/>
-              <a:t>We could do</a:t>
+              <a:t>)</a:t>
             </a:r>
             <a:r>
               <a:rPr lang="en-US" baseline="0" dirty="0" smtClean="0"/>
-              <a:t> the whole</a:t>
-            </a:r>
-          </a:p>
-          <a:p>
-            <a:r>
-              <a:rPr lang="en-US" baseline="0" dirty="0" smtClean="0"/>
-              <a:t>Get</a:t>
-            </a:r>
-          </a:p>
-          <a:p>
-            <a:r>
-              <a:rPr lang="en-US" baseline="0" dirty="0" smtClean="0"/>
-              <a:t>Update</a:t>
-            </a:r>
-          </a:p>
-          <a:p>
-            <a:r>
-              <a:rPr lang="en-US" baseline="0" dirty="0" smtClean="0"/>
-              <a:t>Save</a:t>
-            </a:r>
-          </a:p>
-          <a:p>
-            <a:r>
-              <a:rPr lang="en-US" baseline="0" dirty="0" smtClean="0"/>
-              <a:t>routine, but that causes network traffic and the ability to get out of </a:t>
-            </a:r>
-            <a:r>
-              <a:rPr lang="en-US" baseline="0" dirty="0" smtClean="0"/>
-              <a:t>sync, if we’re using an ORM.</a:t>
-            </a:r>
-          </a:p>
-          <a:p>
-            <a:endParaRPr lang="en-US" baseline="0" dirty="0" smtClean="0"/>
-          </a:p>
-          <a:p>
-            <a:r>
-              <a:rPr lang="en-US" baseline="0" dirty="0" smtClean="0"/>
-              <a:t>This makes for a fast, succinct operation</a:t>
+              <a:t>, so it natively understands </a:t>
+            </a:r>
+            <a:r>
+              <a:rPr lang="en-US" baseline="0" dirty="0" err="1" smtClean="0"/>
+              <a:t>javascript</a:t>
             </a:r>
             <a:r>
               <a:rPr lang="en-US" baseline="0" dirty="0" smtClean="0"/>
@@ -3152,15 +4269,57 @@
           <a:p>
             <a:r>
               <a:rPr lang="en-US" baseline="0" dirty="0" smtClean="0"/>
-              <a:t>However, if we’re using </a:t>
+              <a:t>with map/reduce, you can give it two </a:t>
             </a:r>
             <a:r>
               <a:rPr lang="en-US" baseline="0" dirty="0" err="1" smtClean="0"/>
-              <a:t>sprocs</a:t>
+              <a:t>javascript</a:t>
             </a:r>
             <a:r>
               <a:rPr lang="en-US" baseline="0" dirty="0" smtClean="0"/>
-              <a:t>, we can get similar functionality already in a relational system</a:t>
+              <a:t> functions, and handles the rest (machine balancing, etc.)</a:t>
+            </a:r>
+          </a:p>
+          <a:p>
+            <a:endParaRPr lang="en-US" dirty="0" smtClean="0"/>
+          </a:p>
+          <a:p>
+            <a:r>
+              <a:rPr lang="en-US" dirty="0" smtClean="0"/>
+              <a:t>this example counts the number of times each tag is used</a:t>
+            </a:r>
+          </a:p>
+          <a:p>
+            <a:r>
+              <a:rPr lang="en-US" dirty="0" smtClean="0"/>
+              <a:t>map: loops over each tag, and returns the</a:t>
+            </a:r>
+            <a:r>
+              <a:rPr lang="en-US" baseline="0" dirty="0" smtClean="0"/>
+              <a:t> tag, and it’s count</a:t>
+            </a:r>
+          </a:p>
+          <a:p>
+            <a:endParaRPr lang="en-US" baseline="0" dirty="0" smtClean="0"/>
+          </a:p>
+          <a:p>
+            <a:r>
+              <a:rPr lang="en-US" baseline="0" dirty="0" smtClean="0"/>
+              <a:t>the reduce, gets a key, and some values.  this function can be called many times over.  so the key will be any given tag, and it’s values will be just a bunch of ones (the first time around)</a:t>
+            </a:r>
+          </a:p>
+          <a:p>
+            <a:r>
+              <a:rPr lang="en-US" baseline="0" dirty="0" smtClean="0"/>
+              <a:t>but the next time </a:t>
+            </a:r>
+            <a:r>
+              <a:rPr lang="en-US" baseline="0" dirty="0" err="1" smtClean="0"/>
+              <a:t>around,after</a:t>
+            </a:r>
+            <a:r>
+              <a:rPr lang="en-US" baseline="0" dirty="0" smtClean="0"/>
+              <a:t> we’ve given it a value back of something like 10, the next time it might be adding some ones, and a 10 together.</a:t>
             </a:r>
             <a:endParaRPr lang="en-US" dirty="0"/>
           </a:p>
@@ -3184,7 +4343,7 @@
             <a:fld id="{3A07B820-47FA-134C-9439-E1785E2AFBF4}" type="slidenum">
               <a:rPr lang="en-US" smtClean="0"/>
               <a:pPr/>
-              <a:t>34</a:t>
+              <a:t>43</a:t>
             </a:fld>
             <a:endParaRPr lang="en-US"/>
           </a:p>
@@ -3198,8 +4357,8 @@
 </p:notes>
 </file>
 
-<file path=ppt/notesSlides/notesSlide31.xml><?xml version="1.0" encoding="utf-8"?>
-<p:notes xmlns:a="http://schemas.openxmlformats.org/drawingml/2006/main" xmlns:r="http://schemas.openxmlformats.org/officeDocument/2006/relationships" xmlns:mc="http://schemas.openxmlformats.org/markup-compatibility/2006" xmlns:mv="urn:schemas-microsoft-com:mac:vml" xmlns:p="http://schemas.openxmlformats.org/presentationml/2006/main" mc:Ignorable="mv" mc:PreserveAttributes="mv:*">
+<file path=ppt/notesSlides/notesSlide41.xml><?xml version="1.0" encoding="utf-8"?>
+<p:notes xmlns:a="http://schemas.openxmlformats.org/drawingml/2006/main" xmlns:r="http://schemas.openxmlformats.org/officeDocument/2006/relationships" xmlns:p="http://schemas.openxmlformats.org/presentationml/2006/main">
   <p:cSld>
     <p:spTree>
       <p:nvGrpSpPr>
@@ -3246,13 +4405,34 @@
           <a:p>
             <a:r>
               <a:rPr lang="en-US" dirty="0" smtClean="0"/>
-              <a:t>A couple more examples…</a:t>
+              <a:t>norm</a:t>
             </a:r>
           </a:p>
           <a:p>
             <a:r>
               <a:rPr lang="en-US" dirty="0" smtClean="0"/>
-              <a:t>This lets us push a value into an array</a:t>
+              <a:t>gives</a:t>
+            </a:r>
+            <a:r>
+              <a:rPr lang="en-US" baseline="0" dirty="0" smtClean="0"/>
+              <a:t> you strong typing of your documents, and full </a:t>
+            </a:r>
+            <a:r>
+              <a:rPr lang="en-US" baseline="0" dirty="0" err="1" smtClean="0"/>
+              <a:t>linq</a:t>
+            </a:r>
+            <a:r>
+              <a:rPr lang="en-US" baseline="0" dirty="0" smtClean="0"/>
+              <a:t> support</a:t>
+            </a:r>
+          </a:p>
+          <a:p>
+            <a:endParaRPr lang="en-US" baseline="0" dirty="0" smtClean="0"/>
+          </a:p>
+          <a:p>
+            <a:r>
+              <a:rPr lang="en-US" baseline="0" dirty="0" err="1" smtClean="0"/>
+              <a:t>mongodb-csharp</a:t>
             </a:r>
             <a:endParaRPr lang="en-US" dirty="0"/>
           </a:p>
@@ -3276,7 +4456,7 @@
             <a:fld id="{3A07B820-47FA-134C-9439-E1785E2AFBF4}" type="slidenum">
               <a:rPr lang="en-US" smtClean="0"/>
               <a:pPr/>
-              <a:t>35</a:t>
+              <a:t>44</a:t>
             </a:fld>
             <a:endParaRPr lang="en-US"/>
           </a:p>
@@ -3290,8 +4470,8 @@
 </p:notes>
 </file>
 
-<file path=ppt/notesSlides/notesSlide32.xml><?xml version="1.0" encoding="utf-8"?>
-<p:notes xmlns:a="http://schemas.openxmlformats.org/drawingml/2006/main" xmlns:r="http://schemas.openxmlformats.org/officeDocument/2006/relationships" xmlns:mc="http://schemas.openxmlformats.org/markup-compatibility/2006" xmlns:mv="urn:schemas-microsoft-com:mac:vml" xmlns:p="http://schemas.openxmlformats.org/presentationml/2006/main" mc:Ignorable="mv" mc:PreserveAttributes="mv:*">
+<file path=ppt/notesSlides/notesSlide42.xml><?xml version="1.0" encoding="utf-8"?>
+<p:notes xmlns:a="http://schemas.openxmlformats.org/drawingml/2006/main" xmlns:r="http://schemas.openxmlformats.org/officeDocument/2006/relationships" xmlns:p="http://schemas.openxmlformats.org/presentationml/2006/main">
   <p:cSld>
     <p:spTree>
       <p:nvGrpSpPr>
@@ -3338,7 +4518,106 @@
           <a:p>
             <a:r>
               <a:rPr lang="en-US" dirty="0" smtClean="0"/>
-              <a:t>And pull a value from an array</a:t>
+              <a:t>Resources:</a:t>
+            </a:r>
+          </a:p>
+          <a:p>
+            <a:r>
+              <a:rPr lang="en-US" dirty="0" smtClean="0"/>
+              <a:t>Fail whale:</a:t>
+            </a:r>
+            <a:r>
+              <a:rPr lang="en-US" baseline="0" dirty="0" smtClean="0"/>
+              <a:t> http://</a:t>
+            </a:r>
+            <a:r>
+              <a:rPr lang="en-US" baseline="0" dirty="0" err="1" smtClean="0"/>
+              <a:t>upload.wikimedia.org/wikipedia/en/d/de/Failwhale.png</a:t>
+            </a:r>
+            <a:endParaRPr lang="en-US" baseline="0" dirty="0" smtClean="0"/>
+          </a:p>
+          <a:p>
+            <a:r>
+              <a:rPr lang="en-US" baseline="0" dirty="0" smtClean="0"/>
+              <a:t>Cheeseburger: http://www.iconarchive.com/icons/aha-soft/food/256/burger-icon.png</a:t>
+            </a:r>
+          </a:p>
+          <a:p>
+            <a:r>
+              <a:rPr lang="en-US" baseline="0" dirty="0" smtClean="0"/>
+              <a:t>Light: http://www.flickr.com/photos/mr_beaver/3486761520/</a:t>
+            </a:r>
+          </a:p>
+          <a:p>
+            <a:r>
+              <a:rPr lang="en-US" baseline="0" dirty="0" smtClean="0"/>
+              <a:t>Document: http://icons2.iconarchive.com/icons/deleket/sleek-xp-basic/256/Document-icon.png</a:t>
+            </a:r>
+          </a:p>
+          <a:p>
+            <a:r>
+              <a:rPr lang="en-US" dirty="0" err="1" smtClean="0"/>
+              <a:t>MongoDB</a:t>
+            </a:r>
+            <a:r>
+              <a:rPr lang="en-US" dirty="0" smtClean="0"/>
+              <a:t> Logo: http://www.mongodb.org/download/attachments/132305/logo-mongodb-ondark.png</a:t>
+            </a:r>
+          </a:p>
+          <a:p>
+            <a:r>
+              <a:rPr lang="en-US" dirty="0" smtClean="0"/>
+              <a:t>Red and Black</a:t>
+            </a:r>
+            <a:r>
+              <a:rPr lang="en-US" baseline="0" dirty="0" smtClean="0"/>
+              <a:t> Birds: http://www.inspiredm.com/2009/04/12/the-social-bird-icon-set-the-first-inspired-release/</a:t>
+            </a:r>
+          </a:p>
+          <a:p>
+            <a:r>
+              <a:rPr lang="en-US" baseline="0" dirty="0" smtClean="0"/>
+              <a:t>Twitter Bird: http://www.truerwords.net/6118/enclosure/twitterific.png</a:t>
+            </a:r>
+          </a:p>
+          <a:p>
+            <a:r>
+              <a:rPr lang="en-US" baseline="0" dirty="0" smtClean="0"/>
+              <a:t>Neo </a:t>
+            </a:r>
+            <a:r>
+              <a:rPr lang="en-US" baseline="0" dirty="0" err="1" smtClean="0"/>
+              <a:t>vs</a:t>
+            </a:r>
+            <a:r>
+              <a:rPr lang="en-US" baseline="0" dirty="0" smtClean="0"/>
+              <a:t> Smith: http://www.users.sbg.ac.at/~0020358/img/Neo_vs_Smith.jpg</a:t>
+            </a:r>
+          </a:p>
+          <a:p>
+            <a:r>
+              <a:rPr lang="en-US" baseline="0" dirty="0" smtClean="0"/>
+              <a:t>Feature diagram: http://media.tumblr.com/tumblr_kwc24gHxBz1qappj8.png</a:t>
+            </a:r>
+          </a:p>
+          <a:p>
+            <a:r>
+              <a:rPr lang="en-US" baseline="0" dirty="0" smtClean="0"/>
+              <a:t>One Size Fits All - http://media.tumblr.com/tumblr_kwc23k4MNm1qappj8.png</a:t>
+            </a:r>
+          </a:p>
+          <a:p>
+            <a:r>
+              <a:rPr lang="en-US" baseline="0" dirty="0" smtClean="0"/>
+              <a:t>CAP diagram - </a:t>
+            </a:r>
+            <a:r>
+              <a:rPr lang="en-US" baseline="0" dirty="0" err="1" smtClean="0"/>
+              <a:t>http://blog.nahurst.com/visual-guide-to-nosql-systems</a:t>
+            </a:r>
+            <a:r>
+              <a:rPr lang="en-US" baseline="0" dirty="0" smtClean="0"/>
+              <a:t>#</a:t>
             </a:r>
             <a:endParaRPr lang="en-US" dirty="0"/>
           </a:p>
@@ -3362,7 +4641,7 @@
             <a:fld id="{3A07B820-47FA-134C-9439-E1785E2AFBF4}" type="slidenum">
               <a:rPr lang="en-US" smtClean="0"/>
               <a:pPr/>
-              <a:t>36</a:t>
+              <a:t>45</a:t>
             </a:fld>
             <a:endParaRPr lang="en-US"/>
           </a:p>
@@ -3376,8 +4655,8 @@
 </p:notes>
 </file>
 
-<file path=ppt/notesSlides/notesSlide33.xml><?xml version="1.0" encoding="utf-8"?>
-<p:notes xmlns:a="http://schemas.openxmlformats.org/drawingml/2006/main" xmlns:r="http://schemas.openxmlformats.org/officeDocument/2006/relationships" xmlns:mc="http://schemas.openxmlformats.org/markup-compatibility/2006" xmlns:mv="urn:schemas-microsoft-com:mac:vml" xmlns:p="http://schemas.openxmlformats.org/presentationml/2006/main" mc:Ignorable="mv" mc:PreserveAttributes="mv:*">
+<file path=ppt/notesSlides/notesSlide5.xml><?xml version="1.0" encoding="utf-8"?>
+<p:notes xmlns:a="http://schemas.openxmlformats.org/drawingml/2006/main" xmlns:r="http://schemas.openxmlformats.org/officeDocument/2006/relationships" xmlns:p="http://schemas.openxmlformats.org/presentationml/2006/main">
   <p:cSld>
     <p:spTree>
       <p:nvGrpSpPr>
@@ -3424,51 +4703,35 @@
           <a:p>
             <a:r>
               <a:rPr lang="en-US" dirty="0" smtClean="0"/>
-              <a:t>We’re done</a:t>
-            </a:r>
-          </a:p>
-          <a:p>
-            <a:r>
-              <a:rPr lang="en-US" dirty="0" smtClean="0"/>
-              <a:t>It’s awesome</a:t>
-            </a:r>
-          </a:p>
-          <a:p>
-            <a:r>
-              <a:rPr lang="en-US" dirty="0" smtClean="0"/>
-              <a:t>We changed the world</a:t>
-            </a:r>
-          </a:p>
-          <a:p>
-            <a:r>
-              <a:rPr lang="en-US" dirty="0" smtClean="0"/>
-              <a:t>Just</a:t>
+              <a:t>The</a:t>
             </a:r>
             <a:r>
               <a:rPr lang="en-US" baseline="0" dirty="0" smtClean="0"/>
-              <a:t> like twitter and </a:t>
-            </a:r>
-            <a:r>
-              <a:rPr lang="en-US" baseline="0" dirty="0" err="1" smtClean="0"/>
-              <a:t>facebook</a:t>
-            </a:r>
+              <a:t> general idea is that</a:t>
+            </a:r>
+          </a:p>
+          <a:p>
             <a:r>
               <a:rPr lang="en-US" baseline="0" dirty="0" smtClean="0"/>
-              <a:t>. p</a:t>
-            </a:r>
-            <a:r>
-              <a:rPr lang="en-US" dirty="0" smtClean="0"/>
-              <a:t>eople</a:t>
-            </a:r>
+              <a:t>RDBMS fits sometimes.</a:t>
+            </a:r>
+          </a:p>
+          <a:p>
             <a:r>
               <a:rPr lang="en-US" baseline="0" dirty="0" smtClean="0"/>
-              <a:t> can now be paperless on the toilet… wait… bad idea</a:t>
+              <a:t>OLAP fits sometimes. </a:t>
             </a:r>
           </a:p>
           <a:p>
             <a:r>
               <a:rPr lang="en-US" baseline="0" dirty="0" smtClean="0"/>
-              <a:t>Either way EVERYONE is using your app!</a:t>
+              <a:t>Document stores fit sometimes.  </a:t>
+            </a:r>
+          </a:p>
+          <a:p>
+            <a:r>
+              <a:rPr lang="en-US" baseline="0" dirty="0" smtClean="0"/>
+              <a:t>Key/Value stores fit sometimes.</a:t>
             </a:r>
             <a:endParaRPr lang="en-US" dirty="0"/>
           </a:p>
@@ -3492,7 +4755,7 @@
             <a:fld id="{3A07B820-47FA-134C-9439-E1785E2AFBF4}" type="slidenum">
               <a:rPr lang="en-US" smtClean="0"/>
               <a:pPr/>
-              <a:t>37</a:t>
+              <a:t>6</a:t>
             </a:fld>
             <a:endParaRPr lang="en-US"/>
           </a:p>
@@ -3506,8 +4769,8 @@
 </p:notes>
 </file>
 
-<file path=ppt/notesSlides/notesSlide34.xml><?xml version="1.0" encoding="utf-8"?>
-<p:notes xmlns:a="http://schemas.openxmlformats.org/drawingml/2006/main" xmlns:r="http://schemas.openxmlformats.org/officeDocument/2006/relationships" xmlns:mc="http://schemas.openxmlformats.org/markup-compatibility/2006" xmlns:mv="urn:schemas-microsoft-com:mac:vml" xmlns:p="http://schemas.openxmlformats.org/presentationml/2006/main" mc:Ignorable="mv" mc:PreserveAttributes="mv:*">
+<file path=ppt/notesSlides/notesSlide6.xml><?xml version="1.0" encoding="utf-8"?>
+<p:notes xmlns:a="http://schemas.openxmlformats.org/drawingml/2006/main" xmlns:r="http://schemas.openxmlformats.org/officeDocument/2006/relationships" xmlns:p="http://schemas.openxmlformats.org/presentationml/2006/main">
   <p:cSld>
     <p:spTree>
       <p:nvGrpSpPr>
@@ -3554,7 +4817,35 @@
           <a:p>
             <a:r>
               <a:rPr lang="en-US" dirty="0" smtClean="0"/>
-              <a:t>And along comes the fail whale</a:t>
+              <a:t>cap theorem</a:t>
+            </a:r>
+          </a:p>
+          <a:p>
+            <a:r>
+              <a:rPr lang="en-US" dirty="0" smtClean="0"/>
+              <a:t>says you get to pick two</a:t>
+            </a:r>
+            <a:r>
+              <a:rPr lang="en-US" baseline="0" dirty="0" smtClean="0"/>
+              <a:t> (sort of like the golden triangle of </a:t>
+            </a:r>
+            <a:r>
+              <a:rPr lang="en-US" baseline="0" dirty="0" smtClean="0"/>
+              <a:t>quality/budget/scope triangle </a:t>
+            </a:r>
+            <a:r>
+              <a:rPr lang="en-US" baseline="0" dirty="0" smtClean="0"/>
+              <a:t>of software systems)</a:t>
+            </a:r>
+          </a:p>
+          <a:p>
+            <a:r>
+              <a:rPr lang="en-US" dirty="0" smtClean="0"/>
+              <a:t>you can see mongo lives down</a:t>
+            </a:r>
+            <a:r>
+              <a:rPr lang="en-US" baseline="0" dirty="0" smtClean="0"/>
+              <a:t> in the bottom CP, which means it aims at being consistent, and handles physical network partitions well</a:t>
             </a:r>
             <a:endParaRPr lang="en-US" dirty="0"/>
           </a:p>
@@ -3578,7 +4869,7 @@
             <a:fld id="{3A07B820-47FA-134C-9439-E1785E2AFBF4}" type="slidenum">
               <a:rPr lang="en-US" smtClean="0"/>
               <a:pPr/>
-              <a:t>38</a:t>
+              <a:t>7</a:t>
             </a:fld>
             <a:endParaRPr lang="en-US"/>
           </a:p>
@@ -3592,8 +4883,8 @@
 </p:notes>
 </file>
 
-<file path=ppt/notesSlides/notesSlide35.xml><?xml version="1.0" encoding="utf-8"?>
-<p:notes xmlns:a="http://schemas.openxmlformats.org/drawingml/2006/main" xmlns:r="http://schemas.openxmlformats.org/officeDocument/2006/relationships" xmlns:mc="http://schemas.openxmlformats.org/markup-compatibility/2006" xmlns:mv="urn:schemas-microsoft-com:mac:vml" xmlns:p="http://schemas.openxmlformats.org/presentationml/2006/main" mc:Ignorable="mv" mc:PreserveAttributes="mv:*">
+<file path=ppt/notesSlides/notesSlide7.xml><?xml version="1.0" encoding="utf-8"?>
+<p:notes xmlns:a="http://schemas.openxmlformats.org/drawingml/2006/main" xmlns:r="http://schemas.openxmlformats.org/officeDocument/2006/relationships" xmlns:p="http://schemas.openxmlformats.org/presentationml/2006/main">
   <p:cSld>
     <p:spTree>
       <p:nvGrpSpPr>
@@ -3640,17 +4931,62 @@
           <a:p>
             <a:r>
               <a:rPr lang="en-US" dirty="0" smtClean="0"/>
-              <a:t>Sort of like a machine index in</a:t>
+              <a:t>here’s just a simple</a:t>
             </a:r>
             <a:r>
               <a:rPr lang="en-US" baseline="0" dirty="0" smtClean="0"/>
-              <a:t> addition to other indexes.</a:t>
-            </a:r>
+              <a:t> diagram showing where on the scale mongo fits with features and performance.</a:t>
+            </a:r>
+          </a:p>
+          <a:p>
+            <a:endParaRPr lang="en-US" baseline="0" dirty="0" smtClean="0"/>
           </a:p>
           <a:p>
             <a:r>
               <a:rPr lang="en-US" baseline="0" dirty="0" smtClean="0"/>
-              <a:t>The client doesn’t know the difference, but the data is distributed horizontally across machines, with potentially commodity hardware.</a:t>
+              <a:t>you can do some crazy things with RDBMS, but at the sacrifice of scalability and performance (unless you like to pay $$$$)</a:t>
+            </a:r>
+          </a:p>
+          <a:p>
+            <a:endParaRPr lang="en-US" baseline="0" dirty="0" smtClean="0"/>
+          </a:p>
+          <a:p>
+            <a:r>
+              <a:rPr lang="en-US" baseline="0" dirty="0" smtClean="0"/>
+              <a:t>key value stores and </a:t>
+            </a:r>
+            <a:r>
+              <a:rPr lang="en-US" baseline="0" dirty="0" err="1" smtClean="0"/>
+              <a:t>memcached</a:t>
+            </a:r>
+            <a:r>
+              <a:rPr lang="en-US" baseline="0" dirty="0" smtClean="0"/>
+              <a:t> give you a really simple model to work against, but that’s basically it as far as your programming model.  the good thing is they can scale horizontally very easily since it’s just a ‘</a:t>
+            </a:r>
+            <a:r>
+              <a:rPr lang="en-US" baseline="0" dirty="0" err="1" smtClean="0"/>
+              <a:t>hashtable</a:t>
+            </a:r>
+            <a:r>
+              <a:rPr lang="en-US" baseline="0" dirty="0" smtClean="0"/>
+              <a:t>’</a:t>
+            </a:r>
+          </a:p>
+          <a:p>
+            <a:endParaRPr lang="en-US" baseline="0" dirty="0" smtClean="0"/>
+          </a:p>
+          <a:p>
+            <a:r>
+              <a:rPr lang="en-US" baseline="0" dirty="0" smtClean="0"/>
+              <a:t>mongo attempts to bridge that gap by providing </a:t>
+            </a:r>
+            <a:r>
+              <a:rPr lang="en-US" baseline="0" dirty="0" err="1" smtClean="0"/>
+              <a:t>webscale/cloudscalability</a:t>
+            </a:r>
+            <a:r>
+              <a:rPr lang="en-US" baseline="0" dirty="0" smtClean="0"/>
+              <a:t> out of the box, but also allowing a richer programming model.</a:t>
             </a:r>
             <a:endParaRPr lang="en-US" dirty="0"/>
           </a:p>
@@ -3674,7 +5010,7 @@
             <a:fld id="{3A07B820-47FA-134C-9439-E1785E2AFBF4}" type="slidenum">
               <a:rPr lang="en-US" smtClean="0"/>
               <a:pPr/>
-              <a:t>39</a:t>
+              <a:t>8</a:t>
             </a:fld>
             <a:endParaRPr lang="en-US"/>
           </a:p>
@@ -3688,8 +5024,8 @@
 </p:notes>
 </file>
 
-<file path=ppt/notesSlides/notesSlide36.xml><?xml version="1.0" encoding="utf-8"?>
-<p:notes xmlns:a="http://schemas.openxmlformats.org/drawingml/2006/main" xmlns:r="http://schemas.openxmlformats.org/officeDocument/2006/relationships" xmlns:mc="http://schemas.openxmlformats.org/markup-compatibility/2006" xmlns:mv="urn:schemas-microsoft-com:mac:vml" xmlns:p="http://schemas.openxmlformats.org/presentationml/2006/main" mc:Ignorable="mv" mc:PreserveAttributes="mv:*">
+<file path=ppt/notesSlides/notesSlide8.xml><?xml version="1.0" encoding="utf-8"?>
+<p:notes xmlns:a="http://schemas.openxmlformats.org/drawingml/2006/main" xmlns:r="http://schemas.openxmlformats.org/officeDocument/2006/relationships" xmlns:p="http://schemas.openxmlformats.org/presentationml/2006/main">
   <p:cSld>
     <p:spTree>
       <p:nvGrpSpPr>
@@ -3736,11 +5072,11 @@
           <a:p>
             <a:r>
               <a:rPr lang="en-US" dirty="0" smtClean="0"/>
-              <a:t>So now we’re back to happy with our app, and all is sane again, and we’re making money (or</a:t>
+              <a:t>Meaning we</a:t>
             </a:r>
             <a:r>
               <a:rPr lang="en-US" baseline="0" dirty="0" smtClean="0"/>
-              <a:t> at least changing the world and NOT filing papers anymore)</a:t>
+              <a:t> don’t use SQL like we always do with RDBMS… we’ll see later how we do query though</a:t>
             </a:r>
             <a:endParaRPr lang="en-US" dirty="0"/>
           </a:p>
@@ -3764,7 +5100,7 @@
             <a:fld id="{3A07B820-47FA-134C-9439-E1785E2AFBF4}" type="slidenum">
               <a:rPr lang="en-US" smtClean="0"/>
               <a:pPr/>
-              <a:t>40</a:t>
+              <a:t>10</a:t>
             </a:fld>
             <a:endParaRPr lang="en-US"/>
           </a:p>
@@ -3778,8 +5114,8 @@
 </p:notes>
 </file>
 
-<file path=ppt/notesSlides/notesSlide37.xml><?xml version="1.0" encoding="utf-8"?>
-<p:notes xmlns:a="http://schemas.openxmlformats.org/drawingml/2006/main" xmlns:r="http://schemas.openxmlformats.org/officeDocument/2006/relationships" xmlns:mc="http://schemas.openxmlformats.org/markup-compatibility/2006" xmlns:mv="urn:schemas-microsoft-com:mac:vml" xmlns:p="http://schemas.openxmlformats.org/presentationml/2006/main" mc:Ignorable="mv" mc:PreserveAttributes="mv:*">
+<file path=ppt/notesSlides/notesSlide9.xml><?xml version="1.0" encoding="utf-8"?>
+<p:notes xmlns:a="http://schemas.openxmlformats.org/drawingml/2006/main" xmlns:r="http://schemas.openxmlformats.org/officeDocument/2006/relationships" xmlns:p="http://schemas.openxmlformats.org/presentationml/2006/main">
   <p:cSld>
     <p:spTree>
       <p:nvGrpSpPr>
@@ -3826,1152 +5162,6 @@
           <a:p>
             <a:r>
               <a:rPr lang="en-US" dirty="0" smtClean="0"/>
-              <a:t>we’ll pause here and try to answer any questions</a:t>
-            </a:r>
-            <a:r>
-              <a:rPr lang="en-US" baseline="0" dirty="0" smtClean="0"/>
-              <a:t> or catch up on anything I might’ve forgotten to mention.</a:t>
-            </a:r>
-          </a:p>
-          <a:p>
-            <a:endParaRPr lang="en-US" dirty="0" smtClean="0"/>
-          </a:p>
-          <a:p>
-            <a:r>
-              <a:rPr lang="en-US" dirty="0" smtClean="0"/>
-              <a:t>since we’ve got a little bit of time left over, I’ll try to give you a heads up</a:t>
-            </a:r>
-            <a:r>
-              <a:rPr lang="en-US" baseline="0" dirty="0" smtClean="0"/>
-              <a:t> on a few more pretty cool things about mongo.</a:t>
-            </a:r>
-            <a:endParaRPr lang="en-US" dirty="0"/>
-          </a:p>
-        </p:txBody>
-      </p:sp>
-      <p:sp>
-        <p:nvSpPr>
-          <p:cNvPr id="4" name="Slide Number Placeholder 3"/>
-          <p:cNvSpPr>
-            <a:spLocks noGrp="1"/>
-          </p:cNvSpPr>
-          <p:nvPr>
-            <p:ph type="sldNum" sz="quarter" idx="10"/>
-          </p:nvPr>
-        </p:nvSpPr>
-        <p:spPr/>
-        <p:txBody>
-          <a:bodyPr/>
-          <a:lstStyle/>
-          <a:p>
-            <a:fld id="{3A07B820-47FA-134C-9439-E1785E2AFBF4}" type="slidenum">
-              <a:rPr lang="en-US" smtClean="0"/>
-              <a:pPr/>
-              <a:t>41</a:t>
-            </a:fld>
-            <a:endParaRPr lang="en-US"/>
-          </a:p>
-        </p:txBody>
-      </p:sp>
-    </p:spTree>
-  </p:cSld>
-  <p:clrMapOvr>
-    <a:masterClrMapping/>
-  </p:clrMapOvr>
-</p:notes>
-</file>
-
-<file path=ppt/notesSlides/notesSlide38.xml><?xml version="1.0" encoding="utf-8"?>
-<p:notes xmlns:a="http://schemas.openxmlformats.org/drawingml/2006/main" xmlns:r="http://schemas.openxmlformats.org/officeDocument/2006/relationships" xmlns:mc="http://schemas.openxmlformats.org/markup-compatibility/2006" xmlns:mv="urn:schemas-microsoft-com:mac:vml" xmlns:p="http://schemas.openxmlformats.org/presentationml/2006/main" mc:Ignorable="mv" mc:PreserveAttributes="mv:*">
-  <p:cSld>
-    <p:spTree>
-      <p:nvGrpSpPr>
-        <p:cNvPr id="1" name=""/>
-        <p:cNvGrpSpPr/>
-        <p:nvPr/>
-      </p:nvGrpSpPr>
-      <p:grpSpPr>
-        <a:xfrm>
-          <a:off x="0" y="0"/>
-          <a:ext cx="0" cy="0"/>
-          <a:chOff x="0" y="0"/>
-          <a:chExt cx="0" cy="0"/>
-        </a:xfrm>
-      </p:grpSpPr>
-      <p:sp>
-        <p:nvSpPr>
-          <p:cNvPr id="2" name="Slide Image Placeholder 1"/>
-          <p:cNvSpPr>
-            <a:spLocks noGrp="1" noRot="1" noChangeAspect="1"/>
-          </p:cNvSpPr>
-          <p:nvPr>
-            <p:ph type="sldImg"/>
-          </p:nvPr>
-        </p:nvSpPr>
-        <p:spPr/>
-      </p:sp>
-      <p:sp>
-        <p:nvSpPr>
-          <p:cNvPr id="3" name="Notes Placeholder 2"/>
-          <p:cNvSpPr>
-            <a:spLocks noGrp="1"/>
-          </p:cNvSpPr>
-          <p:nvPr>
-            <p:ph type="body" idx="1"/>
-          </p:nvPr>
-        </p:nvSpPr>
-        <p:spPr/>
-        <p:txBody>
-          <a:bodyPr>
-            <a:normAutofit/>
-          </a:bodyPr>
-          <a:lstStyle/>
-          <a:p>
-            <a:r>
-              <a:rPr lang="en-US" dirty="0" smtClean="0"/>
-              <a:t>in x86 and x64, for each.</a:t>
-            </a:r>
-          </a:p>
-          <a:p>
-            <a:r>
-              <a:rPr lang="en-US" dirty="0" smtClean="0"/>
-              <a:t>and the cool thing is, it’s not ridiculous to get running on any</a:t>
-            </a:r>
-            <a:r>
-              <a:rPr lang="en-US" baseline="0" dirty="0" smtClean="0"/>
-              <a:t> of these either.  you unzip the package, and run the executable</a:t>
-            </a:r>
-          </a:p>
-          <a:p>
-            <a:endParaRPr lang="en-US" baseline="0" dirty="0" smtClean="0"/>
-          </a:p>
-          <a:p>
-            <a:r>
-              <a:rPr lang="en-US" baseline="0" dirty="0" smtClean="0"/>
-              <a:t> dead simple, no lengthy, troublesome installations and possible missing required components/dependencies that you need to track down</a:t>
-            </a:r>
-            <a:endParaRPr lang="en-US" dirty="0"/>
-          </a:p>
-        </p:txBody>
-      </p:sp>
-      <p:sp>
-        <p:nvSpPr>
-          <p:cNvPr id="4" name="Slide Number Placeholder 3"/>
-          <p:cNvSpPr>
-            <a:spLocks noGrp="1"/>
-          </p:cNvSpPr>
-          <p:nvPr>
-            <p:ph type="sldNum" sz="quarter" idx="10"/>
-          </p:nvPr>
-        </p:nvSpPr>
-        <p:spPr/>
-        <p:txBody>
-          <a:bodyPr/>
-          <a:lstStyle/>
-          <a:p>
-            <a:fld id="{3A07B820-47FA-134C-9439-E1785E2AFBF4}" type="slidenum">
-              <a:rPr lang="en-US" smtClean="0"/>
-              <a:pPr/>
-              <a:t>42</a:t>
-            </a:fld>
-            <a:endParaRPr lang="en-US"/>
-          </a:p>
-        </p:txBody>
-      </p:sp>
-    </p:spTree>
-  </p:cSld>
-  <p:clrMapOvr>
-    <a:masterClrMapping/>
-  </p:clrMapOvr>
-</p:notes>
-</file>
-
-<file path=ppt/notesSlides/notesSlide39.xml><?xml version="1.0" encoding="utf-8"?>
-<p:notes xmlns:a="http://schemas.openxmlformats.org/drawingml/2006/main" xmlns:r="http://schemas.openxmlformats.org/officeDocument/2006/relationships" xmlns:mc="http://schemas.openxmlformats.org/markup-compatibility/2006" xmlns:mv="urn:schemas-microsoft-com:mac:vml" xmlns:p="http://schemas.openxmlformats.org/presentationml/2006/main" mc:Ignorable="mv" mc:PreserveAttributes="mv:*">
-  <p:cSld>
-    <p:spTree>
-      <p:nvGrpSpPr>
-        <p:cNvPr id="1" name=""/>
-        <p:cNvGrpSpPr/>
-        <p:nvPr/>
-      </p:nvGrpSpPr>
-      <p:grpSpPr>
-        <a:xfrm>
-          <a:off x="0" y="0"/>
-          <a:ext cx="0" cy="0"/>
-          <a:chOff x="0" y="0"/>
-          <a:chExt cx="0" cy="0"/>
-        </a:xfrm>
-      </p:grpSpPr>
-      <p:sp>
-        <p:nvSpPr>
-          <p:cNvPr id="2" name="Slide Image Placeholder 1"/>
-          <p:cNvSpPr>
-            <a:spLocks noGrp="1" noRot="1" noChangeAspect="1"/>
-          </p:cNvSpPr>
-          <p:nvPr>
-            <p:ph type="sldImg"/>
-          </p:nvPr>
-        </p:nvSpPr>
-        <p:spPr/>
-      </p:sp>
-      <p:sp>
-        <p:nvSpPr>
-          <p:cNvPr id="3" name="Notes Placeholder 2"/>
-          <p:cNvSpPr>
-            <a:spLocks noGrp="1"/>
-          </p:cNvSpPr>
-          <p:nvPr>
-            <p:ph type="body" idx="1"/>
-          </p:nvPr>
-        </p:nvSpPr>
-        <p:spPr/>
-        <p:txBody>
-          <a:bodyPr>
-            <a:normAutofit/>
-          </a:bodyPr>
-          <a:lstStyle/>
-          <a:p>
-            <a:r>
-              <a:rPr lang="en-US" dirty="0" err="1" smtClean="0"/>
-              <a:t>mongodb</a:t>
-            </a:r>
-            <a:r>
-              <a:rPr lang="en-US" dirty="0" smtClean="0"/>
-              <a:t> has a full </a:t>
-            </a:r>
-            <a:r>
-              <a:rPr lang="en-US" dirty="0" err="1" smtClean="0"/>
-              <a:t>javascript</a:t>
-            </a:r>
-            <a:r>
-              <a:rPr lang="en-US" dirty="0" smtClean="0"/>
-              <a:t> interpreter on the backend (</a:t>
-            </a:r>
-            <a:r>
-              <a:rPr lang="en-US" dirty="0" err="1" smtClean="0"/>
-              <a:t>spidermonkey</a:t>
-            </a:r>
-            <a:r>
-              <a:rPr lang="en-US" dirty="0" smtClean="0"/>
-              <a:t>)</a:t>
-            </a:r>
-            <a:r>
-              <a:rPr lang="en-US" baseline="0" dirty="0" smtClean="0"/>
-              <a:t>, so it natively understands </a:t>
-            </a:r>
-            <a:r>
-              <a:rPr lang="en-US" baseline="0" dirty="0" err="1" smtClean="0"/>
-              <a:t>javascript</a:t>
-            </a:r>
-            <a:r>
-              <a:rPr lang="en-US" baseline="0" dirty="0" smtClean="0"/>
-              <a:t>.</a:t>
-            </a:r>
-          </a:p>
-          <a:p>
-            <a:endParaRPr lang="en-US" baseline="0" dirty="0" smtClean="0"/>
-          </a:p>
-          <a:p>
-            <a:r>
-              <a:rPr lang="en-US" baseline="0" dirty="0" smtClean="0"/>
-              <a:t>with map/reduce, you can give it two </a:t>
-            </a:r>
-            <a:r>
-              <a:rPr lang="en-US" baseline="0" dirty="0" err="1" smtClean="0"/>
-              <a:t>javascript</a:t>
-            </a:r>
-            <a:r>
-              <a:rPr lang="en-US" baseline="0" dirty="0" smtClean="0"/>
-              <a:t> functions, and handles the rest (machine balancing, etc.)</a:t>
-            </a:r>
-          </a:p>
-          <a:p>
-            <a:endParaRPr lang="en-US" dirty="0" smtClean="0"/>
-          </a:p>
-          <a:p>
-            <a:r>
-              <a:rPr lang="en-US" dirty="0" smtClean="0"/>
-              <a:t>this example counts the number of times each tag is used</a:t>
-            </a:r>
-          </a:p>
-          <a:p>
-            <a:r>
-              <a:rPr lang="en-US" dirty="0" smtClean="0"/>
-              <a:t>map: loops over each tag, and returns the</a:t>
-            </a:r>
-            <a:r>
-              <a:rPr lang="en-US" baseline="0" dirty="0" smtClean="0"/>
-              <a:t> tag, and it’s count</a:t>
-            </a:r>
-          </a:p>
-          <a:p>
-            <a:endParaRPr lang="en-US" baseline="0" dirty="0" smtClean="0"/>
-          </a:p>
-          <a:p>
-            <a:r>
-              <a:rPr lang="en-US" baseline="0" dirty="0" smtClean="0"/>
-              <a:t>the reduce, gets a key, and some values.  this function can be called many times over.  so the key will be any given tag, and it’s values will be just a bunch of ones (the first time around)</a:t>
-            </a:r>
-          </a:p>
-          <a:p>
-            <a:r>
-              <a:rPr lang="en-US" baseline="0" dirty="0" smtClean="0"/>
-              <a:t>but the next time </a:t>
-            </a:r>
-            <a:r>
-              <a:rPr lang="en-US" baseline="0" dirty="0" err="1" smtClean="0"/>
-              <a:t>around,after</a:t>
-            </a:r>
-            <a:r>
-              <a:rPr lang="en-US" baseline="0" dirty="0" smtClean="0"/>
-              <a:t> we’ve given it a value back of something like 10, the next time it might be adding some ones, and a 10 together.</a:t>
-            </a:r>
-            <a:endParaRPr lang="en-US" dirty="0"/>
-          </a:p>
-        </p:txBody>
-      </p:sp>
-      <p:sp>
-        <p:nvSpPr>
-          <p:cNvPr id="4" name="Slide Number Placeholder 3"/>
-          <p:cNvSpPr>
-            <a:spLocks noGrp="1"/>
-          </p:cNvSpPr>
-          <p:nvPr>
-            <p:ph type="sldNum" sz="quarter" idx="10"/>
-          </p:nvPr>
-        </p:nvSpPr>
-        <p:spPr/>
-        <p:txBody>
-          <a:bodyPr/>
-          <a:lstStyle/>
-          <a:p>
-            <a:fld id="{3A07B820-47FA-134C-9439-E1785E2AFBF4}" type="slidenum">
-              <a:rPr lang="en-US" smtClean="0"/>
-              <a:pPr/>
-              <a:t>43</a:t>
-            </a:fld>
-            <a:endParaRPr lang="en-US"/>
-          </a:p>
-        </p:txBody>
-      </p:sp>
-    </p:spTree>
-  </p:cSld>
-  <p:clrMapOvr>
-    <a:masterClrMapping/>
-  </p:clrMapOvr>
-</p:notes>
-</file>
-
-<file path=ppt/notesSlides/notesSlide4.xml><?xml version="1.0" encoding="utf-8"?>
-<p:notes xmlns:a="http://schemas.openxmlformats.org/drawingml/2006/main" xmlns:r="http://schemas.openxmlformats.org/officeDocument/2006/relationships" xmlns:mc="http://schemas.openxmlformats.org/markup-compatibility/2006" xmlns:mv="urn:schemas-microsoft-com:mac:vml" xmlns:p="http://schemas.openxmlformats.org/presentationml/2006/main" mc:Ignorable="mv" mc:PreserveAttributes="mv:*">
-  <p:cSld>
-    <p:spTree>
-      <p:nvGrpSpPr>
-        <p:cNvPr id="1" name=""/>
-        <p:cNvGrpSpPr/>
-        <p:nvPr/>
-      </p:nvGrpSpPr>
-      <p:grpSpPr>
-        <a:xfrm>
-          <a:off x="0" y="0"/>
-          <a:ext cx="0" cy="0"/>
-          <a:chOff x="0" y="0"/>
-          <a:chExt cx="0" cy="0"/>
-        </a:xfrm>
-      </p:grpSpPr>
-      <p:sp>
-        <p:nvSpPr>
-          <p:cNvPr id="2" name="Slide Image Placeholder 1"/>
-          <p:cNvSpPr>
-            <a:spLocks noGrp="1" noRot="1" noChangeAspect="1"/>
-          </p:cNvSpPr>
-          <p:nvPr>
-            <p:ph type="sldImg"/>
-          </p:nvPr>
-        </p:nvSpPr>
-        <p:spPr/>
-      </p:sp>
-      <p:sp>
-        <p:nvSpPr>
-          <p:cNvPr id="3" name="Notes Placeholder 2"/>
-          <p:cNvSpPr>
-            <a:spLocks noGrp="1"/>
-          </p:cNvSpPr>
-          <p:nvPr>
-            <p:ph type="body" idx="1"/>
-          </p:nvPr>
-        </p:nvSpPr>
-        <p:spPr/>
-        <p:txBody>
-          <a:bodyPr>
-            <a:normAutofit/>
-          </a:bodyPr>
-          <a:lstStyle/>
-          <a:p>
-            <a:r>
-              <a:rPr lang="en-US" dirty="0" smtClean="0"/>
-              <a:t>The</a:t>
-            </a:r>
-            <a:r>
-              <a:rPr lang="en-US" baseline="0" dirty="0" smtClean="0"/>
-              <a:t> general idea is that</a:t>
-            </a:r>
-          </a:p>
-          <a:p>
-            <a:r>
-              <a:rPr lang="en-US" baseline="0" dirty="0" smtClean="0"/>
-              <a:t>RDBMS fits sometimes.</a:t>
-            </a:r>
-          </a:p>
-          <a:p>
-            <a:r>
-              <a:rPr lang="en-US" baseline="0" dirty="0" smtClean="0"/>
-              <a:t>OLAP fits sometimes. </a:t>
-            </a:r>
-          </a:p>
-          <a:p>
-            <a:r>
-              <a:rPr lang="en-US" baseline="0" dirty="0" smtClean="0"/>
-              <a:t>Document stores fit sometimes.  </a:t>
-            </a:r>
-          </a:p>
-          <a:p>
-            <a:r>
-              <a:rPr lang="en-US" baseline="0" dirty="0" smtClean="0"/>
-              <a:t>Key/Value stores fit sometimes.</a:t>
-            </a:r>
-            <a:endParaRPr lang="en-US" dirty="0"/>
-          </a:p>
-        </p:txBody>
-      </p:sp>
-      <p:sp>
-        <p:nvSpPr>
-          <p:cNvPr id="4" name="Slide Number Placeholder 3"/>
-          <p:cNvSpPr>
-            <a:spLocks noGrp="1"/>
-          </p:cNvSpPr>
-          <p:nvPr>
-            <p:ph type="sldNum" sz="quarter" idx="10"/>
-          </p:nvPr>
-        </p:nvSpPr>
-        <p:spPr/>
-        <p:txBody>
-          <a:bodyPr/>
-          <a:lstStyle/>
-          <a:p>
-            <a:fld id="{3A07B820-47FA-134C-9439-E1785E2AFBF4}" type="slidenum">
-              <a:rPr lang="en-US" smtClean="0"/>
-              <a:pPr/>
-              <a:t>6</a:t>
-            </a:fld>
-            <a:endParaRPr lang="en-US"/>
-          </a:p>
-        </p:txBody>
-      </p:sp>
-    </p:spTree>
-  </p:cSld>
-  <p:clrMapOvr>
-    <a:masterClrMapping/>
-  </p:clrMapOvr>
-</p:notes>
-</file>
-
-<file path=ppt/notesSlides/notesSlide40.xml><?xml version="1.0" encoding="utf-8"?>
-<p:notes xmlns:a="http://schemas.openxmlformats.org/drawingml/2006/main" xmlns:r="http://schemas.openxmlformats.org/officeDocument/2006/relationships" xmlns:mc="http://schemas.openxmlformats.org/markup-compatibility/2006" xmlns:mv="urn:schemas-microsoft-com:mac:vml" xmlns:p="http://schemas.openxmlformats.org/presentationml/2006/main" mc:Ignorable="mv" mc:PreserveAttributes="mv:*">
-  <p:cSld>
-    <p:spTree>
-      <p:nvGrpSpPr>
-        <p:cNvPr id="1" name=""/>
-        <p:cNvGrpSpPr/>
-        <p:nvPr/>
-      </p:nvGrpSpPr>
-      <p:grpSpPr>
-        <a:xfrm>
-          <a:off x="0" y="0"/>
-          <a:ext cx="0" cy="0"/>
-          <a:chOff x="0" y="0"/>
-          <a:chExt cx="0" cy="0"/>
-        </a:xfrm>
-      </p:grpSpPr>
-      <p:sp>
-        <p:nvSpPr>
-          <p:cNvPr id="2" name="Slide Image Placeholder 1"/>
-          <p:cNvSpPr>
-            <a:spLocks noGrp="1" noRot="1" noChangeAspect="1"/>
-          </p:cNvSpPr>
-          <p:nvPr>
-            <p:ph type="sldImg"/>
-          </p:nvPr>
-        </p:nvSpPr>
-        <p:spPr/>
-      </p:sp>
-      <p:sp>
-        <p:nvSpPr>
-          <p:cNvPr id="3" name="Notes Placeholder 2"/>
-          <p:cNvSpPr>
-            <a:spLocks noGrp="1"/>
-          </p:cNvSpPr>
-          <p:nvPr>
-            <p:ph type="body" idx="1"/>
-          </p:nvPr>
-        </p:nvSpPr>
-        <p:spPr/>
-        <p:txBody>
-          <a:bodyPr>
-            <a:normAutofit/>
-          </a:bodyPr>
-          <a:lstStyle/>
-          <a:p>
-            <a:r>
-              <a:rPr lang="en-US" dirty="0" smtClean="0"/>
-              <a:t>norm</a:t>
-            </a:r>
-          </a:p>
-          <a:p>
-            <a:r>
-              <a:rPr lang="en-US" dirty="0" smtClean="0"/>
-              <a:t>gives</a:t>
-            </a:r>
-            <a:r>
-              <a:rPr lang="en-US" baseline="0" dirty="0" smtClean="0"/>
-              <a:t> you strong typing of your documents, and full </a:t>
-            </a:r>
-            <a:r>
-              <a:rPr lang="en-US" baseline="0" dirty="0" err="1" smtClean="0"/>
-              <a:t>linq</a:t>
-            </a:r>
-            <a:r>
-              <a:rPr lang="en-US" baseline="0" dirty="0" smtClean="0"/>
-              <a:t> support</a:t>
-            </a:r>
-          </a:p>
-          <a:p>
-            <a:endParaRPr lang="en-US" baseline="0" dirty="0" smtClean="0"/>
-          </a:p>
-          <a:p>
-            <a:r>
-              <a:rPr lang="en-US" baseline="0" dirty="0" err="1" smtClean="0"/>
-              <a:t>mongodb-csharp</a:t>
-            </a:r>
-            <a:endParaRPr lang="en-US" dirty="0"/>
-          </a:p>
-        </p:txBody>
-      </p:sp>
-      <p:sp>
-        <p:nvSpPr>
-          <p:cNvPr id="4" name="Slide Number Placeholder 3"/>
-          <p:cNvSpPr>
-            <a:spLocks noGrp="1"/>
-          </p:cNvSpPr>
-          <p:nvPr>
-            <p:ph type="sldNum" sz="quarter" idx="10"/>
-          </p:nvPr>
-        </p:nvSpPr>
-        <p:spPr/>
-        <p:txBody>
-          <a:bodyPr/>
-          <a:lstStyle/>
-          <a:p>
-            <a:fld id="{3A07B820-47FA-134C-9439-E1785E2AFBF4}" type="slidenum">
-              <a:rPr lang="en-US" smtClean="0"/>
-              <a:pPr/>
-              <a:t>44</a:t>
-            </a:fld>
-            <a:endParaRPr lang="en-US"/>
-          </a:p>
-        </p:txBody>
-      </p:sp>
-    </p:spTree>
-  </p:cSld>
-  <p:clrMapOvr>
-    <a:masterClrMapping/>
-  </p:clrMapOvr>
-</p:notes>
-</file>
-
-<file path=ppt/notesSlides/notesSlide41.xml><?xml version="1.0" encoding="utf-8"?>
-<p:notes xmlns:a="http://schemas.openxmlformats.org/drawingml/2006/main" xmlns:r="http://schemas.openxmlformats.org/officeDocument/2006/relationships" xmlns:mc="http://schemas.openxmlformats.org/markup-compatibility/2006" xmlns:mv="urn:schemas-microsoft-com:mac:vml" xmlns:p="http://schemas.openxmlformats.org/presentationml/2006/main" mc:Ignorable="mv" mc:PreserveAttributes="mv:*">
-  <p:cSld>
-    <p:spTree>
-      <p:nvGrpSpPr>
-        <p:cNvPr id="1" name=""/>
-        <p:cNvGrpSpPr/>
-        <p:nvPr/>
-      </p:nvGrpSpPr>
-      <p:grpSpPr>
-        <a:xfrm>
-          <a:off x="0" y="0"/>
-          <a:ext cx="0" cy="0"/>
-          <a:chOff x="0" y="0"/>
-          <a:chExt cx="0" cy="0"/>
-        </a:xfrm>
-      </p:grpSpPr>
-      <p:sp>
-        <p:nvSpPr>
-          <p:cNvPr id="2" name="Slide Image Placeholder 1"/>
-          <p:cNvSpPr>
-            <a:spLocks noGrp="1" noRot="1" noChangeAspect="1"/>
-          </p:cNvSpPr>
-          <p:nvPr>
-            <p:ph type="sldImg"/>
-          </p:nvPr>
-        </p:nvSpPr>
-        <p:spPr/>
-      </p:sp>
-      <p:sp>
-        <p:nvSpPr>
-          <p:cNvPr id="3" name="Notes Placeholder 2"/>
-          <p:cNvSpPr>
-            <a:spLocks noGrp="1"/>
-          </p:cNvSpPr>
-          <p:nvPr>
-            <p:ph type="body" idx="1"/>
-          </p:nvPr>
-        </p:nvSpPr>
-        <p:spPr/>
-        <p:txBody>
-          <a:bodyPr>
-            <a:normAutofit/>
-          </a:bodyPr>
-          <a:lstStyle/>
-          <a:p>
-            <a:r>
-              <a:rPr lang="en-US" dirty="0" smtClean="0"/>
-              <a:t>Resources:</a:t>
-            </a:r>
-          </a:p>
-          <a:p>
-            <a:r>
-              <a:rPr lang="en-US" dirty="0" smtClean="0"/>
-              <a:t>Fail whale:</a:t>
-            </a:r>
-            <a:r>
-              <a:rPr lang="en-US" baseline="0" dirty="0" smtClean="0"/>
-              <a:t> http://</a:t>
-            </a:r>
-            <a:r>
-              <a:rPr lang="en-US" baseline="0" dirty="0" err="1" smtClean="0"/>
-              <a:t>upload.wikimedia.org/wikipedia/en/d/de/Failwhale.png</a:t>
-            </a:r>
-            <a:endParaRPr lang="en-US" baseline="0" dirty="0" smtClean="0"/>
-          </a:p>
-          <a:p>
-            <a:r>
-              <a:rPr lang="en-US" baseline="0" dirty="0" smtClean="0"/>
-              <a:t>Cheeseburger: http://www.iconarchive.com/icons/aha-soft/food/256/burger-icon.png</a:t>
-            </a:r>
-          </a:p>
-          <a:p>
-            <a:r>
-              <a:rPr lang="en-US" baseline="0" dirty="0" smtClean="0"/>
-              <a:t>Light: http://www.flickr.com/photos/mr_beaver/3486761520/</a:t>
-            </a:r>
-          </a:p>
-          <a:p>
-            <a:r>
-              <a:rPr lang="en-US" baseline="0" dirty="0" smtClean="0"/>
-              <a:t>Document: http://icons2.iconarchive.com/icons/deleket/sleek-xp-basic/256/Document-icon.png</a:t>
-            </a:r>
-          </a:p>
-          <a:p>
-            <a:r>
-              <a:rPr lang="en-US" dirty="0" err="1" smtClean="0"/>
-              <a:t>MongoDB</a:t>
-            </a:r>
-            <a:r>
-              <a:rPr lang="en-US" dirty="0" smtClean="0"/>
-              <a:t> Logo: http://www.mongodb.org/download/attachments/132305/logo-mongodb-ondark.png</a:t>
-            </a:r>
-          </a:p>
-          <a:p>
-            <a:r>
-              <a:rPr lang="en-US" dirty="0" smtClean="0"/>
-              <a:t>Red and Black</a:t>
-            </a:r>
-            <a:r>
-              <a:rPr lang="en-US" baseline="0" dirty="0" smtClean="0"/>
-              <a:t> Birds: http://www.inspiredm.com/2009/04/12/the-social-bird-icon-set-the-first-inspired-release/</a:t>
-            </a:r>
-          </a:p>
-          <a:p>
-            <a:r>
-              <a:rPr lang="en-US" baseline="0" dirty="0" smtClean="0"/>
-              <a:t>Twitter Bird: http://www.truerwords.net/6118/enclosure/twitterific.</a:t>
-            </a:r>
-            <a:r>
-              <a:rPr lang="en-US" baseline="0" dirty="0" smtClean="0"/>
-              <a:t>png</a:t>
-            </a:r>
-          </a:p>
-          <a:p>
-            <a:r>
-              <a:rPr lang="en-US" baseline="0" dirty="0" smtClean="0"/>
-              <a:t>Neo </a:t>
-            </a:r>
-            <a:r>
-              <a:rPr lang="en-US" baseline="0" dirty="0" err="1" smtClean="0"/>
-              <a:t>vs</a:t>
-            </a:r>
-            <a:r>
-              <a:rPr lang="en-US" baseline="0" dirty="0" smtClean="0"/>
-              <a:t> Smith: http://www.users.sbg.ac.at/~0020358/img/Neo_vs_Smith.jpg</a:t>
-            </a:r>
-          </a:p>
-          <a:p>
-            <a:r>
-              <a:rPr lang="en-US" baseline="0" dirty="0" smtClean="0"/>
-              <a:t>Feature diagram: http://media.tumblr.com/tumblr_kwc24gHxBz1qappj8.png</a:t>
-            </a:r>
-          </a:p>
-          <a:p>
-            <a:r>
-              <a:rPr lang="en-US" baseline="0" dirty="0" smtClean="0"/>
-              <a:t>One Size Fits All - http://media.tumblr.com/tumblr_kwc23k4MNm1qappj8.png</a:t>
-            </a:r>
-          </a:p>
-          <a:p>
-            <a:r>
-              <a:rPr lang="en-US" baseline="0" dirty="0" smtClean="0"/>
-              <a:t>CAP diagram - </a:t>
-            </a:r>
-            <a:r>
-              <a:rPr lang="en-US" baseline="0" dirty="0" err="1" smtClean="0"/>
-              <a:t>http://blog.nahurst.com/visual-guide-to-nosql-systems</a:t>
-            </a:r>
-            <a:r>
-              <a:rPr lang="en-US" baseline="0" dirty="0" smtClean="0"/>
-              <a:t>#</a:t>
-            </a:r>
-            <a:endParaRPr lang="en-US" dirty="0"/>
-          </a:p>
-        </p:txBody>
-      </p:sp>
-      <p:sp>
-        <p:nvSpPr>
-          <p:cNvPr id="4" name="Slide Number Placeholder 3"/>
-          <p:cNvSpPr>
-            <a:spLocks noGrp="1"/>
-          </p:cNvSpPr>
-          <p:nvPr>
-            <p:ph type="sldNum" sz="quarter" idx="10"/>
-          </p:nvPr>
-        </p:nvSpPr>
-        <p:spPr/>
-        <p:txBody>
-          <a:bodyPr/>
-          <a:lstStyle/>
-          <a:p>
-            <a:fld id="{3A07B820-47FA-134C-9439-E1785E2AFBF4}" type="slidenum">
-              <a:rPr lang="en-US" smtClean="0"/>
-              <a:pPr/>
-              <a:t>45</a:t>
-            </a:fld>
-            <a:endParaRPr lang="en-US"/>
-          </a:p>
-        </p:txBody>
-      </p:sp>
-    </p:spTree>
-  </p:cSld>
-  <p:clrMapOvr>
-    <a:masterClrMapping/>
-  </p:clrMapOvr>
-</p:notes>
-</file>
-
-<file path=ppt/notesSlides/notesSlide5.xml><?xml version="1.0" encoding="utf-8"?>
-<p:notes xmlns:a="http://schemas.openxmlformats.org/drawingml/2006/main" xmlns:r="http://schemas.openxmlformats.org/officeDocument/2006/relationships" xmlns:mc="http://schemas.openxmlformats.org/markup-compatibility/2006" xmlns:mv="urn:schemas-microsoft-com:mac:vml" xmlns:p="http://schemas.openxmlformats.org/presentationml/2006/main" mc:Ignorable="mv" mc:PreserveAttributes="mv:*">
-  <p:cSld>
-    <p:spTree>
-      <p:nvGrpSpPr>
-        <p:cNvPr id="1" name=""/>
-        <p:cNvGrpSpPr/>
-        <p:nvPr/>
-      </p:nvGrpSpPr>
-      <p:grpSpPr>
-        <a:xfrm>
-          <a:off x="0" y="0"/>
-          <a:ext cx="0" cy="0"/>
-          <a:chOff x="0" y="0"/>
-          <a:chExt cx="0" cy="0"/>
-        </a:xfrm>
-      </p:grpSpPr>
-      <p:sp>
-        <p:nvSpPr>
-          <p:cNvPr id="2" name="Slide Image Placeholder 1"/>
-          <p:cNvSpPr>
-            <a:spLocks noGrp="1" noRot="1" noChangeAspect="1"/>
-          </p:cNvSpPr>
-          <p:nvPr>
-            <p:ph type="sldImg"/>
-          </p:nvPr>
-        </p:nvSpPr>
-        <p:spPr/>
-      </p:sp>
-      <p:sp>
-        <p:nvSpPr>
-          <p:cNvPr id="3" name="Notes Placeholder 2"/>
-          <p:cNvSpPr>
-            <a:spLocks noGrp="1"/>
-          </p:cNvSpPr>
-          <p:nvPr>
-            <p:ph type="body" idx="1"/>
-          </p:nvPr>
-        </p:nvSpPr>
-        <p:spPr/>
-        <p:txBody>
-          <a:bodyPr>
-            <a:normAutofit/>
-          </a:bodyPr>
-          <a:lstStyle/>
-          <a:p>
-            <a:r>
-              <a:rPr lang="en-US" dirty="0" smtClean="0"/>
-              <a:t>cap theorem</a:t>
-            </a:r>
-          </a:p>
-          <a:p>
-            <a:r>
-              <a:rPr lang="en-US" dirty="0" smtClean="0"/>
-              <a:t>says you get to pick two</a:t>
-            </a:r>
-            <a:r>
-              <a:rPr lang="en-US" baseline="0" dirty="0" smtClean="0"/>
-              <a:t> (sort of like the golden triangle of cost/schedule/</a:t>
-            </a:r>
-            <a:r>
-              <a:rPr lang="en-US" baseline="0" dirty="0" err="1" smtClean="0"/>
-              <a:t>featureset</a:t>
-            </a:r>
-            <a:r>
-              <a:rPr lang="en-US" baseline="0" dirty="0" smtClean="0"/>
-              <a:t> triangle of software systems)</a:t>
-            </a:r>
-          </a:p>
-          <a:p>
-            <a:r>
-              <a:rPr lang="en-US" dirty="0" smtClean="0"/>
-              <a:t>you can see mongo lives down</a:t>
-            </a:r>
-            <a:r>
-              <a:rPr lang="en-US" baseline="0" dirty="0" smtClean="0"/>
-              <a:t> in the bottom CP, which means it aims at being consistent, and handles physical network partitions well</a:t>
-            </a:r>
-            <a:endParaRPr lang="en-US" dirty="0"/>
-          </a:p>
-        </p:txBody>
-      </p:sp>
-      <p:sp>
-        <p:nvSpPr>
-          <p:cNvPr id="4" name="Slide Number Placeholder 3"/>
-          <p:cNvSpPr>
-            <a:spLocks noGrp="1"/>
-          </p:cNvSpPr>
-          <p:nvPr>
-            <p:ph type="sldNum" sz="quarter" idx="10"/>
-          </p:nvPr>
-        </p:nvSpPr>
-        <p:spPr/>
-        <p:txBody>
-          <a:bodyPr/>
-          <a:lstStyle/>
-          <a:p>
-            <a:fld id="{3A07B820-47FA-134C-9439-E1785E2AFBF4}" type="slidenum">
-              <a:rPr lang="en-US" smtClean="0"/>
-              <a:pPr/>
-              <a:t>7</a:t>
-            </a:fld>
-            <a:endParaRPr lang="en-US"/>
-          </a:p>
-        </p:txBody>
-      </p:sp>
-    </p:spTree>
-  </p:cSld>
-  <p:clrMapOvr>
-    <a:masterClrMapping/>
-  </p:clrMapOvr>
-</p:notes>
-</file>
-
-<file path=ppt/notesSlides/notesSlide6.xml><?xml version="1.0" encoding="utf-8"?>
-<p:notes xmlns:a="http://schemas.openxmlformats.org/drawingml/2006/main" xmlns:r="http://schemas.openxmlformats.org/officeDocument/2006/relationships" xmlns:mc="http://schemas.openxmlformats.org/markup-compatibility/2006" xmlns:mv="urn:schemas-microsoft-com:mac:vml" xmlns:p="http://schemas.openxmlformats.org/presentationml/2006/main" mc:Ignorable="mv" mc:PreserveAttributes="mv:*">
-  <p:cSld>
-    <p:spTree>
-      <p:nvGrpSpPr>
-        <p:cNvPr id="1" name=""/>
-        <p:cNvGrpSpPr/>
-        <p:nvPr/>
-      </p:nvGrpSpPr>
-      <p:grpSpPr>
-        <a:xfrm>
-          <a:off x="0" y="0"/>
-          <a:ext cx="0" cy="0"/>
-          <a:chOff x="0" y="0"/>
-          <a:chExt cx="0" cy="0"/>
-        </a:xfrm>
-      </p:grpSpPr>
-      <p:sp>
-        <p:nvSpPr>
-          <p:cNvPr id="2" name="Slide Image Placeholder 1"/>
-          <p:cNvSpPr>
-            <a:spLocks noGrp="1" noRot="1" noChangeAspect="1"/>
-          </p:cNvSpPr>
-          <p:nvPr>
-            <p:ph type="sldImg"/>
-          </p:nvPr>
-        </p:nvSpPr>
-        <p:spPr/>
-      </p:sp>
-      <p:sp>
-        <p:nvSpPr>
-          <p:cNvPr id="3" name="Notes Placeholder 2"/>
-          <p:cNvSpPr>
-            <a:spLocks noGrp="1"/>
-          </p:cNvSpPr>
-          <p:nvPr>
-            <p:ph type="body" idx="1"/>
-          </p:nvPr>
-        </p:nvSpPr>
-        <p:spPr/>
-        <p:txBody>
-          <a:bodyPr>
-            <a:normAutofit/>
-          </a:bodyPr>
-          <a:lstStyle/>
-          <a:p>
-            <a:r>
-              <a:rPr lang="en-US" dirty="0" smtClean="0"/>
-              <a:t>here’s just a simple</a:t>
-            </a:r>
-            <a:r>
-              <a:rPr lang="en-US" baseline="0" dirty="0" smtClean="0"/>
-              <a:t> diagram showing where on the scale mongo fits with features and performance.</a:t>
-            </a:r>
-          </a:p>
-          <a:p>
-            <a:endParaRPr lang="en-US" baseline="0" dirty="0" smtClean="0"/>
-          </a:p>
-          <a:p>
-            <a:r>
-              <a:rPr lang="en-US" baseline="0" dirty="0" smtClean="0"/>
-              <a:t>you can do some crazy things with RDBMS, but at the sacrifice of scalability and performance (unless you like to pay $$$$)</a:t>
-            </a:r>
-          </a:p>
-          <a:p>
-            <a:endParaRPr lang="en-US" baseline="0" dirty="0" smtClean="0"/>
-          </a:p>
-          <a:p>
-            <a:r>
-              <a:rPr lang="en-US" baseline="0" dirty="0" smtClean="0"/>
-              <a:t>key value stores and </a:t>
-            </a:r>
-            <a:r>
-              <a:rPr lang="en-US" baseline="0" dirty="0" err="1" smtClean="0"/>
-              <a:t>memcached</a:t>
-            </a:r>
-            <a:r>
-              <a:rPr lang="en-US" baseline="0" dirty="0" smtClean="0"/>
-              <a:t> give you a really simple model to work against, but that’s basically it as far as your programming model.  the good thing is they can scale horizontally very easily since it’s just a ‘</a:t>
-            </a:r>
-            <a:r>
-              <a:rPr lang="en-US" baseline="0" dirty="0" err="1" smtClean="0"/>
-              <a:t>hashtable</a:t>
-            </a:r>
-            <a:r>
-              <a:rPr lang="en-US" baseline="0" dirty="0" smtClean="0"/>
-              <a:t>’</a:t>
-            </a:r>
-          </a:p>
-          <a:p>
-            <a:endParaRPr lang="en-US" baseline="0" dirty="0" smtClean="0"/>
-          </a:p>
-          <a:p>
-            <a:r>
-              <a:rPr lang="en-US" baseline="0" dirty="0" smtClean="0"/>
-              <a:t>mongo attempts to bridge that gap by providing </a:t>
-            </a:r>
-            <a:r>
-              <a:rPr lang="en-US" baseline="0" dirty="0" err="1" smtClean="0"/>
-              <a:t>webscale/cloudscalability</a:t>
-            </a:r>
-            <a:r>
-              <a:rPr lang="en-US" baseline="0" dirty="0" smtClean="0"/>
-              <a:t> out of the box, but also allowing a richer programming model.</a:t>
-            </a:r>
-            <a:endParaRPr lang="en-US" dirty="0"/>
-          </a:p>
-        </p:txBody>
-      </p:sp>
-      <p:sp>
-        <p:nvSpPr>
-          <p:cNvPr id="4" name="Slide Number Placeholder 3"/>
-          <p:cNvSpPr>
-            <a:spLocks noGrp="1"/>
-          </p:cNvSpPr>
-          <p:nvPr>
-            <p:ph type="sldNum" sz="quarter" idx="10"/>
-          </p:nvPr>
-        </p:nvSpPr>
-        <p:spPr/>
-        <p:txBody>
-          <a:bodyPr/>
-          <a:lstStyle/>
-          <a:p>
-            <a:fld id="{3A07B820-47FA-134C-9439-E1785E2AFBF4}" type="slidenum">
-              <a:rPr lang="en-US" smtClean="0"/>
-              <a:pPr/>
-              <a:t>8</a:t>
-            </a:fld>
-            <a:endParaRPr lang="en-US"/>
-          </a:p>
-        </p:txBody>
-      </p:sp>
-    </p:spTree>
-  </p:cSld>
-  <p:clrMapOvr>
-    <a:masterClrMapping/>
-  </p:clrMapOvr>
-</p:notes>
-</file>
-
-<file path=ppt/notesSlides/notesSlide7.xml><?xml version="1.0" encoding="utf-8"?>
-<p:notes xmlns:a="http://schemas.openxmlformats.org/drawingml/2006/main" xmlns:r="http://schemas.openxmlformats.org/officeDocument/2006/relationships" xmlns:mc="http://schemas.openxmlformats.org/markup-compatibility/2006" xmlns:mv="urn:schemas-microsoft-com:mac:vml" xmlns:p="http://schemas.openxmlformats.org/presentationml/2006/main" mc:Ignorable="mv" mc:PreserveAttributes="mv:*">
-  <p:cSld>
-    <p:spTree>
-      <p:nvGrpSpPr>
-        <p:cNvPr id="1" name=""/>
-        <p:cNvGrpSpPr/>
-        <p:nvPr/>
-      </p:nvGrpSpPr>
-      <p:grpSpPr>
-        <a:xfrm>
-          <a:off x="0" y="0"/>
-          <a:ext cx="0" cy="0"/>
-          <a:chOff x="0" y="0"/>
-          <a:chExt cx="0" cy="0"/>
-        </a:xfrm>
-      </p:grpSpPr>
-      <p:sp>
-        <p:nvSpPr>
-          <p:cNvPr id="2" name="Slide Image Placeholder 1"/>
-          <p:cNvSpPr>
-            <a:spLocks noGrp="1" noRot="1" noChangeAspect="1"/>
-          </p:cNvSpPr>
-          <p:nvPr>
-            <p:ph type="sldImg"/>
-          </p:nvPr>
-        </p:nvSpPr>
-        <p:spPr/>
-      </p:sp>
-      <p:sp>
-        <p:nvSpPr>
-          <p:cNvPr id="3" name="Notes Placeholder 2"/>
-          <p:cNvSpPr>
-            <a:spLocks noGrp="1"/>
-          </p:cNvSpPr>
-          <p:nvPr>
-            <p:ph type="body" idx="1"/>
-          </p:nvPr>
-        </p:nvSpPr>
-        <p:spPr/>
-        <p:txBody>
-          <a:bodyPr>
-            <a:normAutofit/>
-          </a:bodyPr>
-          <a:lstStyle/>
-          <a:p>
-            <a:r>
-              <a:rPr lang="en-US" dirty="0" smtClean="0"/>
-              <a:t>Meaning we</a:t>
-            </a:r>
-            <a:r>
-              <a:rPr lang="en-US" baseline="0" dirty="0" smtClean="0"/>
-              <a:t> don’t use SQL like we always do with RDBMS… we’ll see later how we do query though</a:t>
-            </a:r>
-            <a:endParaRPr lang="en-US" dirty="0"/>
-          </a:p>
-        </p:txBody>
-      </p:sp>
-      <p:sp>
-        <p:nvSpPr>
-          <p:cNvPr id="4" name="Slide Number Placeholder 3"/>
-          <p:cNvSpPr>
-            <a:spLocks noGrp="1"/>
-          </p:cNvSpPr>
-          <p:nvPr>
-            <p:ph type="sldNum" sz="quarter" idx="10"/>
-          </p:nvPr>
-        </p:nvSpPr>
-        <p:spPr/>
-        <p:txBody>
-          <a:bodyPr/>
-          <a:lstStyle/>
-          <a:p>
-            <a:fld id="{3A07B820-47FA-134C-9439-E1785E2AFBF4}" type="slidenum">
-              <a:rPr lang="en-US" smtClean="0"/>
-              <a:pPr/>
-              <a:t>10</a:t>
-            </a:fld>
-            <a:endParaRPr lang="en-US"/>
-          </a:p>
-        </p:txBody>
-      </p:sp>
-    </p:spTree>
-  </p:cSld>
-  <p:clrMapOvr>
-    <a:masterClrMapping/>
-  </p:clrMapOvr>
-</p:notes>
-</file>
-
-<file path=ppt/notesSlides/notesSlide8.xml><?xml version="1.0" encoding="utf-8"?>
-<p:notes xmlns:a="http://schemas.openxmlformats.org/drawingml/2006/main" xmlns:r="http://schemas.openxmlformats.org/officeDocument/2006/relationships" xmlns:mc="http://schemas.openxmlformats.org/markup-compatibility/2006" xmlns:mv="urn:schemas-microsoft-com:mac:vml" xmlns:p="http://schemas.openxmlformats.org/presentationml/2006/main" mc:Ignorable="mv" mc:PreserveAttributes="mv:*">
-  <p:cSld>
-    <p:spTree>
-      <p:nvGrpSpPr>
-        <p:cNvPr id="1" name=""/>
-        <p:cNvGrpSpPr/>
-        <p:nvPr/>
-      </p:nvGrpSpPr>
-      <p:grpSpPr>
-        <a:xfrm>
-          <a:off x="0" y="0"/>
-          <a:ext cx="0" cy="0"/>
-          <a:chOff x="0" y="0"/>
-          <a:chExt cx="0" cy="0"/>
-        </a:xfrm>
-      </p:grpSpPr>
-      <p:sp>
-        <p:nvSpPr>
-          <p:cNvPr id="2" name="Slide Image Placeholder 1"/>
-          <p:cNvSpPr>
-            <a:spLocks noGrp="1" noRot="1" noChangeAspect="1"/>
-          </p:cNvSpPr>
-          <p:nvPr>
-            <p:ph type="sldImg"/>
-          </p:nvPr>
-        </p:nvSpPr>
-        <p:spPr/>
-      </p:sp>
-      <p:sp>
-        <p:nvSpPr>
-          <p:cNvPr id="3" name="Notes Placeholder 2"/>
-          <p:cNvSpPr>
-            <a:spLocks noGrp="1"/>
-          </p:cNvSpPr>
-          <p:nvPr>
-            <p:ph type="body" idx="1"/>
-          </p:nvPr>
-        </p:nvSpPr>
-        <p:spPr/>
-        <p:txBody>
-          <a:bodyPr>
-            <a:normAutofit/>
-          </a:bodyPr>
-          <a:lstStyle/>
-          <a:p>
-            <a:r>
-              <a:rPr lang="en-US" dirty="0" smtClean="0"/>
               <a:t>Take a deep breath and take the plunge… it’ll all be okay.</a:t>
             </a:r>
           </a:p>
@@ -5003,96 +5193,6 @@
               <a:rPr lang="en-US" smtClean="0"/>
               <a:pPr/>
               <a:t>11</a:t>
-            </a:fld>
-            <a:endParaRPr lang="en-US"/>
-          </a:p>
-        </p:txBody>
-      </p:sp>
-    </p:spTree>
-  </p:cSld>
-  <p:clrMapOvr>
-    <a:masterClrMapping/>
-  </p:clrMapOvr>
-</p:notes>
-</file>
-
-<file path=ppt/notesSlides/notesSlide9.xml><?xml version="1.0" encoding="utf-8"?>
-<p:notes xmlns:a="http://schemas.openxmlformats.org/drawingml/2006/main" xmlns:r="http://schemas.openxmlformats.org/officeDocument/2006/relationships" xmlns:mc="http://schemas.openxmlformats.org/markup-compatibility/2006" xmlns:mv="urn:schemas-microsoft-com:mac:vml" xmlns:p="http://schemas.openxmlformats.org/presentationml/2006/main" mc:Ignorable="mv" mc:PreserveAttributes="mv:*">
-  <p:cSld>
-    <p:spTree>
-      <p:nvGrpSpPr>
-        <p:cNvPr id="1" name=""/>
-        <p:cNvGrpSpPr/>
-        <p:nvPr/>
-      </p:nvGrpSpPr>
-      <p:grpSpPr>
-        <a:xfrm>
-          <a:off x="0" y="0"/>
-          <a:ext cx="0" cy="0"/>
-          <a:chOff x="0" y="0"/>
-          <a:chExt cx="0" cy="0"/>
-        </a:xfrm>
-      </p:grpSpPr>
-      <p:sp>
-        <p:nvSpPr>
-          <p:cNvPr id="2" name="Slide Image Placeholder 1"/>
-          <p:cNvSpPr>
-            <a:spLocks noGrp="1" noRot="1" noChangeAspect="1"/>
-          </p:cNvSpPr>
-          <p:nvPr>
-            <p:ph type="sldImg"/>
-          </p:nvPr>
-        </p:nvSpPr>
-        <p:spPr/>
-      </p:sp>
-      <p:sp>
-        <p:nvSpPr>
-          <p:cNvPr id="3" name="Notes Placeholder 2"/>
-          <p:cNvSpPr>
-            <a:spLocks noGrp="1"/>
-          </p:cNvSpPr>
-          <p:nvPr>
-            <p:ph type="body" idx="1"/>
-          </p:nvPr>
-        </p:nvSpPr>
-        <p:spPr/>
-        <p:txBody>
-          <a:bodyPr>
-            <a:normAutofit/>
-          </a:bodyPr>
-          <a:lstStyle/>
-          <a:p>
-            <a:r>
-              <a:rPr lang="en-US" dirty="0" smtClean="0"/>
-              <a:t>Since all the data for a given item is likely contained</a:t>
-            </a:r>
-            <a:r>
-              <a:rPr lang="en-US" baseline="0" dirty="0" smtClean="0"/>
-              <a:t> within a given document…most joins will be eliminated.</a:t>
-            </a:r>
-            <a:endParaRPr lang="en-US" dirty="0"/>
-          </a:p>
-        </p:txBody>
-      </p:sp>
-      <p:sp>
-        <p:nvSpPr>
-          <p:cNvPr id="4" name="Slide Number Placeholder 3"/>
-          <p:cNvSpPr>
-            <a:spLocks noGrp="1"/>
-          </p:cNvSpPr>
-          <p:nvPr>
-            <p:ph type="sldNum" sz="quarter" idx="10"/>
-          </p:nvPr>
-        </p:nvSpPr>
-        <p:spPr/>
-        <p:txBody>
-          <a:bodyPr/>
-          <a:lstStyle/>
-          <a:p>
-            <a:fld id="{3A07B820-47FA-134C-9439-E1785E2AFBF4}" type="slidenum">
-              <a:rPr lang="en-US" smtClean="0"/>
-              <a:pPr/>
-              <a:t>12</a:t>
             </a:fld>
             <a:endParaRPr lang="en-US"/>
           </a:p>
@@ -5107,7 +5207,7 @@
 </file>
 
 <file path=ppt/slideLayouts/slideLayout1.xml><?xml version="1.0" encoding="utf-8"?>
-<p:sldLayout xmlns:a="http://schemas.openxmlformats.org/drawingml/2006/main" xmlns:r="http://schemas.openxmlformats.org/officeDocument/2006/relationships" xmlns:mc="http://schemas.openxmlformats.org/markup-compatibility/2006" xmlns:mv="urn:schemas-microsoft-com:mac:vml" xmlns:p="http://schemas.openxmlformats.org/presentationml/2006/main" mc:Ignorable="mv" mc:PreserveAttributes="mv:*" type="title" preserve="1">
+<p:sldLayout xmlns:a="http://schemas.openxmlformats.org/drawingml/2006/main" xmlns:r="http://schemas.openxmlformats.org/officeDocument/2006/relationships" xmlns:p="http://schemas.openxmlformats.org/presentationml/2006/main" type="title" preserve="1">
   <p:cSld name="Title Slide">
     <p:spTree>
       <p:nvGrpSpPr>
@@ -5288,7 +5388,7 @@
             <a:fld id="{2CEF3801-4993-4C5B-BE4A-0FC428F3EE6B}" type="datetimeFigureOut">
               <a:rPr lang="en-US" smtClean="0"/>
               <a:pPr/>
-              <a:t>5/19/10</a:t>
+              <a:t>9/14/2010</a:t>
             </a:fld>
             <a:endParaRPr lang="en-US"/>
           </a:p>
@@ -5346,7 +5446,7 @@
 </file>
 
 <file path=ppt/slideLayouts/slideLayout10.xml><?xml version="1.0" encoding="utf-8"?>
-<p:sldLayout xmlns:a="http://schemas.openxmlformats.org/drawingml/2006/main" xmlns:r="http://schemas.openxmlformats.org/officeDocument/2006/relationships" xmlns:mc="http://schemas.openxmlformats.org/markup-compatibility/2006" xmlns:mv="urn:schemas-microsoft-com:mac:vml" xmlns:p="http://schemas.openxmlformats.org/presentationml/2006/main" mc:Ignorable="mv" mc:PreserveAttributes="mv:*" type="vertTx" preserve="1">
+<p:sldLayout xmlns:a="http://schemas.openxmlformats.org/drawingml/2006/main" xmlns:r="http://schemas.openxmlformats.org/officeDocument/2006/relationships" xmlns:p="http://schemas.openxmlformats.org/presentationml/2006/main" type="vertTx" preserve="1">
   <p:cSld name="Title and Vertical Text">
     <p:spTree>
       <p:nvGrpSpPr>
@@ -5455,7 +5555,7 @@
             <a:fld id="{2CEF3801-4993-4C5B-BE4A-0FC428F3EE6B}" type="datetimeFigureOut">
               <a:rPr lang="en-US" smtClean="0"/>
               <a:pPr/>
-              <a:t>5/19/10</a:t>
+              <a:t>9/14/2010</a:t>
             </a:fld>
             <a:endParaRPr lang="en-US"/>
           </a:p>
@@ -5513,7 +5613,7 @@
 </file>
 
 <file path=ppt/slideLayouts/slideLayout11.xml><?xml version="1.0" encoding="utf-8"?>
-<p:sldLayout xmlns:a="http://schemas.openxmlformats.org/drawingml/2006/main" xmlns:r="http://schemas.openxmlformats.org/officeDocument/2006/relationships" xmlns:mc="http://schemas.openxmlformats.org/markup-compatibility/2006" xmlns:mv="urn:schemas-microsoft-com:mac:vml" xmlns:p="http://schemas.openxmlformats.org/presentationml/2006/main" mc:Ignorable="mv" mc:PreserveAttributes="mv:*" type="vertTitleAndTx" preserve="1">
+<p:sldLayout xmlns:a="http://schemas.openxmlformats.org/drawingml/2006/main" xmlns:r="http://schemas.openxmlformats.org/officeDocument/2006/relationships" xmlns:p="http://schemas.openxmlformats.org/presentationml/2006/main" type="vertTitleAndTx" preserve="1">
   <p:cSld name="Vertical Title and Text">
     <p:spTree>
       <p:nvGrpSpPr>
@@ -5632,7 +5732,7 @@
             <a:fld id="{2CEF3801-4993-4C5B-BE4A-0FC428F3EE6B}" type="datetimeFigureOut">
               <a:rPr lang="en-US" smtClean="0"/>
               <a:pPr/>
-              <a:t>5/19/10</a:t>
+              <a:t>9/14/2010</a:t>
             </a:fld>
             <a:endParaRPr lang="en-US"/>
           </a:p>
@@ -5690,7 +5790,7 @@
 </file>
 
 <file path=ppt/slideLayouts/slideLayout2.xml><?xml version="1.0" encoding="utf-8"?>
-<p:sldLayout xmlns:a="http://schemas.openxmlformats.org/drawingml/2006/main" xmlns:r="http://schemas.openxmlformats.org/officeDocument/2006/relationships" xmlns:mc="http://schemas.openxmlformats.org/markup-compatibility/2006" xmlns:mv="urn:schemas-microsoft-com:mac:vml" xmlns:p="http://schemas.openxmlformats.org/presentationml/2006/main" mc:Ignorable="mv" mc:PreserveAttributes="mv:*" type="obj" preserve="1">
+<p:sldLayout xmlns:a="http://schemas.openxmlformats.org/drawingml/2006/main" xmlns:r="http://schemas.openxmlformats.org/officeDocument/2006/relationships" xmlns:p="http://schemas.openxmlformats.org/presentationml/2006/main" type="obj" preserve="1">
   <p:cSld name="Title and Content">
     <p:spTree>
       <p:nvGrpSpPr>
@@ -5799,7 +5899,7 @@
             <a:fld id="{2CEF3801-4993-4C5B-BE4A-0FC428F3EE6B}" type="datetimeFigureOut">
               <a:rPr lang="en-US" smtClean="0"/>
               <a:pPr/>
-              <a:t>5/19/10</a:t>
+              <a:t>9/14/2010</a:t>
             </a:fld>
             <a:endParaRPr lang="en-US"/>
           </a:p>
@@ -5857,7 +5957,7 @@
 </file>
 
 <file path=ppt/slideLayouts/slideLayout3.xml><?xml version="1.0" encoding="utf-8"?>
-<p:sldLayout xmlns:a="http://schemas.openxmlformats.org/drawingml/2006/main" xmlns:r="http://schemas.openxmlformats.org/officeDocument/2006/relationships" xmlns:mc="http://schemas.openxmlformats.org/markup-compatibility/2006" xmlns:mv="urn:schemas-microsoft-com:mac:vml" xmlns:p="http://schemas.openxmlformats.org/presentationml/2006/main" mc:Ignorable="mv" mc:PreserveAttributes="mv:*" type="secHead" preserve="1">
+<p:sldLayout xmlns:a="http://schemas.openxmlformats.org/drawingml/2006/main" xmlns:r="http://schemas.openxmlformats.org/officeDocument/2006/relationships" xmlns:p="http://schemas.openxmlformats.org/presentationml/2006/main" type="secHead" preserve="1">
   <p:cSld name="Section Header">
     <p:spTree>
       <p:nvGrpSpPr>
@@ -6042,7 +6142,7 @@
             <a:fld id="{2CEF3801-4993-4C5B-BE4A-0FC428F3EE6B}" type="datetimeFigureOut">
               <a:rPr lang="en-US" smtClean="0"/>
               <a:pPr/>
-              <a:t>5/19/10</a:t>
+              <a:t>9/14/2010</a:t>
             </a:fld>
             <a:endParaRPr lang="en-US"/>
           </a:p>
@@ -6100,7 +6200,7 @@
 </file>
 
 <file path=ppt/slideLayouts/slideLayout4.xml><?xml version="1.0" encoding="utf-8"?>
-<p:sldLayout xmlns:a="http://schemas.openxmlformats.org/drawingml/2006/main" xmlns:r="http://schemas.openxmlformats.org/officeDocument/2006/relationships" xmlns:mc="http://schemas.openxmlformats.org/markup-compatibility/2006" xmlns:mv="urn:schemas-microsoft-com:mac:vml" xmlns:p="http://schemas.openxmlformats.org/presentationml/2006/main" mc:Ignorable="mv" mc:PreserveAttributes="mv:*" type="twoObj" preserve="1">
+<p:sldLayout xmlns:a="http://schemas.openxmlformats.org/drawingml/2006/main" xmlns:r="http://schemas.openxmlformats.org/officeDocument/2006/relationships" xmlns:p="http://schemas.openxmlformats.org/presentationml/2006/main" type="twoObj" preserve="1">
   <p:cSld name="Two Content">
     <p:spTree>
       <p:nvGrpSpPr>
@@ -6327,7 +6427,7 @@
             <a:fld id="{2CEF3801-4993-4C5B-BE4A-0FC428F3EE6B}" type="datetimeFigureOut">
               <a:rPr lang="en-US" smtClean="0"/>
               <a:pPr/>
-              <a:t>5/19/10</a:t>
+              <a:t>9/14/2010</a:t>
             </a:fld>
             <a:endParaRPr lang="en-US"/>
           </a:p>
@@ -6385,7 +6485,7 @@
 </file>
 
 <file path=ppt/slideLayouts/slideLayout5.xml><?xml version="1.0" encoding="utf-8"?>
-<p:sldLayout xmlns:a="http://schemas.openxmlformats.org/drawingml/2006/main" xmlns:r="http://schemas.openxmlformats.org/officeDocument/2006/relationships" xmlns:mc="http://schemas.openxmlformats.org/markup-compatibility/2006" xmlns:mv="urn:schemas-microsoft-com:mac:vml" xmlns:p="http://schemas.openxmlformats.org/presentationml/2006/main" mc:Ignorable="mv" mc:PreserveAttributes="mv:*" type="twoTxTwoObj" preserve="1">
+<p:sldLayout xmlns:a="http://schemas.openxmlformats.org/drawingml/2006/main" xmlns:r="http://schemas.openxmlformats.org/officeDocument/2006/relationships" xmlns:p="http://schemas.openxmlformats.org/presentationml/2006/main" type="twoTxTwoObj" preserve="1">
   <p:cSld name="Comparison">
     <p:spTree>
       <p:nvGrpSpPr>
@@ -6746,7 +6846,7 @@
             <a:fld id="{2CEF3801-4993-4C5B-BE4A-0FC428F3EE6B}" type="datetimeFigureOut">
               <a:rPr lang="en-US" smtClean="0"/>
               <a:pPr/>
-              <a:t>5/19/10</a:t>
+              <a:t>9/14/2010</a:t>
             </a:fld>
             <a:endParaRPr lang="en-US"/>
           </a:p>
@@ -6804,7 +6904,7 @@
 </file>
 
 <file path=ppt/slideLayouts/slideLayout6.xml><?xml version="1.0" encoding="utf-8"?>
-<p:sldLayout xmlns:a="http://schemas.openxmlformats.org/drawingml/2006/main" xmlns:r="http://schemas.openxmlformats.org/officeDocument/2006/relationships" xmlns:mc="http://schemas.openxmlformats.org/markup-compatibility/2006" xmlns:mv="urn:schemas-microsoft-com:mac:vml" xmlns:p="http://schemas.openxmlformats.org/presentationml/2006/main" mc:Ignorable="mv" mc:PreserveAttributes="mv:*" type="titleOnly" preserve="1">
+<p:sldLayout xmlns:a="http://schemas.openxmlformats.org/drawingml/2006/main" xmlns:r="http://schemas.openxmlformats.org/officeDocument/2006/relationships" xmlns:p="http://schemas.openxmlformats.org/presentationml/2006/main" type="titleOnly" preserve="1">
   <p:cSld name="Title Only">
     <p:spTree>
       <p:nvGrpSpPr>
@@ -6861,7 +6961,7 @@
             <a:fld id="{2CEF3801-4993-4C5B-BE4A-0FC428F3EE6B}" type="datetimeFigureOut">
               <a:rPr lang="en-US" smtClean="0"/>
               <a:pPr/>
-              <a:t>5/19/10</a:t>
+              <a:t>9/14/2010</a:t>
             </a:fld>
             <a:endParaRPr lang="en-US"/>
           </a:p>
@@ -6919,7 +7019,7 @@
 </file>
 
 <file path=ppt/slideLayouts/slideLayout7.xml><?xml version="1.0" encoding="utf-8"?>
-<p:sldLayout xmlns:a="http://schemas.openxmlformats.org/drawingml/2006/main" xmlns:r="http://schemas.openxmlformats.org/officeDocument/2006/relationships" xmlns:mc="http://schemas.openxmlformats.org/markup-compatibility/2006" xmlns:mv="urn:schemas-microsoft-com:mac:vml" xmlns:p="http://schemas.openxmlformats.org/presentationml/2006/main" mc:Ignorable="mv" mc:PreserveAttributes="mv:*" type="blank" preserve="1">
+<p:sldLayout xmlns:a="http://schemas.openxmlformats.org/drawingml/2006/main" xmlns:r="http://schemas.openxmlformats.org/officeDocument/2006/relationships" xmlns:p="http://schemas.openxmlformats.org/presentationml/2006/main" type="blank" preserve="1">
   <p:cSld name="Blank">
     <p:spTree>
       <p:nvGrpSpPr>
@@ -6953,7 +7053,7 @@
             <a:fld id="{2CEF3801-4993-4C5B-BE4A-0FC428F3EE6B}" type="datetimeFigureOut">
               <a:rPr lang="en-US" smtClean="0"/>
               <a:pPr/>
-              <a:t>5/19/10</a:t>
+              <a:t>9/14/2010</a:t>
             </a:fld>
             <a:endParaRPr lang="en-US"/>
           </a:p>
@@ -7011,7 +7111,7 @@
 </file>
 
 <file path=ppt/slideLayouts/slideLayout8.xml><?xml version="1.0" encoding="utf-8"?>
-<p:sldLayout xmlns:a="http://schemas.openxmlformats.org/drawingml/2006/main" xmlns:r="http://schemas.openxmlformats.org/officeDocument/2006/relationships" xmlns:mc="http://schemas.openxmlformats.org/markup-compatibility/2006" xmlns:mv="urn:schemas-microsoft-com:mac:vml" xmlns:p="http://schemas.openxmlformats.org/presentationml/2006/main" mc:Ignorable="mv" mc:PreserveAttributes="mv:*" type="objTx" preserve="1">
+<p:sldLayout xmlns:a="http://schemas.openxmlformats.org/drawingml/2006/main" xmlns:r="http://schemas.openxmlformats.org/officeDocument/2006/relationships" xmlns:p="http://schemas.openxmlformats.org/presentationml/2006/main" type="objTx" preserve="1">
   <p:cSld name="Content with Caption">
     <p:spTree>
       <p:nvGrpSpPr>
@@ -7227,7 +7327,7 @@
             <a:fld id="{2CEF3801-4993-4C5B-BE4A-0FC428F3EE6B}" type="datetimeFigureOut">
               <a:rPr lang="en-US" smtClean="0"/>
               <a:pPr/>
-              <a:t>5/19/10</a:t>
+              <a:t>9/14/2010</a:t>
             </a:fld>
             <a:endParaRPr lang="en-US"/>
           </a:p>
@@ -7285,7 +7385,7 @@
 </file>
 
 <file path=ppt/slideLayouts/slideLayout9.xml><?xml version="1.0" encoding="utf-8"?>
-<p:sldLayout xmlns:a="http://schemas.openxmlformats.org/drawingml/2006/main" xmlns:r="http://schemas.openxmlformats.org/officeDocument/2006/relationships" xmlns:mc="http://schemas.openxmlformats.org/markup-compatibility/2006" xmlns:mv="urn:schemas-microsoft-com:mac:vml" xmlns:p="http://schemas.openxmlformats.org/presentationml/2006/main" mc:Ignorable="mv" mc:PreserveAttributes="mv:*" type="picTx" preserve="1">
+<p:sldLayout xmlns:a="http://schemas.openxmlformats.org/drawingml/2006/main" xmlns:r="http://schemas.openxmlformats.org/officeDocument/2006/relationships" xmlns:p="http://schemas.openxmlformats.org/presentationml/2006/main" type="picTx" preserve="1">
   <p:cSld name="Picture with Caption">
     <p:spTree>
       <p:nvGrpSpPr>
@@ -7477,7 +7577,7 @@
             <a:fld id="{2CEF3801-4993-4C5B-BE4A-0FC428F3EE6B}" type="datetimeFigureOut">
               <a:rPr lang="en-US" smtClean="0"/>
               <a:pPr/>
-              <a:t>5/19/10</a:t>
+              <a:t>9/14/2010</a:t>
             </a:fld>
             <a:endParaRPr lang="en-US"/>
           </a:p>
@@ -7535,7 +7635,7 @@
 </file>
 
 <file path=ppt/slideMasters/slideMaster1.xml><?xml version="1.0" encoding="utf-8"?>
-<p:sldMaster xmlns:a="http://schemas.openxmlformats.org/drawingml/2006/main" xmlns:r="http://schemas.openxmlformats.org/officeDocument/2006/relationships" xmlns:mc="http://schemas.openxmlformats.org/markup-compatibility/2006" xmlns:mv="urn:schemas-microsoft-com:mac:vml" xmlns:p="http://schemas.openxmlformats.org/presentationml/2006/main" mc:Ignorable="mv" mc:PreserveAttributes="mv:*">
+<p:sldMaster xmlns:a="http://schemas.openxmlformats.org/drawingml/2006/main" xmlns:r="http://schemas.openxmlformats.org/officeDocument/2006/relationships" xmlns:p="http://schemas.openxmlformats.org/presentationml/2006/main">
   <p:cSld>
     <p:bg>
       <p:bgRef idx="1001">
@@ -7687,7 +7787,7 @@
             <a:fld id="{2CEF3801-4993-4C5B-BE4A-0FC428F3EE6B}" type="datetimeFigureOut">
               <a:rPr lang="en-US" smtClean="0"/>
               <a:pPr/>
-              <a:t>5/19/10</a:t>
+              <a:t>9/14/2010</a:t>
             </a:fld>
             <a:endParaRPr lang="en-US"/>
           </a:p>
@@ -8042,7 +8142,7 @@
 </file>
 
 <file path=ppt/slides/slide1.xml><?xml version="1.0" encoding="utf-8"?>
-<p:sld xmlns:a="http://schemas.openxmlformats.org/drawingml/2006/main" xmlns:r="http://schemas.openxmlformats.org/officeDocument/2006/relationships" xmlns:mc="http://schemas.openxmlformats.org/markup-compatibility/2006" xmlns:mv="urn:schemas-microsoft-com:mac:vml" xmlns:p="http://schemas.openxmlformats.org/presentationml/2006/main" mc:Ignorable="mv" mc:PreserveAttributes="mv:*">
+<p:sld xmlns:a="http://schemas.openxmlformats.org/drawingml/2006/main" xmlns:r="http://schemas.openxmlformats.org/officeDocument/2006/relationships" xmlns:p="http://schemas.openxmlformats.org/presentationml/2006/main">
   <p:cSld>
     <p:spTree>
       <p:nvGrpSpPr>
@@ -8067,7 +8167,7 @@
           <p:nvPr/>
         </p:nvPicPr>
         <p:blipFill>
-          <a:blip r:embed="rId2"/>
+          <a:blip r:embed="rId2" cstate="print"/>
           <a:stretch>
             <a:fillRect/>
           </a:stretch>
@@ -8098,7 +8198,7 @@
 </file>
 
 <file path=ppt/slides/slide10.xml><?xml version="1.0" encoding="utf-8"?>
-<p:sld xmlns:a="http://schemas.openxmlformats.org/drawingml/2006/main" xmlns:r="http://schemas.openxmlformats.org/officeDocument/2006/relationships" xmlns:mc="http://schemas.openxmlformats.org/markup-compatibility/2006" xmlns:mv="urn:schemas-microsoft-com:mac:vml" xmlns:p="http://schemas.openxmlformats.org/presentationml/2006/main" mc:Ignorable="mv" mc:PreserveAttributes="mv:*">
+<p:sld xmlns:a="http://schemas.openxmlformats.org/drawingml/2006/main" xmlns:r="http://schemas.openxmlformats.org/officeDocument/2006/relationships" xmlns:p="http://schemas.openxmlformats.org/presentationml/2006/main">
   <p:cSld>
     <p:spTree>
       <p:nvGrpSpPr>
@@ -8158,7 +8258,7 @@
 </file>
 
 <file path=ppt/slides/slide11.xml><?xml version="1.0" encoding="utf-8"?>
-<p:sld xmlns:a="http://schemas.openxmlformats.org/drawingml/2006/main" xmlns:r="http://schemas.openxmlformats.org/officeDocument/2006/relationships" xmlns:mc="http://schemas.openxmlformats.org/markup-compatibility/2006" xmlns:mv="urn:schemas-microsoft-com:mac:vml" xmlns:p="http://schemas.openxmlformats.org/presentationml/2006/main" mc:Ignorable="mv" mc:PreserveAttributes="mv:*">
+<p:sld xmlns:a="http://schemas.openxmlformats.org/drawingml/2006/main" xmlns:r="http://schemas.openxmlformats.org/officeDocument/2006/relationships" xmlns:p="http://schemas.openxmlformats.org/presentationml/2006/main">
   <p:cSld>
     <p:spTree>
       <p:nvGrpSpPr>
@@ -8218,7 +8318,7 @@
 </file>
 
 <file path=ppt/slides/slide12.xml><?xml version="1.0" encoding="utf-8"?>
-<p:sld xmlns:a="http://schemas.openxmlformats.org/drawingml/2006/main" xmlns:r="http://schemas.openxmlformats.org/officeDocument/2006/relationships" xmlns:mc="http://schemas.openxmlformats.org/markup-compatibility/2006" xmlns:mv="urn:schemas-microsoft-com:mac:vml" xmlns:p="http://schemas.openxmlformats.org/presentationml/2006/main" mc:Ignorable="mv" mc:PreserveAttributes="mv:*">
+<p:sld xmlns:a="http://schemas.openxmlformats.org/drawingml/2006/main" xmlns:r="http://schemas.openxmlformats.org/officeDocument/2006/relationships" xmlns:p="http://schemas.openxmlformats.org/presentationml/2006/main">
   <p:cSld>
     <p:spTree>
       <p:nvGrpSpPr>
@@ -8308,7 +8408,7 @@
 </file>
 
 <file path=ppt/slides/slide13.xml><?xml version="1.0" encoding="utf-8"?>
-<p:sld xmlns:a="http://schemas.openxmlformats.org/drawingml/2006/main" xmlns:r="http://schemas.openxmlformats.org/officeDocument/2006/relationships" xmlns:mc="http://schemas.openxmlformats.org/markup-compatibility/2006" xmlns:mv="urn:schemas-microsoft-com:mac:vml" xmlns:p="http://schemas.openxmlformats.org/presentationml/2006/main" mc:Ignorable="mv" mc:PreserveAttributes="mv:*">
+<p:sld xmlns:a="http://schemas.openxmlformats.org/drawingml/2006/main" xmlns:r="http://schemas.openxmlformats.org/officeDocument/2006/relationships" xmlns:p="http://schemas.openxmlformats.org/presentationml/2006/main">
   <p:cSld>
     <p:spTree>
       <p:nvGrpSpPr>
@@ -8616,7 +8716,7 @@
 </file>
 
 <file path=ppt/slides/slide14.xml><?xml version="1.0" encoding="utf-8"?>
-<p:sld xmlns:a="http://schemas.openxmlformats.org/drawingml/2006/main" xmlns:r="http://schemas.openxmlformats.org/officeDocument/2006/relationships" xmlns:mc="http://schemas.openxmlformats.org/markup-compatibility/2006" xmlns:mv="urn:schemas-microsoft-com:mac:vml" xmlns:p="http://schemas.openxmlformats.org/presentationml/2006/main" mc:Ignorable="mv" mc:PreserveAttributes="mv:*">
+<p:sld xmlns:a="http://schemas.openxmlformats.org/drawingml/2006/main" xmlns:r="http://schemas.openxmlformats.org/officeDocument/2006/relationships" xmlns:p="http://schemas.openxmlformats.org/presentationml/2006/main">
   <p:cSld>
     <p:spTree>
       <p:nvGrpSpPr>
@@ -8655,6 +8755,36 @@
             <a:r>
               <a:rPr lang="en-US" dirty="0" smtClean="0"/>
               <a:t>New Models</a:t>
+            </a:r>
+            <a:endParaRPr lang="en-US" dirty="0"/>
+          </a:p>
+        </p:txBody>
+      </p:sp>
+      <p:sp>
+        <p:nvSpPr>
+          <p:cNvPr id="3" name="TextBox 2"/>
+          <p:cNvSpPr txBox="1"/>
+          <p:nvPr/>
+        </p:nvSpPr>
+        <p:spPr>
+          <a:xfrm rot="20309580">
+            <a:off x="6770926" y="5887272"/>
+            <a:ext cx="2257026" cy="369332"/>
+          </a:xfrm>
+          <a:prstGeom prst="rect">
+            <a:avLst/>
+          </a:prstGeom>
+          <a:noFill/>
+        </p:spPr>
+        <p:txBody>
+          <a:bodyPr wrap="square" rtlCol="0">
+            <a:spAutoFit/>
+          </a:bodyPr>
+          <a:lstStyle/>
+          <a:p>
+            <a:r>
+              <a:rPr lang="en-US" dirty="0" smtClean="0"/>
+              <a:t>Natural DDD Anyone?</a:t>
             </a:r>
             <a:endParaRPr lang="en-US" dirty="0"/>
           </a:p>
@@ -8676,7 +8806,7 @@
 </file>
 
 <file path=ppt/slides/slide15.xml><?xml version="1.0" encoding="utf-8"?>
-<p:sld xmlns:a="http://schemas.openxmlformats.org/drawingml/2006/main" xmlns:r="http://schemas.openxmlformats.org/officeDocument/2006/relationships" xmlns:mc="http://schemas.openxmlformats.org/markup-compatibility/2006" xmlns:mv="urn:schemas-microsoft-com:mac:vml" xmlns:p="http://schemas.openxmlformats.org/presentationml/2006/main" mc:Ignorable="mv" mc:PreserveAttributes="mv:*">
+<p:sld xmlns:a="http://schemas.openxmlformats.org/drawingml/2006/main" xmlns:r="http://schemas.openxmlformats.org/officeDocument/2006/relationships" xmlns:p="http://schemas.openxmlformats.org/presentationml/2006/main">
   <p:cSld>
     <p:spTree>
       <p:nvGrpSpPr>
@@ -8729,7 +8859,7 @@
           <p:nvPr/>
         </p:nvPicPr>
         <p:blipFill>
-          <a:blip r:embed="rId3"/>
+          <a:blip r:embed="rId3" cstate="print"/>
           <a:stretch>
             <a:fillRect/>
           </a:stretch>
@@ -8760,7 +8890,7 @@
 </file>
 
 <file path=ppt/slides/slide16.xml><?xml version="1.0" encoding="utf-8"?>
-<p:sld xmlns:a="http://schemas.openxmlformats.org/drawingml/2006/main" xmlns:r="http://schemas.openxmlformats.org/officeDocument/2006/relationships" xmlns:mc="http://schemas.openxmlformats.org/markup-compatibility/2006" xmlns:mv="urn:schemas-microsoft-com:mac:vml" xmlns:p="http://schemas.openxmlformats.org/presentationml/2006/main" mc:Ignorable="mv" mc:PreserveAttributes="mv:*">
+<p:sld xmlns:a="http://schemas.openxmlformats.org/drawingml/2006/main" xmlns:r="http://schemas.openxmlformats.org/officeDocument/2006/relationships" xmlns:p="http://schemas.openxmlformats.org/presentationml/2006/main">
   <p:cSld>
     <p:spTree>
       <p:nvGrpSpPr>
@@ -8813,7 +8943,7 @@
           <p:nvPr/>
         </p:nvPicPr>
         <p:blipFill>
-          <a:blip r:embed="rId3">
+          <a:blip r:embed="rId3" cstate="print">
             <a:alphaModFix amt="41000"/>
           </a:blip>
           <a:stretch>
@@ -8846,7 +8976,7 @@
 </file>
 
 <file path=ppt/slides/slide17.xml><?xml version="1.0" encoding="utf-8"?>
-<p:sld xmlns:a="http://schemas.openxmlformats.org/drawingml/2006/main" xmlns:r="http://schemas.openxmlformats.org/officeDocument/2006/relationships" xmlns:mc="http://schemas.openxmlformats.org/markup-compatibility/2006" xmlns:mv="urn:schemas-microsoft-com:mac:vml" xmlns:p="http://schemas.openxmlformats.org/presentationml/2006/main" mc:Ignorable="mv" mc:PreserveAttributes="mv:*">
+<p:sld xmlns:a="http://schemas.openxmlformats.org/drawingml/2006/main" xmlns:r="http://schemas.openxmlformats.org/officeDocument/2006/relationships" xmlns:p="http://schemas.openxmlformats.org/presentationml/2006/main">
   <p:cSld>
     <p:spTree>
       <p:nvGrpSpPr>
@@ -8871,7 +9001,7 @@
           <p:nvPr/>
         </p:nvPicPr>
         <p:blipFill>
-          <a:blip r:embed="rId2">
+          <a:blip r:embed="rId2" cstate="print">
             <a:alphaModFix amt="41000"/>
           </a:blip>
           <a:stretch>
@@ -8897,7 +9027,7 @@
           <p:nvPr/>
         </p:nvPicPr>
         <p:blipFill>
-          <a:blip r:embed="rId3"/>
+          <a:blip r:embed="rId3" cstate="print"/>
           <a:stretch>
             <a:fillRect/>
           </a:stretch>
@@ -8928,7 +9058,7 @@
 </file>
 
 <file path=ppt/slides/slide18.xml><?xml version="1.0" encoding="utf-8"?>
-<p:sld xmlns:a="http://schemas.openxmlformats.org/drawingml/2006/main" xmlns:r="http://schemas.openxmlformats.org/officeDocument/2006/relationships" xmlns:mc="http://schemas.openxmlformats.org/markup-compatibility/2006" xmlns:mv="urn:schemas-microsoft-com:mac:vml" xmlns:p="http://schemas.openxmlformats.org/presentationml/2006/main" mc:Ignorable="mv" mc:PreserveAttributes="mv:*">
+<p:sld xmlns:a="http://schemas.openxmlformats.org/drawingml/2006/main" xmlns:r="http://schemas.openxmlformats.org/officeDocument/2006/relationships" xmlns:p="http://schemas.openxmlformats.org/presentationml/2006/main">
   <p:cSld>
     <p:spTree>
       <p:nvGrpSpPr>
@@ -9011,7 +9141,7 @@
           <p:nvPr/>
         </p:nvPicPr>
         <p:blipFill>
-          <a:blip r:embed="rId3"/>
+          <a:blip r:embed="rId3" cstate="print"/>
           <a:stretch>
             <a:fillRect/>
           </a:stretch>
@@ -9035,7 +9165,7 @@
           <p:nvPr/>
         </p:nvPicPr>
         <p:blipFill>
-          <a:blip r:embed="rId3"/>
+          <a:blip r:embed="rId3" cstate="print"/>
           <a:stretch>
             <a:fillRect/>
           </a:stretch>
@@ -9059,7 +9189,7 @@
           <p:nvPr/>
         </p:nvPicPr>
         <p:blipFill>
-          <a:blip r:embed="rId3"/>
+          <a:blip r:embed="rId3" cstate="print"/>
           <a:stretch>
             <a:fillRect/>
           </a:stretch>
@@ -9083,7 +9213,7 @@
           <p:nvPr/>
         </p:nvPicPr>
         <p:blipFill>
-          <a:blip r:embed="rId3"/>
+          <a:blip r:embed="rId3" cstate="print"/>
           <a:stretch>
             <a:fillRect/>
           </a:stretch>
@@ -9393,7 +9523,7 @@
           <p:nvPr/>
         </p:nvPicPr>
         <p:blipFill>
-          <a:blip r:embed="rId4">
+          <a:blip r:embed="rId4" cstate="print">
             <a:alphaModFix amt="34000"/>
           </a:blip>
           <a:stretch>
@@ -9426,7 +9556,7 @@
 </file>
 
 <file path=ppt/slides/slide19.xml><?xml version="1.0" encoding="utf-8"?>
-<p:sld xmlns:a="http://schemas.openxmlformats.org/drawingml/2006/main" xmlns:r="http://schemas.openxmlformats.org/officeDocument/2006/relationships" xmlns:mc="http://schemas.openxmlformats.org/markup-compatibility/2006" xmlns:mv="urn:schemas-microsoft-com:mac:vml" xmlns:p="http://schemas.openxmlformats.org/presentationml/2006/main" mc:Ignorable="mv" mc:PreserveAttributes="mv:*">
+<p:sld xmlns:a="http://schemas.openxmlformats.org/drawingml/2006/main" xmlns:r="http://schemas.openxmlformats.org/officeDocument/2006/relationships" xmlns:p="http://schemas.openxmlformats.org/presentationml/2006/main">
   <p:cSld>
     <p:spTree>
       <p:nvGrpSpPr>
@@ -9555,7 +9685,7 @@
           <p:nvPr/>
         </p:nvPicPr>
         <p:blipFill>
-          <a:blip r:embed="rId3">
+          <a:blip r:embed="rId3" cstate="print">
             <a:alphaModFix amt="34000"/>
           </a:blip>
           <a:stretch>
@@ -9588,7 +9718,7 @@
 </file>
 
 <file path=ppt/slides/slide2.xml><?xml version="1.0" encoding="utf-8"?>
-<p:sld xmlns:a="http://schemas.openxmlformats.org/drawingml/2006/main" xmlns:r="http://schemas.openxmlformats.org/officeDocument/2006/relationships" xmlns:mc="http://schemas.openxmlformats.org/markup-compatibility/2006" xmlns:mv="urn:schemas-microsoft-com:mac:vml" xmlns:p="http://schemas.openxmlformats.org/presentationml/2006/main" mc:Ignorable="mv" mc:PreserveAttributes="mv:*">
+<p:sld xmlns:a="http://schemas.openxmlformats.org/drawingml/2006/main" xmlns:r="http://schemas.openxmlformats.org/officeDocument/2006/relationships" xmlns:p="http://schemas.openxmlformats.org/presentationml/2006/main">
   <p:cSld>
     <p:spTree>
       <p:nvGrpSpPr>
@@ -9674,20 +9804,11 @@
           <a:p>
             <a:r>
               <a:rPr lang="en-US" dirty="0" smtClean="0"/>
-              <a:t>not SQL/RDBMS expert (not sorry)</a:t>
-            </a:r>
-          </a:p>
-          <a:p>
-            <a:endParaRPr lang="en-US" dirty="0" smtClean="0"/>
-          </a:p>
-          <a:p>
+              <a:t>not SQL/RDBMS expert (not sorry</a:t>
+            </a:r>
             <a:r>
               <a:rPr lang="en-US" dirty="0" smtClean="0"/>
-              <a:t>president http://</a:t>
-            </a:r>
-            <a:r>
-              <a:rPr lang="en-US" dirty="0" err="1" smtClean="0"/>
-              <a:t>indyalt.net</a:t>
+              <a:t>)</a:t>
             </a:r>
             <a:endParaRPr lang="en-US" dirty="0" smtClean="0"/>
           </a:p>
@@ -9701,11 +9822,18 @@
   <p:clrMapOvr>
     <a:masterClrMapping/>
   </p:clrMapOvr>
+  <p:timing>
+    <p:tnLst>
+      <p:par>
+        <p:cTn id="1" dur="indefinite" restart="never" nodeType="tmRoot"/>
+      </p:par>
+    </p:tnLst>
+  </p:timing>
 </p:sld>
 </file>
 
 <file path=ppt/slides/slide20.xml><?xml version="1.0" encoding="utf-8"?>
-<p:sld xmlns:a="http://schemas.openxmlformats.org/drawingml/2006/main" xmlns:r="http://schemas.openxmlformats.org/officeDocument/2006/relationships" xmlns:mc="http://schemas.openxmlformats.org/markup-compatibility/2006" xmlns:mv="urn:schemas-microsoft-com:mac:vml" xmlns:p="http://schemas.openxmlformats.org/presentationml/2006/main" mc:Ignorable="mv" mc:PreserveAttributes="mv:*">
+<p:sld xmlns:a="http://schemas.openxmlformats.org/drawingml/2006/main" xmlns:r="http://schemas.openxmlformats.org/officeDocument/2006/relationships" xmlns:p="http://schemas.openxmlformats.org/presentationml/2006/main">
   <p:cSld>
     <p:spTree>
       <p:nvGrpSpPr>
@@ -9820,7 +9948,7 @@
           <p:nvPr/>
         </p:nvPicPr>
         <p:blipFill>
-          <a:blip r:embed="rId3"/>
+          <a:blip r:embed="rId3" cstate="print"/>
           <a:stretch>
             <a:fillRect/>
           </a:stretch>
@@ -9844,7 +9972,7 @@
           <p:nvPr/>
         </p:nvPicPr>
         <p:blipFill>
-          <a:blip r:embed="rId4"/>
+          <a:blip r:embed="rId4" cstate="print"/>
           <a:stretch>
             <a:fillRect/>
           </a:stretch>
@@ -9868,7 +9996,7 @@
           <p:nvPr/>
         </p:nvPicPr>
         <p:blipFill>
-          <a:blip r:embed="rId5"/>
+          <a:blip r:embed="rId5" cstate="print"/>
           <a:stretch>
             <a:fillRect/>
           </a:stretch>
@@ -9892,7 +10020,7 @@
           <p:nvPr/>
         </p:nvPicPr>
         <p:blipFill>
-          <a:blip r:embed="rId6"/>
+          <a:blip r:embed="rId6" cstate="print"/>
           <a:stretch>
             <a:fillRect/>
           </a:stretch>
@@ -9916,7 +10044,7 @@
           <p:nvPr/>
         </p:nvPicPr>
         <p:blipFill>
-          <a:blip r:embed="rId7">
+          <a:blip r:embed="rId7" cstate="print">
             <a:alphaModFix amt="34000"/>
           </a:blip>
           <a:stretch>
@@ -9949,7 +10077,7 @@
 </file>
 
 <file path=ppt/slides/slide21.xml><?xml version="1.0" encoding="utf-8"?>
-<p:sld xmlns:a="http://schemas.openxmlformats.org/drawingml/2006/main" xmlns:r="http://schemas.openxmlformats.org/officeDocument/2006/relationships" xmlns:mc="http://schemas.openxmlformats.org/markup-compatibility/2006" xmlns:mv="urn:schemas-microsoft-com:mac:vml" xmlns:p="http://schemas.openxmlformats.org/presentationml/2006/main" mc:Ignorable="mv" mc:PreserveAttributes="mv:*">
+<p:sld xmlns:a="http://schemas.openxmlformats.org/drawingml/2006/main" xmlns:r="http://schemas.openxmlformats.org/officeDocument/2006/relationships" xmlns:p="http://schemas.openxmlformats.org/presentationml/2006/main">
   <p:cSld>
     <p:spTree>
       <p:nvGrpSpPr>
@@ -10078,7 +10206,7 @@
           <p:nvPr/>
         </p:nvPicPr>
         <p:blipFill>
-          <a:blip r:embed="rId3">
+          <a:blip r:embed="rId3" cstate="print">
             <a:alphaModFix amt="34000"/>
           </a:blip>
           <a:stretch>
@@ -10111,7 +10239,7 @@
 </file>
 
 <file path=ppt/slides/slide22.xml><?xml version="1.0" encoding="utf-8"?>
-<p:sld xmlns:a="http://schemas.openxmlformats.org/drawingml/2006/main" xmlns:r="http://schemas.openxmlformats.org/officeDocument/2006/relationships" xmlns:mc="http://schemas.openxmlformats.org/markup-compatibility/2006" xmlns:mv="urn:schemas-microsoft-com:mac:vml" xmlns:p="http://schemas.openxmlformats.org/presentationml/2006/main" mc:Ignorable="mv" mc:PreserveAttributes="mv:*">
+<p:sld xmlns:a="http://schemas.openxmlformats.org/drawingml/2006/main" xmlns:r="http://schemas.openxmlformats.org/officeDocument/2006/relationships" xmlns:p="http://schemas.openxmlformats.org/presentationml/2006/main">
   <p:cSld>
     <p:spTree>
       <p:nvGrpSpPr>
@@ -10136,7 +10264,7 @@
           <p:nvPr/>
         </p:nvPicPr>
         <p:blipFill>
-          <a:blip r:embed="rId3">
+          <a:blip r:embed="rId3" cstate="print">
             <a:alphaModFix amt="41000"/>
           </a:blip>
           <a:stretch>
@@ -10215,21 +10343,7 @@
                 <a:latin typeface="Consolas"/>
                 <a:cs typeface="Consolas"/>
               </a:rPr>
-              <a:t>  date:</a:t>
-            </a:r>
-            <a:r>
-              <a:rPr lang="en-US" sz="2400" dirty="0" smtClean="0">
-                <a:latin typeface="Consolas"/>
-                <a:cs typeface="Consolas"/>
-              </a:rPr>
-              <a:t>’5/22</a:t>
-            </a:r>
-            <a:r>
-              <a:rPr lang="en-US" sz="2400" dirty="0" smtClean="0">
-                <a:latin typeface="Consolas"/>
-                <a:cs typeface="Consolas"/>
-              </a:rPr>
-              <a:t>/2010’,</a:t>
+              <a:t>  date:’5/22/2010’,</a:t>
             </a:r>
           </a:p>
           <a:p>
@@ -10318,7 +10432,7 @@
 </file>
 
 <file path=ppt/slides/slide23.xml><?xml version="1.0" encoding="utf-8"?>
-<p:sld xmlns:a="http://schemas.openxmlformats.org/drawingml/2006/main" xmlns:r="http://schemas.openxmlformats.org/officeDocument/2006/relationships" xmlns:mc="http://schemas.openxmlformats.org/markup-compatibility/2006" xmlns:mv="urn:schemas-microsoft-com:mac:vml" xmlns:p="http://schemas.openxmlformats.org/presentationml/2006/main" mc:Ignorable="mv" mc:PreserveAttributes="mv:*">
+<p:sld xmlns:a="http://schemas.openxmlformats.org/drawingml/2006/main" xmlns:r="http://schemas.openxmlformats.org/officeDocument/2006/relationships" xmlns:p="http://schemas.openxmlformats.org/presentationml/2006/main">
   <p:cSld>
     <p:spTree>
       <p:nvGrpSpPr>
@@ -10411,7 +10525,7 @@
           <p:nvPr/>
         </p:nvPicPr>
         <p:blipFill>
-          <a:blip r:embed="rId3">
+          <a:blip r:embed="rId3" cstate="print">
             <a:alphaModFix amt="41000"/>
           </a:blip>
           <a:stretch>
@@ -10490,21 +10604,7 @@
                 <a:latin typeface="Consolas"/>
                 <a:cs typeface="Consolas"/>
               </a:rPr>
-              <a:t>  date:</a:t>
-            </a:r>
-            <a:r>
-              <a:rPr lang="en-US" sz="2400" dirty="0" smtClean="0">
-                <a:latin typeface="Consolas"/>
-                <a:cs typeface="Consolas"/>
-              </a:rPr>
-              <a:t>’5/22/</a:t>
-            </a:r>
-            <a:r>
-              <a:rPr lang="en-US" sz="2400" dirty="0" smtClean="0">
-                <a:latin typeface="Consolas"/>
-                <a:cs typeface="Consolas"/>
-              </a:rPr>
-              <a:t>2010’,</a:t>
+              <a:t>  date:’5/22/2010’,</a:t>
             </a:r>
           </a:p>
           <a:p>
@@ -10593,7 +10693,7 @@
 </file>
 
 <file path=ppt/slides/slide24.xml><?xml version="1.0" encoding="utf-8"?>
-<p:sld xmlns:a="http://schemas.openxmlformats.org/drawingml/2006/main" xmlns:r="http://schemas.openxmlformats.org/officeDocument/2006/relationships" xmlns:mc="http://schemas.openxmlformats.org/markup-compatibility/2006" xmlns:mv="urn:schemas-microsoft-com:mac:vml" xmlns:p="http://schemas.openxmlformats.org/presentationml/2006/main" mc:Ignorable="mv" mc:PreserveAttributes="mv:*">
+<p:sld xmlns:a="http://schemas.openxmlformats.org/drawingml/2006/main" xmlns:r="http://schemas.openxmlformats.org/officeDocument/2006/relationships" xmlns:p="http://schemas.openxmlformats.org/presentationml/2006/main">
   <p:cSld>
     <p:spTree>
       <p:nvGrpSpPr>
@@ -10692,7 +10792,7 @@
           <p:nvPr/>
         </p:nvPicPr>
         <p:blipFill>
-          <a:blip r:embed="rId3">
+          <a:blip r:embed="rId3" cstate="print">
             <a:alphaModFix amt="34000"/>
           </a:blip>
           <a:stretch>
@@ -10725,7 +10825,7 @@
 </file>
 
 <file path=ppt/slides/slide25.xml><?xml version="1.0" encoding="utf-8"?>
-<p:sld xmlns:a="http://schemas.openxmlformats.org/drawingml/2006/main" xmlns:r="http://schemas.openxmlformats.org/officeDocument/2006/relationships" xmlns:mc="http://schemas.openxmlformats.org/markup-compatibility/2006" xmlns:mv="urn:schemas-microsoft-com:mac:vml" xmlns:p="http://schemas.openxmlformats.org/presentationml/2006/main" mc:Ignorable="mv" mc:PreserveAttributes="mv:*">
+<p:sld xmlns:a="http://schemas.openxmlformats.org/drawingml/2006/main" xmlns:r="http://schemas.openxmlformats.org/officeDocument/2006/relationships" xmlns:p="http://schemas.openxmlformats.org/presentationml/2006/main">
   <p:cSld>
     <p:spTree>
       <p:nvGrpSpPr>
@@ -10818,7 +10918,7 @@
           <p:nvPr/>
         </p:nvPicPr>
         <p:blipFill>
-          <a:blip r:embed="rId3">
+          <a:blip r:embed="rId3" cstate="print">
             <a:alphaModFix amt="41000"/>
           </a:blip>
           <a:stretch>
@@ -10897,21 +10997,7 @@
                 <a:latin typeface="Consolas"/>
                 <a:cs typeface="Consolas"/>
               </a:rPr>
-              <a:t>  date:</a:t>
-            </a:r>
-            <a:r>
-              <a:rPr lang="en-US" sz="2400" dirty="0" smtClean="0">
-                <a:latin typeface="Consolas"/>
-                <a:cs typeface="Consolas"/>
-              </a:rPr>
-              <a:t>’5/22</a:t>
-            </a:r>
-            <a:r>
-              <a:rPr lang="en-US" sz="2400" dirty="0" smtClean="0">
-                <a:latin typeface="Consolas"/>
-                <a:cs typeface="Consolas"/>
-              </a:rPr>
-              <a:t>/2010’,</a:t>
+              <a:t>  date:’5/22/2010’,</a:t>
             </a:r>
           </a:p>
           <a:p>
@@ -11000,7 +11086,7 @@
 </file>
 
 <file path=ppt/slides/slide26.xml><?xml version="1.0" encoding="utf-8"?>
-<p:sld xmlns:a="http://schemas.openxmlformats.org/drawingml/2006/main" xmlns:r="http://schemas.openxmlformats.org/officeDocument/2006/relationships" xmlns:mc="http://schemas.openxmlformats.org/markup-compatibility/2006" xmlns:mv="urn:schemas-microsoft-com:mac:vml" xmlns:p="http://schemas.openxmlformats.org/presentationml/2006/main" mc:Ignorable="mv" mc:PreserveAttributes="mv:*">
+<p:sld xmlns:a="http://schemas.openxmlformats.org/drawingml/2006/main" xmlns:r="http://schemas.openxmlformats.org/officeDocument/2006/relationships" xmlns:p="http://schemas.openxmlformats.org/presentationml/2006/main">
   <p:cSld>
     <p:spTree>
       <p:nvGrpSpPr>
@@ -11053,7 +11139,7 @@
           <p:nvPr/>
         </p:nvPicPr>
         <p:blipFill>
-          <a:blip r:embed="rId3"/>
+          <a:blip r:embed="rId3" cstate="print"/>
           <a:stretch>
             <a:fillRect/>
           </a:stretch>
@@ -11084,7 +11170,7 @@
 </file>
 
 <file path=ppt/slides/slide27.xml><?xml version="1.0" encoding="utf-8"?>
-<p:sld xmlns:a="http://schemas.openxmlformats.org/drawingml/2006/main" xmlns:r="http://schemas.openxmlformats.org/officeDocument/2006/relationships" xmlns:mc="http://schemas.openxmlformats.org/markup-compatibility/2006" xmlns:mv="urn:schemas-microsoft-com:mac:vml" xmlns:p="http://schemas.openxmlformats.org/presentationml/2006/main" mc:Ignorable="mv" mc:PreserveAttributes="mv:*">
+<p:sld xmlns:a="http://schemas.openxmlformats.org/drawingml/2006/main" xmlns:r="http://schemas.openxmlformats.org/officeDocument/2006/relationships" xmlns:p="http://schemas.openxmlformats.org/presentationml/2006/main">
   <p:cSld>
     <p:spTree>
       <p:nvGrpSpPr>
@@ -11175,7 +11261,7 @@
           <p:nvPr/>
         </p:nvPicPr>
         <p:blipFill>
-          <a:blip r:embed="rId3">
+          <a:blip r:embed="rId3" cstate="print">
             <a:alphaModFix amt="34000"/>
           </a:blip>
           <a:stretch>
@@ -11208,7 +11294,7 @@
 </file>
 
 <file path=ppt/slides/slide28.xml><?xml version="1.0" encoding="utf-8"?>
-<p:sld xmlns:a="http://schemas.openxmlformats.org/drawingml/2006/main" xmlns:r="http://schemas.openxmlformats.org/officeDocument/2006/relationships" xmlns:mc="http://schemas.openxmlformats.org/markup-compatibility/2006" xmlns:mv="urn:schemas-microsoft-com:mac:vml" xmlns:p="http://schemas.openxmlformats.org/presentationml/2006/main" mc:Ignorable="mv" mc:PreserveAttributes="mv:*">
+<p:sld xmlns:a="http://schemas.openxmlformats.org/drawingml/2006/main" xmlns:r="http://schemas.openxmlformats.org/officeDocument/2006/relationships" xmlns:p="http://schemas.openxmlformats.org/presentationml/2006/main">
   <p:cSld>
     <p:spTree>
       <p:nvGrpSpPr>
@@ -11317,21 +11403,7 @@
                 <a:latin typeface="Consolas"/>
                 <a:cs typeface="Consolas"/>
               </a:rPr>
-              <a:t>db.papers.find({date:</a:t>
-            </a:r>
-            <a:r>
-              <a:rPr lang="en-US" sz="2400" dirty="0" smtClean="0">
-                <a:latin typeface="Consolas"/>
-                <a:cs typeface="Consolas"/>
-              </a:rPr>
-              <a:t>’5/22</a:t>
-            </a:r>
-            <a:r>
-              <a:rPr lang="en-US" sz="2400" dirty="0" smtClean="0">
-                <a:latin typeface="Consolas"/>
-                <a:cs typeface="Consolas"/>
-              </a:rPr>
-              <a:t>/2010’});</a:t>
+              <a:t>db.papers.find({date:’5/22/2010’});</a:t>
             </a:r>
             <a:endParaRPr lang="en-US" sz="2400" dirty="0">
               <a:latin typeface="Consolas"/>
@@ -11349,7 +11421,7 @@
           <p:nvPr/>
         </p:nvPicPr>
         <p:blipFill>
-          <a:blip r:embed="rId3">
+          <a:blip r:embed="rId3" cstate="print">
             <a:alphaModFix amt="34000"/>
           </a:blip>
           <a:stretch>
@@ -11382,7 +11454,7 @@
 </file>
 
 <file path=ppt/slides/slide29.xml><?xml version="1.0" encoding="utf-8"?>
-<p:sld xmlns:a="http://schemas.openxmlformats.org/drawingml/2006/main" xmlns:r="http://schemas.openxmlformats.org/officeDocument/2006/relationships" xmlns:mc="http://schemas.openxmlformats.org/markup-compatibility/2006" xmlns:mv="urn:schemas-microsoft-com:mac:vml" xmlns:p="http://schemas.openxmlformats.org/presentationml/2006/main" mc:Ignorable="mv" mc:PreserveAttributes="mv:*">
+<p:sld xmlns:a="http://schemas.openxmlformats.org/drawingml/2006/main" xmlns:r="http://schemas.openxmlformats.org/officeDocument/2006/relationships" xmlns:p="http://schemas.openxmlformats.org/presentationml/2006/main">
   <p:cSld>
     <p:spTree>
       <p:nvGrpSpPr>
@@ -11491,21 +11563,7 @@
                 <a:latin typeface="Consolas"/>
                 <a:cs typeface="Consolas"/>
               </a:rPr>
-              <a:t>db.papers.find({date:</a:t>
-            </a:r>
-            <a:r>
-              <a:rPr lang="en-US" sz="2400" dirty="0" smtClean="0">
-                <a:latin typeface="Consolas"/>
-                <a:cs typeface="Consolas"/>
-              </a:rPr>
-              <a:t>’5/22</a:t>
-            </a:r>
-            <a:r>
-              <a:rPr lang="en-US" sz="2400" dirty="0" smtClean="0">
-                <a:latin typeface="Consolas"/>
-                <a:cs typeface="Consolas"/>
-              </a:rPr>
-              <a:t>/2010’});</a:t>
+              <a:t>db.papers.find({date:’5/22/2010’});</a:t>
             </a:r>
             <a:endParaRPr lang="en-US" sz="2400" dirty="0">
               <a:latin typeface="Consolas"/>
@@ -11566,7 +11624,7 @@
           <p:nvPr/>
         </p:nvPicPr>
         <p:blipFill>
-          <a:blip r:embed="rId3">
+          <a:blip r:embed="rId3" cstate="print">
             <a:alphaModFix amt="34000"/>
           </a:blip>
           <a:stretch>
@@ -11599,7 +11657,7 @@
 </file>
 
 <file path=ppt/slides/slide3.xml><?xml version="1.0" encoding="utf-8"?>
-<p:sld xmlns:a="http://schemas.openxmlformats.org/drawingml/2006/main" xmlns:r="http://schemas.openxmlformats.org/officeDocument/2006/relationships" xmlns:mc="http://schemas.openxmlformats.org/markup-compatibility/2006" xmlns:mv="urn:schemas-microsoft-com:mac:vml" xmlns:p="http://schemas.openxmlformats.org/presentationml/2006/main" mc:Ignorable="mv" mc:PreserveAttributes="mv:*">
+<p:sld xmlns:a="http://schemas.openxmlformats.org/drawingml/2006/main" xmlns:r="http://schemas.openxmlformats.org/officeDocument/2006/relationships" xmlns:p="http://schemas.openxmlformats.org/presentationml/2006/main">
   <p:cSld>
     <p:spTree>
       <p:nvGrpSpPr>
@@ -11662,11 +11720,18 @@
   <p:clrMapOvr>
     <a:masterClrMapping/>
   </p:clrMapOvr>
+  <p:timing>
+    <p:tnLst>
+      <p:par>
+        <p:cTn id="1" dur="indefinite" restart="never" nodeType="tmRoot"/>
+      </p:par>
+    </p:tnLst>
+  </p:timing>
 </p:sld>
 </file>
 
 <file path=ppt/slides/slide30.xml><?xml version="1.0" encoding="utf-8"?>
-<p:sld xmlns:a="http://schemas.openxmlformats.org/drawingml/2006/main" xmlns:r="http://schemas.openxmlformats.org/officeDocument/2006/relationships" xmlns:mc="http://schemas.openxmlformats.org/markup-compatibility/2006" xmlns:mv="urn:schemas-microsoft-com:mac:vml" xmlns:p="http://schemas.openxmlformats.org/presentationml/2006/main" mc:Ignorable="mv" mc:PreserveAttributes="mv:*">
+<p:sld xmlns:a="http://schemas.openxmlformats.org/drawingml/2006/main" xmlns:r="http://schemas.openxmlformats.org/officeDocument/2006/relationships" xmlns:p="http://schemas.openxmlformats.org/presentationml/2006/main">
   <p:cSld>
     <p:spTree>
       <p:nvGrpSpPr>
@@ -11793,7 +11858,7 @@
           <p:nvPr/>
         </p:nvPicPr>
         <p:blipFill>
-          <a:blip r:embed="rId3">
+          <a:blip r:embed="rId3" cstate="print">
             <a:alphaModFix amt="34000"/>
           </a:blip>
           <a:stretch>
@@ -11826,7 +11891,7 @@
 </file>
 
 <file path=ppt/slides/slide31.xml><?xml version="1.0" encoding="utf-8"?>
-<p:sld xmlns:a="http://schemas.openxmlformats.org/drawingml/2006/main" xmlns:r="http://schemas.openxmlformats.org/officeDocument/2006/relationships" xmlns:mc="http://schemas.openxmlformats.org/markup-compatibility/2006" xmlns:mv="urn:schemas-microsoft-com:mac:vml" xmlns:p="http://schemas.openxmlformats.org/presentationml/2006/main" mc:Ignorable="mv" mc:PreserveAttributes="mv:*">
+<p:sld xmlns:a="http://schemas.openxmlformats.org/drawingml/2006/main" xmlns:r="http://schemas.openxmlformats.org/officeDocument/2006/relationships" xmlns:p="http://schemas.openxmlformats.org/presentationml/2006/main">
   <p:cSld>
     <p:spTree>
       <p:nvGrpSpPr>
@@ -11954,7 +12019,7 @@
           <p:nvPr/>
         </p:nvPicPr>
         <p:blipFill>
-          <a:blip r:embed="rId3">
+          <a:blip r:embed="rId3" cstate="print">
             <a:alphaModFix amt="34000"/>
           </a:blip>
           <a:stretch>
@@ -11987,7 +12052,7 @@
 </file>
 
 <file path=ppt/slides/slide32.xml><?xml version="1.0" encoding="utf-8"?>
-<p:sld xmlns:a="http://schemas.openxmlformats.org/drawingml/2006/main" xmlns:r="http://schemas.openxmlformats.org/officeDocument/2006/relationships" xmlns:mc="http://schemas.openxmlformats.org/markup-compatibility/2006" xmlns:mv="urn:schemas-microsoft-com:mac:vml" xmlns:p="http://schemas.openxmlformats.org/presentationml/2006/main" mc:Ignorable="mv" mc:PreserveAttributes="mv:*">
+<p:sld xmlns:a="http://schemas.openxmlformats.org/drawingml/2006/main" xmlns:r="http://schemas.openxmlformats.org/officeDocument/2006/relationships" xmlns:p="http://schemas.openxmlformats.org/presentationml/2006/main">
   <p:cSld>
     <p:spTree>
       <p:nvGrpSpPr>
@@ -12195,7 +12260,7 @@
           <p:nvPr/>
         </p:nvPicPr>
         <p:blipFill>
-          <a:blip r:embed="rId3">
+          <a:blip r:embed="rId3" cstate="print">
             <a:alphaModFix amt="34000"/>
           </a:blip>
           <a:stretch>
@@ -12228,7 +12293,7 @@
 </file>
 
 <file path=ppt/slides/slide33.xml><?xml version="1.0" encoding="utf-8"?>
-<p:sld xmlns:a="http://schemas.openxmlformats.org/drawingml/2006/main" xmlns:r="http://schemas.openxmlformats.org/officeDocument/2006/relationships" xmlns:mc="http://schemas.openxmlformats.org/markup-compatibility/2006" xmlns:mv="urn:schemas-microsoft-com:mac:vml" xmlns:p="http://schemas.openxmlformats.org/presentationml/2006/main" mc:Ignorable="mv" mc:PreserveAttributes="mv:*">
+<p:sld xmlns:a="http://schemas.openxmlformats.org/drawingml/2006/main" xmlns:r="http://schemas.openxmlformats.org/officeDocument/2006/relationships" xmlns:p="http://schemas.openxmlformats.org/presentationml/2006/main">
   <p:cSld>
     <p:spTree>
       <p:nvGrpSpPr>
@@ -12281,7 +12346,7 @@
           <p:nvPr/>
         </p:nvPicPr>
         <p:blipFill>
-          <a:blip r:embed="rId3"/>
+          <a:blip r:embed="rId3" cstate="print"/>
           <a:stretch>
             <a:fillRect/>
           </a:stretch>
@@ -12312,7 +12377,7 @@
 </file>
 
 <file path=ppt/slides/slide34.xml><?xml version="1.0" encoding="utf-8"?>
-<p:sld xmlns:a="http://schemas.openxmlformats.org/drawingml/2006/main" xmlns:r="http://schemas.openxmlformats.org/officeDocument/2006/relationships" xmlns:mc="http://schemas.openxmlformats.org/markup-compatibility/2006" xmlns:mv="urn:schemas-microsoft-com:mac:vml" xmlns:p="http://schemas.openxmlformats.org/presentationml/2006/main" mc:Ignorable="mv" mc:PreserveAttributes="mv:*">
+<p:sld xmlns:a="http://schemas.openxmlformats.org/drawingml/2006/main" xmlns:r="http://schemas.openxmlformats.org/officeDocument/2006/relationships" xmlns:p="http://schemas.openxmlformats.org/presentationml/2006/main">
   <p:cSld>
     <p:spTree>
       <p:nvGrpSpPr>
@@ -12412,7 +12477,7 @@
           <p:nvPr/>
         </p:nvPicPr>
         <p:blipFill>
-          <a:blip r:embed="rId3">
+          <a:blip r:embed="rId3" cstate="print">
             <a:alphaModFix amt="34000"/>
           </a:blip>
           <a:stretch>
@@ -12445,7 +12510,7 @@
 </file>
 
 <file path=ppt/slides/slide35.xml><?xml version="1.0" encoding="utf-8"?>
-<p:sld xmlns:a="http://schemas.openxmlformats.org/drawingml/2006/main" xmlns:r="http://schemas.openxmlformats.org/officeDocument/2006/relationships" xmlns:mc="http://schemas.openxmlformats.org/markup-compatibility/2006" xmlns:mv="urn:schemas-microsoft-com:mac:vml" xmlns:p="http://schemas.openxmlformats.org/presentationml/2006/main" mc:Ignorable="mv" mc:PreserveAttributes="mv:*">
+<p:sld xmlns:a="http://schemas.openxmlformats.org/drawingml/2006/main" xmlns:r="http://schemas.openxmlformats.org/officeDocument/2006/relationships" xmlns:p="http://schemas.openxmlformats.org/presentationml/2006/main">
   <p:cSld>
     <p:spTree>
       <p:nvGrpSpPr>
@@ -12559,7 +12624,7 @@
           <p:nvPr/>
         </p:nvPicPr>
         <p:blipFill>
-          <a:blip r:embed="rId3">
+          <a:blip r:embed="rId3" cstate="print">
             <a:alphaModFix amt="34000"/>
           </a:blip>
           <a:stretch>
@@ -12592,7 +12657,7 @@
 </file>
 
 <file path=ppt/slides/slide36.xml><?xml version="1.0" encoding="utf-8"?>
-<p:sld xmlns:a="http://schemas.openxmlformats.org/drawingml/2006/main" xmlns:r="http://schemas.openxmlformats.org/officeDocument/2006/relationships" xmlns:mc="http://schemas.openxmlformats.org/markup-compatibility/2006" xmlns:mv="urn:schemas-microsoft-com:mac:vml" xmlns:p="http://schemas.openxmlformats.org/presentationml/2006/main" mc:Ignorable="mv" mc:PreserveAttributes="mv:*">
+<p:sld xmlns:a="http://schemas.openxmlformats.org/drawingml/2006/main" xmlns:r="http://schemas.openxmlformats.org/officeDocument/2006/relationships" xmlns:p="http://schemas.openxmlformats.org/presentationml/2006/main">
   <p:cSld>
     <p:spTree>
       <p:nvGrpSpPr>
@@ -12706,7 +12771,7 @@
           <p:nvPr/>
         </p:nvPicPr>
         <p:blipFill>
-          <a:blip r:embed="rId3">
+          <a:blip r:embed="rId3" cstate="print">
             <a:alphaModFix amt="34000"/>
           </a:blip>
           <a:stretch>
@@ -12739,7 +12804,7 @@
 </file>
 
 <file path=ppt/slides/slide37.xml><?xml version="1.0" encoding="utf-8"?>
-<p:sld xmlns:a="http://schemas.openxmlformats.org/drawingml/2006/main" xmlns:r="http://schemas.openxmlformats.org/officeDocument/2006/relationships" xmlns:mc="http://schemas.openxmlformats.org/markup-compatibility/2006" xmlns:mv="urn:schemas-microsoft-com:mac:vml" xmlns:p="http://schemas.openxmlformats.org/presentationml/2006/main" mc:Ignorable="mv" mc:PreserveAttributes="mv:*">
+<p:sld xmlns:a="http://schemas.openxmlformats.org/drawingml/2006/main" xmlns:r="http://schemas.openxmlformats.org/officeDocument/2006/relationships" xmlns:p="http://schemas.openxmlformats.org/presentationml/2006/main">
   <p:cSld>
     <p:spTree>
       <p:nvGrpSpPr>
@@ -12764,7 +12829,7 @@
           <p:nvPr/>
         </p:nvPicPr>
         <p:blipFill>
-          <a:blip r:embed="rId3"/>
+          <a:blip r:embed="rId3" cstate="print"/>
           <a:stretch>
             <a:fillRect/>
           </a:stretch>
@@ -12814,7 +12879,7 @@
 </file>
 
 <file path=ppt/slides/slide38.xml><?xml version="1.0" encoding="utf-8"?>
-<p:sld xmlns:a="http://schemas.openxmlformats.org/drawingml/2006/main" xmlns:r="http://schemas.openxmlformats.org/officeDocument/2006/relationships" xmlns:mc="http://schemas.openxmlformats.org/markup-compatibility/2006" xmlns:mv="urn:schemas-microsoft-com:mac:vml" xmlns:p="http://schemas.openxmlformats.org/presentationml/2006/main" mc:Ignorable="mv" mc:PreserveAttributes="mv:*">
+<p:sld xmlns:a="http://schemas.openxmlformats.org/drawingml/2006/main" xmlns:r="http://schemas.openxmlformats.org/officeDocument/2006/relationships" xmlns:p="http://schemas.openxmlformats.org/presentationml/2006/main">
   <p:cSld>
     <p:spTree>
       <p:nvGrpSpPr>
@@ -12858,7 +12923,7 @@
           <p:nvPr/>
         </p:nvPicPr>
         <p:blipFill>
-          <a:blip r:embed="rId3"/>
+          <a:blip r:embed="rId3" cstate="print"/>
           <a:stretch>
             <a:fillRect/>
           </a:stretch>
@@ -12882,7 +12947,7 @@
           <p:nvPr/>
         </p:nvPicPr>
         <p:blipFill>
-          <a:blip r:embed="rId4">
+          <a:blip r:embed="rId4" cstate="print">
             <a:alphaModFix amt="41000"/>
           </a:blip>
           <a:stretch>
@@ -12918,7 +12983,7 @@
 </file>
 
 <file path=ppt/slides/slide39.xml><?xml version="1.0" encoding="utf-8"?>
-<p:sld xmlns:a="http://schemas.openxmlformats.org/drawingml/2006/main" xmlns:r="http://schemas.openxmlformats.org/officeDocument/2006/relationships" xmlns:mc="http://schemas.openxmlformats.org/markup-compatibility/2006" xmlns:mv="urn:schemas-microsoft-com:mac:vml" xmlns:p="http://schemas.openxmlformats.org/presentationml/2006/main" mc:Ignorable="mv" mc:PreserveAttributes="mv:*">
+<p:sld xmlns:a="http://schemas.openxmlformats.org/drawingml/2006/main" xmlns:r="http://schemas.openxmlformats.org/officeDocument/2006/relationships" xmlns:p="http://schemas.openxmlformats.org/presentationml/2006/main">
   <p:cSld>
     <p:spTree>
       <p:nvGrpSpPr>
@@ -13231,7 +13296,7 @@
           <p:nvPr/>
         </p:nvPicPr>
         <p:blipFill>
-          <a:blip r:embed="rId3">
+          <a:blip r:embed="rId3" cstate="print">
             <a:alphaModFix amt="34000"/>
           </a:blip>
           <a:stretch>
@@ -13264,7 +13329,7 @@
 </file>
 
 <file path=ppt/slides/slide4.xml><?xml version="1.0" encoding="utf-8"?>
-<p:sld xmlns:a="http://schemas.openxmlformats.org/drawingml/2006/main" xmlns:r="http://schemas.openxmlformats.org/officeDocument/2006/relationships" xmlns:mc="http://schemas.openxmlformats.org/markup-compatibility/2006" xmlns:mv="urn:schemas-microsoft-com:mac:vml" xmlns:p="http://schemas.openxmlformats.org/presentationml/2006/main" mc:Ignorable="mv" mc:PreserveAttributes="mv:*">
+<p:sld xmlns:a="http://schemas.openxmlformats.org/drawingml/2006/main" xmlns:r="http://schemas.openxmlformats.org/officeDocument/2006/relationships" xmlns:p="http://schemas.openxmlformats.org/presentationml/2006/main">
   <p:cSld>
     <p:spTree>
       <p:nvGrpSpPr>
@@ -13313,11 +13378,18 @@
   <p:clrMapOvr>
     <a:masterClrMapping/>
   </p:clrMapOvr>
+  <p:timing>
+    <p:tnLst>
+      <p:par>
+        <p:cTn id="1" dur="indefinite" restart="never" nodeType="tmRoot"/>
+      </p:par>
+    </p:tnLst>
+  </p:timing>
 </p:sld>
 </file>
 
 <file path=ppt/slides/slide40.xml><?xml version="1.0" encoding="utf-8"?>
-<p:sld xmlns:a="http://schemas.openxmlformats.org/drawingml/2006/main" xmlns:r="http://schemas.openxmlformats.org/officeDocument/2006/relationships" xmlns:mc="http://schemas.openxmlformats.org/markup-compatibility/2006" xmlns:mv="urn:schemas-microsoft-com:mac:vml" xmlns:p="http://schemas.openxmlformats.org/presentationml/2006/main" mc:Ignorable="mv" mc:PreserveAttributes="mv:*">
+<p:sld xmlns:a="http://schemas.openxmlformats.org/drawingml/2006/main" xmlns:r="http://schemas.openxmlformats.org/officeDocument/2006/relationships" xmlns:p="http://schemas.openxmlformats.org/presentationml/2006/main">
   <p:cSld>
     <p:spTree>
       <p:nvGrpSpPr>
@@ -13342,7 +13414,7 @@
           <p:nvPr/>
         </p:nvPicPr>
         <p:blipFill>
-          <a:blip r:embed="rId3"/>
+          <a:blip r:embed="rId3" cstate="print"/>
           <a:stretch>
             <a:fillRect/>
           </a:stretch>
@@ -13392,7 +13464,7 @@
 </file>
 
 <file path=ppt/slides/slide41.xml><?xml version="1.0" encoding="utf-8"?>
-<p:sld xmlns:a="http://schemas.openxmlformats.org/drawingml/2006/main" xmlns:r="http://schemas.openxmlformats.org/officeDocument/2006/relationships" xmlns:mc="http://schemas.openxmlformats.org/markup-compatibility/2006" xmlns:mv="urn:schemas-microsoft-com:mac:vml" xmlns:p="http://schemas.openxmlformats.org/presentationml/2006/main" mc:Ignorable="mv" mc:PreserveAttributes="mv:*">
+<p:sld xmlns:a="http://schemas.openxmlformats.org/drawingml/2006/main" xmlns:r="http://schemas.openxmlformats.org/officeDocument/2006/relationships" xmlns:p="http://schemas.openxmlformats.org/presentationml/2006/main">
   <p:cSld>
     <p:spTree>
       <p:nvGrpSpPr>
@@ -13417,7 +13489,7 @@
           <p:nvPr/>
         </p:nvPicPr>
         <p:blipFill>
-          <a:blip r:embed="rId3"/>
+          <a:blip r:embed="rId3" cstate="print"/>
           <a:stretch>
             <a:fillRect/>
           </a:stretch>
@@ -13441,7 +13513,7 @@
 </file>
 
 <file path=ppt/slides/slide42.xml><?xml version="1.0" encoding="utf-8"?>
-<p:sld xmlns:a="http://schemas.openxmlformats.org/drawingml/2006/main" xmlns:r="http://schemas.openxmlformats.org/officeDocument/2006/relationships" xmlns:mc="http://schemas.openxmlformats.org/markup-compatibility/2006" xmlns:mv="urn:schemas-microsoft-com:mac:vml" xmlns:p="http://schemas.openxmlformats.org/presentationml/2006/main" mc:Ignorable="mv" mc:PreserveAttributes="mv:*">
+<p:sld xmlns:a="http://schemas.openxmlformats.org/drawingml/2006/main" xmlns:r="http://schemas.openxmlformats.org/officeDocument/2006/relationships" xmlns:p="http://schemas.openxmlformats.org/presentationml/2006/main">
   <p:cSld>
     <p:spTree>
       <p:nvGrpSpPr>
@@ -13508,7 +13580,7 @@
           <p:nvPr/>
         </p:nvPicPr>
         <p:blipFill>
-          <a:blip r:embed="rId3">
+          <a:blip r:embed="rId3" cstate="print">
             <a:alphaModFix amt="34000"/>
           </a:blip>
           <a:stretch>
@@ -13534,7 +13606,7 @@
           <p:nvPr/>
         </p:nvPicPr>
         <p:blipFill>
-          <a:blip r:embed="rId4"/>
+          <a:blip r:embed="rId4" cstate="print"/>
           <a:stretch>
             <a:fillRect/>
           </a:stretch>
@@ -13558,7 +13630,7 @@
           <p:nvPr/>
         </p:nvPicPr>
         <p:blipFill>
-          <a:blip r:embed="rId5"/>
+          <a:blip r:embed="rId5" cstate="print"/>
           <a:stretch>
             <a:fillRect/>
           </a:stretch>
@@ -13582,7 +13654,7 @@
           <p:nvPr/>
         </p:nvPicPr>
         <p:blipFill>
-          <a:blip r:embed="rId6"/>
+          <a:blip r:embed="rId6" cstate="print"/>
           <a:stretch>
             <a:fillRect/>
           </a:stretch>
@@ -13606,7 +13678,7 @@
           <p:nvPr/>
         </p:nvPicPr>
         <p:blipFill>
-          <a:blip r:embed="rId7"/>
+          <a:blip r:embed="rId7" cstate="print"/>
           <a:stretch>
             <a:fillRect/>
           </a:stretch>
@@ -13637,7 +13709,7 @@
 </file>
 
 <file path=ppt/slides/slide43.xml><?xml version="1.0" encoding="utf-8"?>
-<p:sld xmlns:a="http://schemas.openxmlformats.org/drawingml/2006/main" xmlns:r="http://schemas.openxmlformats.org/officeDocument/2006/relationships" xmlns:mc="http://schemas.openxmlformats.org/markup-compatibility/2006" xmlns:mv="urn:schemas-microsoft-com:mac:vml" xmlns:p="http://schemas.openxmlformats.org/presentationml/2006/main" mc:Ignorable="mv" mc:PreserveAttributes="mv:*">
+<p:sld xmlns:a="http://schemas.openxmlformats.org/drawingml/2006/main" xmlns:r="http://schemas.openxmlformats.org/officeDocument/2006/relationships" xmlns:p="http://schemas.openxmlformats.org/presentationml/2006/main">
   <p:cSld>
     <p:spTree>
       <p:nvGrpSpPr>
@@ -13918,7 +13990,7 @@
           <p:nvPr/>
         </p:nvPicPr>
         <p:blipFill>
-          <a:blip r:embed="rId3">
+          <a:blip r:embed="rId3" cstate="print">
             <a:alphaModFix amt="34000"/>
           </a:blip>
           <a:stretch>
@@ -13951,7 +14023,7 @@
 </file>
 
 <file path=ppt/slides/slide44.xml><?xml version="1.0" encoding="utf-8"?>
-<p:sld xmlns:a="http://schemas.openxmlformats.org/drawingml/2006/main" xmlns:r="http://schemas.openxmlformats.org/officeDocument/2006/relationships" xmlns:mc="http://schemas.openxmlformats.org/markup-compatibility/2006" xmlns:mv="urn:schemas-microsoft-com:mac:vml" xmlns:p="http://schemas.openxmlformats.org/presentationml/2006/main" mc:Ignorable="mv" mc:PreserveAttributes="mv:*">
+<p:sld xmlns:a="http://schemas.openxmlformats.org/drawingml/2006/main" xmlns:r="http://schemas.openxmlformats.org/officeDocument/2006/relationships" xmlns:p="http://schemas.openxmlformats.org/presentationml/2006/main">
   <p:cSld>
     <p:spTree>
       <p:nvGrpSpPr>
@@ -14015,25 +14087,16 @@
             <a:pPr lvl="1"/>
             <a:r>
               <a:rPr lang="en-US" dirty="0" smtClean="0"/>
-              <a:t>http:/</a:t>
+              <a:t>http://</a:t>
+            </a:r>
+            <a:r>
+              <a:rPr lang="en-US" dirty="0" err="1" smtClean="0"/>
+              <a:t>github.com/atheken/NoRM</a:t>
             </a:r>
             <a:r>
               <a:rPr lang="en-US" dirty="0" smtClean="0"/>
               <a:t>/</a:t>
             </a:r>
-            <a:r>
-              <a:rPr lang="en-US" dirty="0" err="1" smtClean="0"/>
-              <a:t>github</a:t>
-            </a:r>
-            <a:r>
-              <a:rPr lang="en-US" dirty="0" err="1" smtClean="0"/>
-              <a:t>.com/atheken/NoRM</a:t>
-            </a:r>
-            <a:r>
-              <a:rPr lang="en-US" dirty="0" smtClean="0"/>
-              <a:t>/</a:t>
-            </a:r>
-            <a:endParaRPr lang="en-US" dirty="0" smtClean="0"/>
           </a:p>
           <a:p>
             <a:endParaRPr lang="en-US" dirty="0" smtClean="0"/>
@@ -14064,7 +14127,7 @@
           <p:nvPr/>
         </p:nvPicPr>
         <p:blipFill>
-          <a:blip r:embed="rId3">
+          <a:blip r:embed="rId3" cstate="print">
             <a:alphaModFix amt="34000"/>
           </a:blip>
           <a:stretch>
@@ -14090,7 +14153,7 @@
 </file>
 
 <file path=ppt/slides/slide45.xml><?xml version="1.0" encoding="utf-8"?>
-<p:sld xmlns:a="http://schemas.openxmlformats.org/drawingml/2006/main" xmlns:r="http://schemas.openxmlformats.org/officeDocument/2006/relationships" xmlns:mc="http://schemas.openxmlformats.org/markup-compatibility/2006" xmlns:mv="urn:schemas-microsoft-com:mac:vml" xmlns:p="http://schemas.openxmlformats.org/presentationml/2006/main" mc:Ignorable="mv" mc:PreserveAttributes="mv:*">
+<p:sld xmlns:a="http://schemas.openxmlformats.org/drawingml/2006/main" xmlns:r="http://schemas.openxmlformats.org/officeDocument/2006/relationships" xmlns:p="http://schemas.openxmlformats.org/presentationml/2006/main">
   <p:cSld>
     <p:spTree>
       <p:nvGrpSpPr>
@@ -14435,24 +14498,7 @@
                 <a:ea typeface="+mj-ea"/>
                 <a:cs typeface="+mj-cs"/>
               </a:rPr>
-              <a:t>ithub.com/jonfuller</a:t>
-            </a:r>
-            <a:r>
-              <a:rPr kumimoji="0" lang="en-US" sz="4400" b="0" i="0" u="none" strike="noStrike" kern="1200" cap="none" spc="0" normalizeH="0" baseline="0" noProof="0" dirty="0" err="1" smtClean="0">
-                <a:ln>
-                  <a:noFill/>
-                </a:ln>
-                <a:solidFill>
-                  <a:schemeClr val="tx1"/>
-                </a:solidFill>
-                <a:effectLst/>
-                <a:uLnTx/>
-                <a:uFillTx/>
-                <a:latin typeface="+mj-lt"/>
-                <a:ea typeface="+mj-ea"/>
-                <a:cs typeface="+mj-cs"/>
-              </a:rPr>
-              <a:t>/presentations</a:t>
+              <a:t>ithub.com/jonfuller/presentations</a:t>
             </a:r>
             <a:endParaRPr kumimoji="0" lang="en-US" sz="4400" b="0" i="0" u="none" strike="noStrike" kern="1200" cap="none" spc="0" normalizeH="0" baseline="0" noProof="0" dirty="0" smtClean="0">
               <a:ln>
@@ -14480,7 +14526,7 @@
           <p:nvPr/>
         </p:nvPicPr>
         <p:blipFill>
-          <a:blip r:embed="rId3">
+          <a:blip r:embed="rId3" cstate="print">
             <a:alphaModFix amt="34000"/>
           </a:blip>
           <a:stretch>
@@ -14513,7 +14559,7 @@
 </file>
 
 <file path=ppt/slides/slide5.xml><?xml version="1.0" encoding="utf-8"?>
-<p:sld xmlns:a="http://schemas.openxmlformats.org/drawingml/2006/main" xmlns:r="http://schemas.openxmlformats.org/officeDocument/2006/relationships" xmlns:mc="http://schemas.openxmlformats.org/markup-compatibility/2006" xmlns:mv="urn:schemas-microsoft-com:mac:vml" xmlns:p="http://schemas.openxmlformats.org/presentationml/2006/main" mc:Ignorable="mv" mc:PreserveAttributes="mv:*">
+<p:sld xmlns:a="http://schemas.openxmlformats.org/drawingml/2006/main" xmlns:r="http://schemas.openxmlformats.org/officeDocument/2006/relationships" xmlns:p="http://schemas.openxmlformats.org/presentationml/2006/main">
   <p:cSld>
     <p:spTree>
       <p:nvGrpSpPr>
@@ -14529,25 +14575,6 @@
           <a:chExt cx="0" cy="0"/>
         </a:xfrm>
       </p:grpSpPr>
-      <p:sp>
-        <p:nvSpPr>
-          <p:cNvPr id="3" name="Title 2"/>
-          <p:cNvSpPr>
-            <a:spLocks noGrp="1"/>
-          </p:cNvSpPr>
-          <p:nvPr>
-            <p:ph type="title"/>
-          </p:nvPr>
-        </p:nvSpPr>
-        <p:spPr/>
-        <p:txBody>
-          <a:bodyPr/>
-          <a:lstStyle/>
-          <a:p>
-            <a:endParaRPr lang="en-US"/>
-          </a:p>
-        </p:txBody>
-      </p:sp>
       <p:pic>
         <p:nvPicPr>
           <p:cNvPr id="5" name="Picture 4"/>
@@ -14557,7 +14584,7 @@
           <p:nvPr/>
         </p:nvPicPr>
         <p:blipFill>
-          <a:blip r:embed="rId3"/>
+          <a:blip r:embed="rId3" cstate="print"/>
           <a:stretch>
             <a:fillRect/>
           </a:stretch>
@@ -14572,16 +14599,221 @@
           </a:prstGeom>
         </p:spPr>
       </p:pic>
+      <p:pic>
+        <p:nvPicPr>
+          <p:cNvPr id="82946" name="Picture 2" descr="http://media.mongodb.org/logo-mongodb.png"/>
+          <p:cNvPicPr>
+            <a:picLocks noChangeAspect="1" noChangeArrowheads="1"/>
+          </p:cNvPicPr>
+          <p:nvPr/>
+        </p:nvPicPr>
+        <p:blipFill>
+          <a:blip r:embed="rId4" cstate="print"/>
+          <a:srcRect/>
+          <a:stretch>
+            <a:fillRect/>
+          </a:stretch>
+        </p:blipFill>
+        <p:spPr bwMode="auto">
+          <a:xfrm rot="5400000">
+            <a:off x="1319629" y="3557171"/>
+            <a:ext cx="1219201" cy="505660"/>
+          </a:xfrm>
+          <a:prstGeom prst="rect">
+            <a:avLst/>
+          </a:prstGeom>
+          <a:noFill/>
+        </p:spPr>
+      </p:pic>
+      <p:pic>
+        <p:nvPicPr>
+          <p:cNvPr id="82948" name="Picture 4" descr="http://simplyeasy.files.wordpress.com/2008/08/sql-logo.png"/>
+          <p:cNvPicPr>
+            <a:picLocks noChangeAspect="1" noChangeArrowheads="1"/>
+          </p:cNvPicPr>
+          <p:nvPr/>
+        </p:nvPicPr>
+        <p:blipFill>
+          <a:blip r:embed="rId5" cstate="print"/>
+          <a:srcRect/>
+          <a:stretch>
+            <a:fillRect/>
+          </a:stretch>
+        </p:blipFill>
+        <p:spPr bwMode="auto">
+          <a:xfrm>
+            <a:off x="7086600" y="3505200"/>
+            <a:ext cx="457200" cy="457200"/>
+          </a:xfrm>
+          <a:prstGeom prst="rect">
+            <a:avLst/>
+          </a:prstGeom>
+          <a:noFill/>
+        </p:spPr>
+      </p:pic>
+      <p:sp>
+        <p:nvSpPr>
+          <p:cNvPr id="7" name="Title 1"/>
+          <p:cNvSpPr>
+            <a:spLocks noGrp="1"/>
+          </p:cNvSpPr>
+          <p:nvPr>
+            <p:ph type="title"/>
+          </p:nvPr>
+        </p:nvSpPr>
+        <p:spPr>
+          <a:xfrm>
+            <a:off x="457200" y="152400"/>
+            <a:ext cx="8229600" cy="1143000"/>
+          </a:xfrm>
+        </p:spPr>
+        <p:txBody>
+          <a:bodyPr/>
+          <a:lstStyle/>
+          <a:p>
+            <a:r>
+              <a:rPr lang="en-US" dirty="0" smtClean="0"/>
+              <a:t>Us vs. Them</a:t>
+            </a:r>
+            <a:endParaRPr lang="en-US" dirty="0"/>
+          </a:p>
+        </p:txBody>
+      </p:sp>
+      <p:sp>
+        <p:nvSpPr>
+          <p:cNvPr id="8" name="&quot;No&quot; Symbol 7"/>
+          <p:cNvSpPr/>
+          <p:nvPr/>
+        </p:nvSpPr>
+        <p:spPr>
+          <a:xfrm>
+            <a:off x="1905000" y="914400"/>
+            <a:ext cx="5029200" cy="5029200"/>
+          </a:xfrm>
+          <a:prstGeom prst="noSmoking">
+            <a:avLst>
+              <a:gd name="adj" fmla="val 8699"/>
+            </a:avLst>
+          </a:prstGeom>
+          <a:solidFill>
+            <a:srgbClr val="C00000"/>
+          </a:solidFill>
+        </p:spPr>
+        <p:style>
+          <a:lnRef idx="1">
+            <a:schemeClr val="accent2"/>
+          </a:lnRef>
+          <a:fillRef idx="3">
+            <a:schemeClr val="accent2"/>
+          </a:fillRef>
+          <a:effectRef idx="2">
+            <a:schemeClr val="accent2"/>
+          </a:effectRef>
+          <a:fontRef idx="minor">
+            <a:schemeClr val="lt1"/>
+          </a:fontRef>
+        </p:style>
+        <p:txBody>
+          <a:bodyPr rtlCol="0" anchor="ctr"/>
+          <a:lstStyle/>
+          <a:p>
+            <a:pPr algn="ctr"/>
+            <a:endParaRPr lang="en-US">
+              <a:solidFill>
+                <a:schemeClr val="tx1"/>
+              </a:solidFill>
+            </a:endParaRPr>
+          </a:p>
+        </p:txBody>
+      </p:sp>
     </p:spTree>
   </p:cSld>
   <p:clrMapOvr>
     <a:masterClrMapping/>
   </p:clrMapOvr>
+  <p:timing>
+    <p:tnLst>
+      <p:par>
+        <p:cTn id="1" dur="indefinite" restart="never" nodeType="tmRoot">
+          <p:childTnLst>
+            <p:seq concurrent="1" nextAc="seek">
+              <p:cTn id="2" dur="indefinite" nodeType="mainSeq">
+                <p:childTnLst>
+                  <p:par>
+                    <p:cTn id="3" fill="hold">
+                      <p:stCondLst>
+                        <p:cond delay="indefinite"/>
+                      </p:stCondLst>
+                      <p:childTnLst>
+                        <p:par>
+                          <p:cTn id="4" fill="hold">
+                            <p:stCondLst>
+                              <p:cond delay="0"/>
+                            </p:stCondLst>
+                            <p:childTnLst>
+                              <p:par>
+                                <p:cTn id="5" presetID="1" presetClass="entr" presetSubtype="0" fill="hold" grpId="0" nodeType="clickEffect">
+                                  <p:stCondLst>
+                                    <p:cond delay="0"/>
+                                  </p:stCondLst>
+                                  <p:childTnLst>
+                                    <p:set>
+                                      <p:cBhvr>
+                                        <p:cTn id="6" dur="1" fill="hold">
+                                          <p:stCondLst>
+                                            <p:cond delay="0"/>
+                                          </p:stCondLst>
+                                        </p:cTn>
+                                        <p:tgtEl>
+                                          <p:spTgt spid="8"/>
+                                        </p:tgtEl>
+                                        <p:attrNameLst>
+                                          <p:attrName>style.visibility</p:attrName>
+                                        </p:attrNameLst>
+                                      </p:cBhvr>
+                                      <p:to>
+                                        <p:strVal val="visible"/>
+                                      </p:to>
+                                    </p:set>
+                                  </p:childTnLst>
+                                </p:cTn>
+                              </p:par>
+                            </p:childTnLst>
+                          </p:cTn>
+                        </p:par>
+                      </p:childTnLst>
+                    </p:cTn>
+                  </p:par>
+                </p:childTnLst>
+              </p:cTn>
+              <p:prevCondLst>
+                <p:cond evt="onPrev" delay="0">
+                  <p:tgtEl>
+                    <p:sldTgt/>
+                  </p:tgtEl>
+                </p:cond>
+              </p:prevCondLst>
+              <p:nextCondLst>
+                <p:cond evt="onNext" delay="0">
+                  <p:tgtEl>
+                    <p:sldTgt/>
+                  </p:tgtEl>
+                </p:cond>
+              </p:nextCondLst>
+            </p:seq>
+          </p:childTnLst>
+        </p:cTn>
+      </p:par>
+    </p:tnLst>
+    <p:bldLst>
+      <p:bldP spid="8" grpId="0" animBg="1"/>
+    </p:bldLst>
+  </p:timing>
 </p:sld>
 </file>
 
 <file path=ppt/slides/slide6.xml><?xml version="1.0" encoding="utf-8"?>
-<p:sld xmlns:a="http://schemas.openxmlformats.org/drawingml/2006/main" xmlns:r="http://schemas.openxmlformats.org/officeDocument/2006/relationships" xmlns:mc="http://schemas.openxmlformats.org/markup-compatibility/2006" xmlns:mv="urn:schemas-microsoft-com:mac:vml" xmlns:p="http://schemas.openxmlformats.org/presentationml/2006/main" mc:Ignorable="mv" mc:PreserveAttributes="mv:*">
+<p:sld xmlns:a="http://schemas.openxmlformats.org/drawingml/2006/main" xmlns:r="http://schemas.openxmlformats.org/officeDocument/2006/relationships" xmlns:p="http://schemas.openxmlformats.org/presentationml/2006/main">
   <p:cSld>
     <p:spTree>
       <p:nvGrpSpPr>
@@ -14625,7 +14857,7 @@
           <p:nvPr/>
         </p:nvPicPr>
         <p:blipFill>
-          <a:blip r:embed="rId3"/>
+          <a:blip r:embed="rId3" cstate="print"/>
           <a:stretch>
             <a:fillRect/>
           </a:stretch>
@@ -14749,11 +14981,18 @@
   <p:clrMapOvr>
     <a:masterClrMapping/>
   </p:clrMapOvr>
+  <p:timing>
+    <p:tnLst>
+      <p:par>
+        <p:cTn id="1" dur="indefinite" restart="never" nodeType="tmRoot"/>
+      </p:par>
+    </p:tnLst>
+  </p:timing>
 </p:sld>
 </file>
 
 <file path=ppt/slides/slide7.xml><?xml version="1.0" encoding="utf-8"?>
-<p:sld xmlns:a="http://schemas.openxmlformats.org/drawingml/2006/main" xmlns:r="http://schemas.openxmlformats.org/officeDocument/2006/relationships" xmlns:mc="http://schemas.openxmlformats.org/markup-compatibility/2006" xmlns:mv="urn:schemas-microsoft-com:mac:vml" xmlns:p="http://schemas.openxmlformats.org/presentationml/2006/main" mc:Ignorable="mv" mc:PreserveAttributes="mv:*">
+<p:sld xmlns:a="http://schemas.openxmlformats.org/drawingml/2006/main" xmlns:r="http://schemas.openxmlformats.org/officeDocument/2006/relationships" xmlns:p="http://schemas.openxmlformats.org/presentationml/2006/main">
   <p:cSld>
     <p:spTree>
       <p:nvGrpSpPr>
@@ -14797,7 +15036,7 @@
           <p:nvPr/>
         </p:nvPicPr>
         <p:blipFill>
-          <a:blip r:embed="rId3"/>
+          <a:blip r:embed="rId3" cstate="print"/>
           <a:stretch>
             <a:fillRect/>
           </a:stretch>
@@ -14817,11 +15056,18 @@
   <p:clrMapOvr>
     <a:masterClrMapping/>
   </p:clrMapOvr>
+  <p:timing>
+    <p:tnLst>
+      <p:par>
+        <p:cTn id="1" dur="indefinite" restart="never" nodeType="tmRoot"/>
+      </p:par>
+    </p:tnLst>
+  </p:timing>
 </p:sld>
 </file>
 
 <file path=ppt/slides/slide8.xml><?xml version="1.0" encoding="utf-8"?>
-<p:sld xmlns:a="http://schemas.openxmlformats.org/drawingml/2006/main" xmlns:r="http://schemas.openxmlformats.org/officeDocument/2006/relationships" xmlns:mc="http://schemas.openxmlformats.org/markup-compatibility/2006" xmlns:mv="urn:schemas-microsoft-com:mac:vml" xmlns:p="http://schemas.openxmlformats.org/presentationml/2006/main" mc:Ignorable="mv" mc:PreserveAttributes="mv:*">
+<p:sld xmlns:a="http://schemas.openxmlformats.org/drawingml/2006/main" xmlns:r="http://schemas.openxmlformats.org/officeDocument/2006/relationships" xmlns:p="http://schemas.openxmlformats.org/presentationml/2006/main">
   <p:cSld>
     <p:spTree>
       <p:nvGrpSpPr>
@@ -14865,7 +15111,7 @@
           <p:nvPr/>
         </p:nvPicPr>
         <p:blipFill>
-          <a:blip r:embed="rId3"/>
+          <a:blip r:embed="rId3" cstate="print"/>
           <a:stretch>
             <a:fillRect/>
           </a:stretch>
@@ -14885,11 +15131,18 @@
   <p:clrMapOvr>
     <a:masterClrMapping/>
   </p:clrMapOvr>
+  <p:timing>
+    <p:tnLst>
+      <p:par>
+        <p:cTn id="1" dur="indefinite" restart="never" nodeType="tmRoot"/>
+      </p:par>
+    </p:tnLst>
+  </p:timing>
 </p:sld>
 </file>
 
 <file path=ppt/slides/slide9.xml><?xml version="1.0" encoding="utf-8"?>
-<p:sld xmlns:a="http://schemas.openxmlformats.org/drawingml/2006/main" xmlns:r="http://schemas.openxmlformats.org/officeDocument/2006/relationships" xmlns:mc="http://schemas.openxmlformats.org/markup-compatibility/2006" xmlns:mv="urn:schemas-microsoft-com:mac:vml" xmlns:p="http://schemas.openxmlformats.org/presentationml/2006/main" mc:Ignorable="mv" mc:PreserveAttributes="mv:*">
+<p:sld xmlns:a="http://schemas.openxmlformats.org/drawingml/2006/main" xmlns:r="http://schemas.openxmlformats.org/officeDocument/2006/relationships" xmlns:p="http://schemas.openxmlformats.org/presentationml/2006/main">
   <p:cSld>
     <p:spTree>
       <p:nvGrpSpPr>
@@ -14972,7 +15225,7 @@
           <p:nvPr/>
         </p:nvPicPr>
         <p:blipFill>
-          <a:blip r:embed="rId2"/>
+          <a:blip r:embed="rId2" cstate="print"/>
           <a:stretch>
             <a:fillRect/>
           </a:stretch>
@@ -14996,7 +15249,7 @@
           <p:nvPr/>
         </p:nvPicPr>
         <p:blipFill>
-          <a:blip r:embed="rId2"/>
+          <a:blip r:embed="rId2" cstate="print"/>
           <a:stretch>
             <a:fillRect/>
           </a:stretch>
@@ -15020,7 +15273,7 @@
           <p:nvPr/>
         </p:nvPicPr>
         <p:blipFill>
-          <a:blip r:embed="rId2"/>
+          <a:blip r:embed="rId2" cstate="print"/>
           <a:stretch>
             <a:fillRect/>
           </a:stretch>
@@ -15044,7 +15297,7 @@
           <p:nvPr/>
         </p:nvPicPr>
         <p:blipFill>
-          <a:blip r:embed="rId2"/>
+          <a:blip r:embed="rId2" cstate="print"/>
           <a:stretch>
             <a:fillRect/>
           </a:stretch>

--- a/mongo.pptx
+++ b/mongo.pptx
@@ -237,7 +237,7 @@
             <a:fld id="{44EEA061-6E3C-4041-AB5B-95EBC9B50AA1}" type="datetimeFigureOut">
               <a:rPr lang="en-US" smtClean="0"/>
               <a:pPr/>
-              <a:t>9/14/2010</a:t>
+              <a:t>9/15/2010</a:t>
             </a:fld>
             <a:endParaRPr lang="en-US"/>
           </a:p>
@@ -743,11 +743,7 @@
             </a:r>
             <a:r>
               <a:rPr lang="en-US" baseline="0" dirty="0" smtClean="0"/>
-              <a:t> lot easier, because all the data will be local on a given box.  Allowing us to scale </a:t>
-            </a:r>
-            <a:r>
-              <a:rPr lang="en-US" baseline="0" dirty="0" smtClean="0"/>
-              <a:t>horizontally with </a:t>
+              <a:t> lot easier, because all the data will be local on a given box.  Allowing us to scale horizontally with </a:t>
             </a:r>
             <a:r>
               <a:rPr lang="en-US" baseline="0" smtClean="0"/>
@@ -1794,11 +1790,7 @@
             </a:pPr>
             <a:r>
               <a:rPr lang="en-US" dirty="0" smtClean="0"/>
-              <a:t>who </a:t>
-            </a:r>
-            <a:r>
-              <a:rPr lang="en-US" dirty="0" smtClean="0"/>
-              <a:t>has heard of </a:t>
+              <a:t>who has heard of </a:t>
             </a:r>
             <a:r>
               <a:rPr lang="en-US" dirty="0" err="1" smtClean="0"/>
@@ -4138,11 +4130,7 @@
           <a:p>
             <a:r>
               <a:rPr lang="en-US" baseline="0" dirty="0" smtClean="0"/>
-              <a:t>Today I’ll be focusing on alternative strategies, but I’d like to be clear that I’m not trying to paint the picture of we’re awesome, they’re </a:t>
-            </a:r>
-            <a:r>
-              <a:rPr lang="en-US" baseline="0" dirty="0" smtClean="0"/>
-              <a:t>not</a:t>
+              <a:t>Today I’ll be focusing on alternative strategies, but I’d like to be clear that I’m not trying to paint the picture of we’re awesome, they’re not</a:t>
             </a:r>
             <a:endParaRPr lang="en-US" dirty="0" smtClean="0"/>
           </a:p>
@@ -4827,15 +4815,7 @@
             </a:r>
             <a:r>
               <a:rPr lang="en-US" baseline="0" dirty="0" smtClean="0"/>
-              <a:t> (sort of like the golden triangle of </a:t>
-            </a:r>
-            <a:r>
-              <a:rPr lang="en-US" baseline="0" dirty="0" smtClean="0"/>
-              <a:t>quality/budget/scope triangle </a:t>
-            </a:r>
-            <a:r>
-              <a:rPr lang="en-US" baseline="0" dirty="0" smtClean="0"/>
-              <a:t>of software systems)</a:t>
+              <a:t> (sort of like the golden triangle of quality/budget/scope triangle of software systems)</a:t>
             </a:r>
           </a:p>
           <a:p>
@@ -5388,7 +5368,7 @@
             <a:fld id="{2CEF3801-4993-4C5B-BE4A-0FC428F3EE6B}" type="datetimeFigureOut">
               <a:rPr lang="en-US" smtClean="0"/>
               <a:pPr/>
-              <a:t>9/14/2010</a:t>
+              <a:t>9/15/2010</a:t>
             </a:fld>
             <a:endParaRPr lang="en-US"/>
           </a:p>
@@ -5555,7 +5535,7 @@
             <a:fld id="{2CEF3801-4993-4C5B-BE4A-0FC428F3EE6B}" type="datetimeFigureOut">
               <a:rPr lang="en-US" smtClean="0"/>
               <a:pPr/>
-              <a:t>9/14/2010</a:t>
+              <a:t>9/15/2010</a:t>
             </a:fld>
             <a:endParaRPr lang="en-US"/>
           </a:p>
@@ -5732,7 +5712,7 @@
             <a:fld id="{2CEF3801-4993-4C5B-BE4A-0FC428F3EE6B}" type="datetimeFigureOut">
               <a:rPr lang="en-US" smtClean="0"/>
               <a:pPr/>
-              <a:t>9/14/2010</a:t>
+              <a:t>9/15/2010</a:t>
             </a:fld>
             <a:endParaRPr lang="en-US"/>
           </a:p>
@@ -5899,7 +5879,7 @@
             <a:fld id="{2CEF3801-4993-4C5B-BE4A-0FC428F3EE6B}" type="datetimeFigureOut">
               <a:rPr lang="en-US" smtClean="0"/>
               <a:pPr/>
-              <a:t>9/14/2010</a:t>
+              <a:t>9/15/2010</a:t>
             </a:fld>
             <a:endParaRPr lang="en-US"/>
           </a:p>
@@ -6142,7 +6122,7 @@
             <a:fld id="{2CEF3801-4993-4C5B-BE4A-0FC428F3EE6B}" type="datetimeFigureOut">
               <a:rPr lang="en-US" smtClean="0"/>
               <a:pPr/>
-              <a:t>9/14/2010</a:t>
+              <a:t>9/15/2010</a:t>
             </a:fld>
             <a:endParaRPr lang="en-US"/>
           </a:p>
@@ -6427,7 +6407,7 @@
             <a:fld id="{2CEF3801-4993-4C5B-BE4A-0FC428F3EE6B}" type="datetimeFigureOut">
               <a:rPr lang="en-US" smtClean="0"/>
               <a:pPr/>
-              <a:t>9/14/2010</a:t>
+              <a:t>9/15/2010</a:t>
             </a:fld>
             <a:endParaRPr lang="en-US"/>
           </a:p>
@@ -6846,7 +6826,7 @@
             <a:fld id="{2CEF3801-4993-4C5B-BE4A-0FC428F3EE6B}" type="datetimeFigureOut">
               <a:rPr lang="en-US" smtClean="0"/>
               <a:pPr/>
-              <a:t>9/14/2010</a:t>
+              <a:t>9/15/2010</a:t>
             </a:fld>
             <a:endParaRPr lang="en-US"/>
           </a:p>
@@ -6961,7 +6941,7 @@
             <a:fld id="{2CEF3801-4993-4C5B-BE4A-0FC428F3EE6B}" type="datetimeFigureOut">
               <a:rPr lang="en-US" smtClean="0"/>
               <a:pPr/>
-              <a:t>9/14/2010</a:t>
+              <a:t>9/15/2010</a:t>
             </a:fld>
             <a:endParaRPr lang="en-US"/>
           </a:p>
@@ -7053,7 +7033,7 @@
             <a:fld id="{2CEF3801-4993-4C5B-BE4A-0FC428F3EE6B}" type="datetimeFigureOut">
               <a:rPr lang="en-US" smtClean="0"/>
               <a:pPr/>
-              <a:t>9/14/2010</a:t>
+              <a:t>9/15/2010</a:t>
             </a:fld>
             <a:endParaRPr lang="en-US"/>
           </a:p>
@@ -7327,7 +7307,7 @@
             <a:fld id="{2CEF3801-4993-4C5B-BE4A-0FC428F3EE6B}" type="datetimeFigureOut">
               <a:rPr lang="en-US" smtClean="0"/>
               <a:pPr/>
-              <a:t>9/14/2010</a:t>
+              <a:t>9/15/2010</a:t>
             </a:fld>
             <a:endParaRPr lang="en-US"/>
           </a:p>
@@ -7577,7 +7557,7 @@
             <a:fld id="{2CEF3801-4993-4C5B-BE4A-0FC428F3EE6B}" type="datetimeFigureOut">
               <a:rPr lang="en-US" smtClean="0"/>
               <a:pPr/>
-              <a:t>9/14/2010</a:t>
+              <a:t>9/15/2010</a:t>
             </a:fld>
             <a:endParaRPr lang="en-US"/>
           </a:p>
@@ -7787,7 +7767,7 @@
             <a:fld id="{2CEF3801-4993-4C5B-BE4A-0FC428F3EE6B}" type="datetimeFigureOut">
               <a:rPr lang="en-US" smtClean="0"/>
               <a:pPr/>
-              <a:t>9/14/2010</a:t>
+              <a:t>9/15/2010</a:t>
             </a:fld>
             <a:endParaRPr lang="en-US"/>
           </a:p>
@@ -9804,13 +9784,8 @@
           <a:p>
             <a:r>
               <a:rPr lang="en-US" dirty="0" smtClean="0"/>
-              <a:t>not SQL/RDBMS expert (not sorry</a:t>
-            </a:r>
-            <a:r>
-              <a:rPr lang="en-US" dirty="0" smtClean="0"/>
-              <a:t>)</a:t>
-            </a:r>
-            <a:endParaRPr lang="en-US" dirty="0" smtClean="0"/>
+              <a:t>not SQL/RDBMS expert (not sorry)</a:t>
+            </a:r>
           </a:p>
           <a:p>
             <a:endParaRPr lang="en-US" dirty="0"/>
